--- a/notebooks/sklearn_unsupervised_03_mainfold_learning/assets/figures.pptx
+++ b/notebooks/sklearn_unsupervised_03_mainfold_learning/assets/figures.pptx
@@ -6,6 +6,8 @@
   </p:sldMasterIdLst>
   <p:sldIdLst>
     <p:sldId id="256" r:id="rId2"/>
+    <p:sldId id="257" r:id="rId3"/>
+    <p:sldId id="258" r:id="rId4"/>
   </p:sldIdLst>
   <p:sldSz cx="12192000" cy="6858000"/>
   <p:notesSz cx="6858000" cy="9144000"/>
@@ -3344,51 +3346,2688 @@
       </p:grpSpPr>
       <p:sp>
         <p:nvSpPr>
-          <p:cNvPr id="2" name="Título 1">
+          <p:cNvPr id="14" name="Flecha derecha 13">
             <a:extLst>
               <a:ext uri="{FF2B5EF4-FFF2-40B4-BE49-F238E27FC236}">
-                <a16:creationId xmlns:a16="http://schemas.microsoft.com/office/drawing/2014/main" id="{0263F72A-4461-844B-979F-CDBB90847284}"/>
+                <a16:creationId xmlns:a16="http://schemas.microsoft.com/office/drawing/2014/main" id="{066840E0-3C11-314E-A78E-9BDF398D2F63}"/>
               </a:ext>
             </a:extLst>
           </p:cNvPr>
-          <p:cNvSpPr>
-            <a:spLocks noGrp="1"/>
-          </p:cNvSpPr>
-          <p:nvPr>
-            <p:ph type="ctrTitle"/>
-          </p:nvPr>
+          <p:cNvSpPr/>
+          <p:nvPr/>
         </p:nvSpPr>
-        <p:spPr/>
+        <p:spPr>
+          <a:xfrm>
+            <a:off x="2011682" y="2152028"/>
+            <a:ext cx="575733" cy="214654"/>
+          </a:xfrm>
+          <a:prstGeom prst="rightArrow">
+            <a:avLst/>
+          </a:prstGeom>
+          <a:noFill/>
+          <a:ln>
+            <a:solidFill>
+              <a:schemeClr val="tx1"/>
+            </a:solidFill>
+          </a:ln>
+        </p:spPr>
+        <p:style>
+          <a:lnRef idx="2">
+            <a:schemeClr val="accent1">
+              <a:shade val="50000"/>
+            </a:schemeClr>
+          </a:lnRef>
+          <a:fillRef idx="1">
+            <a:schemeClr val="accent1"/>
+          </a:fillRef>
+          <a:effectRef idx="0">
+            <a:schemeClr val="accent1"/>
+          </a:effectRef>
+          <a:fontRef idx="minor">
+            <a:schemeClr val="lt1"/>
+          </a:fontRef>
+        </p:style>
         <p:txBody>
-          <a:bodyPr/>
+          <a:bodyPr rtlCol="0" anchor="ctr"/>
           <a:lstStyle/>
           <a:p>
+            <a:pPr algn="ctr"/>
+            <a:endParaRPr lang="es-CO"/>
+          </a:p>
+        </p:txBody>
+      </p:sp>
+      <p:grpSp>
+        <p:nvGrpSpPr>
+          <p:cNvPr id="126" name="Grupo 125">
+            <a:extLst>
+              <a:ext uri="{FF2B5EF4-FFF2-40B4-BE49-F238E27FC236}">
+                <a16:creationId xmlns:a16="http://schemas.microsoft.com/office/drawing/2014/main" id="{2212D7D2-D941-7443-9617-C0C28D39FC67}"/>
+              </a:ext>
+            </a:extLst>
+          </p:cNvPr>
+          <p:cNvGrpSpPr/>
+          <p:nvPr/>
+        </p:nvGrpSpPr>
+        <p:grpSpPr>
+          <a:xfrm>
+            <a:off x="2746935" y="981139"/>
+            <a:ext cx="2242445" cy="2248577"/>
+            <a:chOff x="3178932" y="810872"/>
+            <a:chExt cx="2242445" cy="2248577"/>
+          </a:xfrm>
+        </p:grpSpPr>
+        <p:sp>
+          <p:nvSpPr>
+            <p:cNvPr id="13" name="CuadroTexto 12">
+              <a:extLst>
+                <a:ext uri="{FF2B5EF4-FFF2-40B4-BE49-F238E27FC236}">
+                  <a16:creationId xmlns:a16="http://schemas.microsoft.com/office/drawing/2014/main" id="{D92A56A4-62DE-BA42-8DBF-9DE182BFDCD8}"/>
+                </a:ext>
+              </a:extLst>
+            </p:cNvPr>
+            <p:cNvSpPr txBox="1"/>
+            <p:nvPr/>
+          </p:nvSpPr>
+          <p:spPr>
+            <a:xfrm>
+              <a:off x="3178932" y="810872"/>
+              <a:ext cx="2242445" cy="523220"/>
+            </a:xfrm>
+            <a:prstGeom prst="rect">
+              <a:avLst/>
+            </a:prstGeom>
+            <a:noFill/>
+          </p:spPr>
+          <p:txBody>
+            <a:bodyPr wrap="square" rtlCol="0">
+              <a:spAutoFit/>
+            </a:bodyPr>
+            <a:lstStyle/>
+            <a:p>
+              <a:pPr algn="ctr"/>
+              <a:r>
+                <a:rPr lang="es-CO" sz="1400" dirty="0"/>
+                <a:t>Búsqueda de los k vecinos más cercanos</a:t>
+              </a:r>
+            </a:p>
+          </p:txBody>
+        </p:sp>
+        <p:grpSp>
+          <p:nvGrpSpPr>
+            <p:cNvPr id="118" name="Grupo 117">
+              <a:extLst>
+                <a:ext uri="{FF2B5EF4-FFF2-40B4-BE49-F238E27FC236}">
+                  <a16:creationId xmlns:a16="http://schemas.microsoft.com/office/drawing/2014/main" id="{920CC6A5-3192-984F-9F2B-7AD1754C0F9B}"/>
+                </a:ext>
+              </a:extLst>
+            </p:cNvPr>
+            <p:cNvGrpSpPr/>
+            <p:nvPr/>
+          </p:nvGrpSpPr>
+          <p:grpSpPr>
+            <a:xfrm>
+              <a:off x="3238646" y="1396995"/>
+              <a:ext cx="2061289" cy="1662454"/>
+              <a:chOff x="3869266" y="1251567"/>
+              <a:chExt cx="2061289" cy="1662454"/>
+            </a:xfrm>
+          </p:grpSpPr>
+          <p:cxnSp>
+            <p:nvCxnSpPr>
+              <p:cNvPr id="35" name="Conector recto 34">
+                <a:extLst>
+                  <a:ext uri="{FF2B5EF4-FFF2-40B4-BE49-F238E27FC236}">
+                    <a16:creationId xmlns:a16="http://schemas.microsoft.com/office/drawing/2014/main" id="{0175C934-151E-F348-8AAA-0C12587BCCED}"/>
+                  </a:ext>
+                </a:extLst>
+              </p:cNvPr>
+              <p:cNvCxnSpPr>
+                <a:cxnSpLocks/>
+              </p:cNvCxnSpPr>
+              <p:nvPr/>
+            </p:nvCxnSpPr>
+            <p:spPr>
+              <a:xfrm flipV="1">
+                <a:off x="4146096" y="1482024"/>
+                <a:ext cx="217715" cy="134587"/>
+              </a:xfrm>
+              <a:prstGeom prst="line">
+                <a:avLst/>
+              </a:prstGeom>
+              <a:ln w="19050">
+                <a:solidFill>
+                  <a:srgbClr val="C00000"/>
+                </a:solidFill>
+              </a:ln>
+            </p:spPr>
+            <p:style>
+              <a:lnRef idx="1">
+                <a:schemeClr val="accent1"/>
+              </a:lnRef>
+              <a:fillRef idx="0">
+                <a:schemeClr val="accent1"/>
+              </a:fillRef>
+              <a:effectRef idx="0">
+                <a:schemeClr val="accent1"/>
+              </a:effectRef>
+              <a:fontRef idx="minor">
+                <a:schemeClr val="tx1"/>
+              </a:fontRef>
+            </p:style>
+          </p:cxnSp>
+          <p:cxnSp>
+            <p:nvCxnSpPr>
+              <p:cNvPr id="30" name="Conector recto 29">
+                <a:extLst>
+                  <a:ext uri="{FF2B5EF4-FFF2-40B4-BE49-F238E27FC236}">
+                    <a16:creationId xmlns:a16="http://schemas.microsoft.com/office/drawing/2014/main" id="{6908A424-8C7E-0441-B825-06FE1E59A4AD}"/>
+                  </a:ext>
+                </a:extLst>
+              </p:cNvPr>
+              <p:cNvCxnSpPr>
+                <a:cxnSpLocks/>
+              </p:cNvCxnSpPr>
+              <p:nvPr/>
+            </p:nvCxnSpPr>
+            <p:spPr>
+              <a:xfrm flipV="1">
+                <a:off x="4105275" y="1345871"/>
+                <a:ext cx="86715" cy="260679"/>
+              </a:xfrm>
+              <a:prstGeom prst="line">
+                <a:avLst/>
+              </a:prstGeom>
+              <a:ln w="19050">
+                <a:solidFill>
+                  <a:srgbClr val="C00000"/>
+                </a:solidFill>
+              </a:ln>
+            </p:spPr>
+            <p:style>
+              <a:lnRef idx="1">
+                <a:schemeClr val="accent1"/>
+              </a:lnRef>
+              <a:fillRef idx="0">
+                <a:schemeClr val="accent1"/>
+              </a:fillRef>
+              <a:effectRef idx="0">
+                <a:schemeClr val="accent1"/>
+              </a:effectRef>
+              <a:fontRef idx="minor">
+                <a:schemeClr val="tx1"/>
+              </a:fontRef>
+            </p:style>
+          </p:cxnSp>
+          <p:cxnSp>
+            <p:nvCxnSpPr>
+              <p:cNvPr id="76" name="Conector recto 75">
+                <a:extLst>
+                  <a:ext uri="{FF2B5EF4-FFF2-40B4-BE49-F238E27FC236}">
+                    <a16:creationId xmlns:a16="http://schemas.microsoft.com/office/drawing/2014/main" id="{767221E9-2CF3-BD41-9779-2A7705037045}"/>
+                  </a:ext>
+                </a:extLst>
+              </p:cNvPr>
+              <p:cNvCxnSpPr>
+                <a:cxnSpLocks/>
+              </p:cNvCxnSpPr>
+              <p:nvPr/>
+            </p:nvCxnSpPr>
+            <p:spPr>
+              <a:xfrm flipH="1" flipV="1">
+                <a:off x="4994277" y="2079625"/>
+                <a:ext cx="149223" cy="320675"/>
+              </a:xfrm>
+              <a:prstGeom prst="line">
+                <a:avLst/>
+              </a:prstGeom>
+              <a:ln w="19050">
+                <a:solidFill>
+                  <a:schemeClr val="accent1">
+                    <a:lumMod val="75000"/>
+                  </a:schemeClr>
+                </a:solidFill>
+              </a:ln>
+            </p:spPr>
+            <p:style>
+              <a:lnRef idx="1">
+                <a:schemeClr val="accent1"/>
+              </a:lnRef>
+              <a:fillRef idx="0">
+                <a:schemeClr val="accent1"/>
+              </a:fillRef>
+              <a:effectRef idx="0">
+                <a:schemeClr val="accent1"/>
+              </a:effectRef>
+              <a:fontRef idx="minor">
+                <a:schemeClr val="tx1"/>
+              </a:fontRef>
+            </p:style>
+          </p:cxnSp>
+          <p:cxnSp>
+            <p:nvCxnSpPr>
+              <p:cNvPr id="61" name="Conector recto 60">
+                <a:extLst>
+                  <a:ext uri="{FF2B5EF4-FFF2-40B4-BE49-F238E27FC236}">
+                    <a16:creationId xmlns:a16="http://schemas.microsoft.com/office/drawing/2014/main" id="{51B2246A-8B3E-2644-B19C-C14E744DF79F}"/>
+                  </a:ext>
+                </a:extLst>
+              </p:cNvPr>
+              <p:cNvCxnSpPr>
+                <a:cxnSpLocks/>
+              </p:cNvCxnSpPr>
+              <p:nvPr/>
+            </p:nvCxnSpPr>
+            <p:spPr>
+              <a:xfrm flipV="1">
+                <a:off x="5010150" y="1739901"/>
+                <a:ext cx="193675" cy="273049"/>
+              </a:xfrm>
+              <a:prstGeom prst="line">
+                <a:avLst/>
+              </a:prstGeom>
+              <a:ln w="19050">
+                <a:solidFill>
+                  <a:schemeClr val="accent1">
+                    <a:lumMod val="75000"/>
+                  </a:schemeClr>
+                </a:solidFill>
+              </a:ln>
+            </p:spPr>
+            <p:style>
+              <a:lnRef idx="1">
+                <a:schemeClr val="accent1"/>
+              </a:lnRef>
+              <a:fillRef idx="0">
+                <a:schemeClr val="accent1"/>
+              </a:fillRef>
+              <a:effectRef idx="0">
+                <a:schemeClr val="accent1"/>
+              </a:effectRef>
+              <a:fontRef idx="minor">
+                <a:schemeClr val="tx1"/>
+              </a:fontRef>
+            </p:style>
+          </p:cxnSp>
+          <p:sp>
+            <p:nvSpPr>
+              <p:cNvPr id="15" name="Elipse 14">
+                <a:extLst>
+                  <a:ext uri="{FF2B5EF4-FFF2-40B4-BE49-F238E27FC236}">
+                    <a16:creationId xmlns:a16="http://schemas.microsoft.com/office/drawing/2014/main" id="{F029443D-0E69-014E-B8C2-7C28FE5DCEAC}"/>
+                  </a:ext>
+                </a:extLst>
+              </p:cNvPr>
+              <p:cNvSpPr/>
+              <p:nvPr/>
+            </p:nvSpPr>
+            <p:spPr>
+              <a:xfrm>
+                <a:off x="4055533" y="1603188"/>
+                <a:ext cx="90145" cy="90145"/>
+              </a:xfrm>
+              <a:prstGeom prst="ellipse">
+                <a:avLst/>
+              </a:prstGeom>
+              <a:solidFill>
+                <a:srgbClr val="C00000"/>
+              </a:solidFill>
+              <a:ln w="25400">
+                <a:solidFill>
+                  <a:schemeClr val="tx1"/>
+                </a:solidFill>
+              </a:ln>
+            </p:spPr>
+            <p:style>
+              <a:lnRef idx="2">
+                <a:schemeClr val="accent1">
+                  <a:shade val="50000"/>
+                </a:schemeClr>
+              </a:lnRef>
+              <a:fillRef idx="1">
+                <a:schemeClr val="accent1"/>
+              </a:fillRef>
+              <a:effectRef idx="0">
+                <a:schemeClr val="accent1"/>
+              </a:effectRef>
+              <a:fontRef idx="minor">
+                <a:schemeClr val="lt1"/>
+              </a:fontRef>
+            </p:style>
+            <p:txBody>
+              <a:bodyPr rtlCol="0" anchor="ctr"/>
+              <a:lstStyle/>
+              <a:p>
+                <a:pPr algn="ctr"/>
+                <a:endParaRPr lang="es-CO"/>
+              </a:p>
+            </p:txBody>
+          </p:sp>
+          <p:sp>
+            <p:nvSpPr>
+              <p:cNvPr id="16" name="Elipse 15">
+                <a:extLst>
+                  <a:ext uri="{FF2B5EF4-FFF2-40B4-BE49-F238E27FC236}">
+                    <a16:creationId xmlns:a16="http://schemas.microsoft.com/office/drawing/2014/main" id="{18CB14D6-361A-154E-9F19-23A25F8B4995}"/>
+                  </a:ext>
+                </a:extLst>
+              </p:cNvPr>
+              <p:cNvSpPr/>
+              <p:nvPr/>
+            </p:nvSpPr>
+            <p:spPr>
+              <a:xfrm>
+                <a:off x="4168089" y="1251567"/>
+                <a:ext cx="90145" cy="90145"/>
+              </a:xfrm>
+              <a:prstGeom prst="ellipse">
+                <a:avLst/>
+              </a:prstGeom>
+              <a:noFill/>
+              <a:ln w="25400">
+                <a:solidFill>
+                  <a:schemeClr val="tx1"/>
+                </a:solidFill>
+              </a:ln>
+            </p:spPr>
+            <p:style>
+              <a:lnRef idx="2">
+                <a:schemeClr val="accent1">
+                  <a:shade val="50000"/>
+                </a:schemeClr>
+              </a:lnRef>
+              <a:fillRef idx="1">
+                <a:schemeClr val="accent1"/>
+              </a:fillRef>
+              <a:effectRef idx="0">
+                <a:schemeClr val="accent1"/>
+              </a:effectRef>
+              <a:fontRef idx="minor">
+                <a:schemeClr val="lt1"/>
+              </a:fontRef>
+            </p:style>
+            <p:txBody>
+              <a:bodyPr rtlCol="0" anchor="ctr"/>
+              <a:lstStyle/>
+              <a:p>
+                <a:pPr algn="ctr"/>
+                <a:endParaRPr lang="es-CO"/>
+              </a:p>
+            </p:txBody>
+          </p:sp>
+          <p:sp>
+            <p:nvSpPr>
+              <p:cNvPr id="17" name="Elipse 16">
+                <a:extLst>
+                  <a:ext uri="{FF2B5EF4-FFF2-40B4-BE49-F238E27FC236}">
+                    <a16:creationId xmlns:a16="http://schemas.microsoft.com/office/drawing/2014/main" id="{87371E5B-0D9D-2A46-AC17-C1C6063A610A}"/>
+                  </a:ext>
+                </a:extLst>
+              </p:cNvPr>
+              <p:cNvSpPr/>
+              <p:nvPr/>
+            </p:nvSpPr>
+            <p:spPr>
+              <a:xfrm>
+                <a:off x="3869266" y="1899521"/>
+                <a:ext cx="90145" cy="90145"/>
+              </a:xfrm>
+              <a:prstGeom prst="ellipse">
+                <a:avLst/>
+              </a:prstGeom>
+              <a:noFill/>
+              <a:ln w="25400">
+                <a:solidFill>
+                  <a:schemeClr val="tx1"/>
+                </a:solidFill>
+              </a:ln>
+            </p:spPr>
+            <p:style>
+              <a:lnRef idx="2">
+                <a:schemeClr val="accent1">
+                  <a:shade val="50000"/>
+                </a:schemeClr>
+              </a:lnRef>
+              <a:fillRef idx="1">
+                <a:schemeClr val="accent1"/>
+              </a:fillRef>
+              <a:effectRef idx="0">
+                <a:schemeClr val="accent1"/>
+              </a:effectRef>
+              <a:fontRef idx="minor">
+                <a:schemeClr val="lt1"/>
+              </a:fontRef>
+            </p:style>
+            <p:txBody>
+              <a:bodyPr rtlCol="0" anchor="ctr"/>
+              <a:lstStyle/>
+              <a:p>
+                <a:pPr algn="ctr"/>
+                <a:endParaRPr lang="es-CO"/>
+              </a:p>
+            </p:txBody>
+          </p:sp>
+          <p:sp>
+            <p:nvSpPr>
+              <p:cNvPr id="18" name="Elipse 17">
+                <a:extLst>
+                  <a:ext uri="{FF2B5EF4-FFF2-40B4-BE49-F238E27FC236}">
+                    <a16:creationId xmlns:a16="http://schemas.microsoft.com/office/drawing/2014/main" id="{C7E1365C-5CF4-5D48-9E77-D7A0E12A4BC1}"/>
+                  </a:ext>
+                </a:extLst>
+              </p:cNvPr>
+              <p:cNvSpPr/>
+              <p:nvPr/>
+            </p:nvSpPr>
+            <p:spPr>
+              <a:xfrm>
+                <a:off x="4351867" y="1414182"/>
+                <a:ext cx="90145" cy="90145"/>
+              </a:xfrm>
+              <a:prstGeom prst="ellipse">
+                <a:avLst/>
+              </a:prstGeom>
+              <a:noFill/>
+              <a:ln w="25400">
+                <a:solidFill>
+                  <a:schemeClr val="tx1"/>
+                </a:solidFill>
+              </a:ln>
+            </p:spPr>
+            <p:style>
+              <a:lnRef idx="2">
+                <a:schemeClr val="accent1">
+                  <a:shade val="50000"/>
+                </a:schemeClr>
+              </a:lnRef>
+              <a:fillRef idx="1">
+                <a:schemeClr val="accent1"/>
+              </a:fillRef>
+              <a:effectRef idx="0">
+                <a:schemeClr val="accent1"/>
+              </a:effectRef>
+              <a:fontRef idx="minor">
+                <a:schemeClr val="lt1"/>
+              </a:fontRef>
+            </p:style>
+            <p:txBody>
+              <a:bodyPr rtlCol="0" anchor="ctr"/>
+              <a:lstStyle/>
+              <a:p>
+                <a:pPr algn="ctr"/>
+                <a:endParaRPr lang="es-CO"/>
+              </a:p>
+            </p:txBody>
+          </p:sp>
+          <p:sp>
+            <p:nvSpPr>
+              <p:cNvPr id="19" name="Elipse 18">
+                <a:extLst>
+                  <a:ext uri="{FF2B5EF4-FFF2-40B4-BE49-F238E27FC236}">
+                    <a16:creationId xmlns:a16="http://schemas.microsoft.com/office/drawing/2014/main" id="{3C5A9521-AC89-0D42-A0A1-72BC7CD22349}"/>
+                  </a:ext>
+                </a:extLst>
+              </p:cNvPr>
+              <p:cNvSpPr/>
+              <p:nvPr/>
+            </p:nvSpPr>
+            <p:spPr>
+              <a:xfrm>
+                <a:off x="4010460" y="2044954"/>
+                <a:ext cx="90145" cy="90145"/>
+              </a:xfrm>
+              <a:prstGeom prst="ellipse">
+                <a:avLst/>
+              </a:prstGeom>
+              <a:noFill/>
+              <a:ln w="25400">
+                <a:solidFill>
+                  <a:schemeClr val="tx1"/>
+                </a:solidFill>
+              </a:ln>
+            </p:spPr>
+            <p:style>
+              <a:lnRef idx="2">
+                <a:schemeClr val="accent1">
+                  <a:shade val="50000"/>
+                </a:schemeClr>
+              </a:lnRef>
+              <a:fillRef idx="1">
+                <a:schemeClr val="accent1"/>
+              </a:fillRef>
+              <a:effectRef idx="0">
+                <a:schemeClr val="accent1"/>
+              </a:effectRef>
+              <a:fontRef idx="minor">
+                <a:schemeClr val="lt1"/>
+              </a:fontRef>
+            </p:style>
+            <p:txBody>
+              <a:bodyPr rtlCol="0" anchor="ctr"/>
+              <a:lstStyle/>
+              <a:p>
+                <a:pPr algn="ctr"/>
+                <a:endParaRPr lang="es-CO"/>
+              </a:p>
+            </p:txBody>
+          </p:sp>
+          <p:sp>
+            <p:nvSpPr>
+              <p:cNvPr id="20" name="Elipse 19">
+                <a:extLst>
+                  <a:ext uri="{FF2B5EF4-FFF2-40B4-BE49-F238E27FC236}">
+                    <a16:creationId xmlns:a16="http://schemas.microsoft.com/office/drawing/2014/main" id="{62033627-A0F8-514B-8E35-247747DF699A}"/>
+                  </a:ext>
+                </a:extLst>
+              </p:cNvPr>
+              <p:cNvSpPr/>
+              <p:nvPr/>
+            </p:nvSpPr>
+            <p:spPr>
+              <a:xfrm>
+                <a:off x="4755491" y="1587335"/>
+                <a:ext cx="90145" cy="90145"/>
+              </a:xfrm>
+              <a:prstGeom prst="ellipse">
+                <a:avLst/>
+              </a:prstGeom>
+              <a:noFill/>
+              <a:ln w="25400">
+                <a:solidFill>
+                  <a:schemeClr val="tx1"/>
+                </a:solidFill>
+              </a:ln>
+            </p:spPr>
+            <p:style>
+              <a:lnRef idx="2">
+                <a:schemeClr val="accent1">
+                  <a:shade val="50000"/>
+                </a:schemeClr>
+              </a:lnRef>
+              <a:fillRef idx="1">
+                <a:schemeClr val="accent1"/>
+              </a:fillRef>
+              <a:effectRef idx="0">
+                <a:schemeClr val="accent1"/>
+              </a:effectRef>
+              <a:fontRef idx="minor">
+                <a:schemeClr val="lt1"/>
+              </a:fontRef>
+            </p:style>
+            <p:txBody>
+              <a:bodyPr rtlCol="0" anchor="ctr"/>
+              <a:lstStyle/>
+              <a:p>
+                <a:pPr algn="ctr"/>
+                <a:endParaRPr lang="es-CO"/>
+              </a:p>
+            </p:txBody>
+          </p:sp>
+          <p:sp>
+            <p:nvSpPr>
+              <p:cNvPr id="21" name="Elipse 20">
+                <a:extLst>
+                  <a:ext uri="{FF2B5EF4-FFF2-40B4-BE49-F238E27FC236}">
+                    <a16:creationId xmlns:a16="http://schemas.microsoft.com/office/drawing/2014/main" id="{D26A5AD6-6D63-CE4C-B625-C041F148B470}"/>
+                  </a:ext>
+                </a:extLst>
+              </p:cNvPr>
+              <p:cNvSpPr/>
+              <p:nvPr/>
+            </p:nvSpPr>
+            <p:spPr>
+              <a:xfrm>
+                <a:off x="4938804" y="1999881"/>
+                <a:ext cx="90145" cy="90145"/>
+              </a:xfrm>
+              <a:prstGeom prst="ellipse">
+                <a:avLst/>
+              </a:prstGeom>
+              <a:solidFill>
+                <a:schemeClr val="accent1">
+                  <a:lumMod val="75000"/>
+                </a:schemeClr>
+              </a:solidFill>
+              <a:ln w="25400">
+                <a:solidFill>
+                  <a:schemeClr val="tx1"/>
+                </a:solidFill>
+              </a:ln>
+            </p:spPr>
+            <p:style>
+              <a:lnRef idx="2">
+                <a:schemeClr val="accent1">
+                  <a:shade val="50000"/>
+                </a:schemeClr>
+              </a:lnRef>
+              <a:fillRef idx="1">
+                <a:schemeClr val="accent1"/>
+              </a:fillRef>
+              <a:effectRef idx="0">
+                <a:schemeClr val="accent1"/>
+              </a:effectRef>
+              <a:fontRef idx="minor">
+                <a:schemeClr val="lt1"/>
+              </a:fontRef>
+            </p:style>
+            <p:txBody>
+              <a:bodyPr rtlCol="0" anchor="ctr"/>
+              <a:lstStyle/>
+              <a:p>
+                <a:pPr algn="ctr"/>
+                <a:endParaRPr lang="es-CO"/>
+              </a:p>
+            </p:txBody>
+          </p:sp>
+          <p:sp>
+            <p:nvSpPr>
+              <p:cNvPr id="22" name="Elipse 21">
+                <a:extLst>
+                  <a:ext uri="{FF2B5EF4-FFF2-40B4-BE49-F238E27FC236}">
+                    <a16:creationId xmlns:a16="http://schemas.microsoft.com/office/drawing/2014/main" id="{9A20171A-6BD2-3D4A-96AE-8D75AC26E715}"/>
+                  </a:ext>
+                </a:extLst>
+              </p:cNvPr>
+              <p:cNvSpPr/>
+              <p:nvPr/>
+            </p:nvSpPr>
+            <p:spPr>
+              <a:xfrm>
+                <a:off x="5184588" y="1648260"/>
+                <a:ext cx="90145" cy="90145"/>
+              </a:xfrm>
+              <a:prstGeom prst="ellipse">
+                <a:avLst/>
+              </a:prstGeom>
+              <a:noFill/>
+              <a:ln w="25400">
+                <a:solidFill>
+                  <a:schemeClr val="tx1"/>
+                </a:solidFill>
+              </a:ln>
+            </p:spPr>
+            <p:style>
+              <a:lnRef idx="2">
+                <a:schemeClr val="accent1">
+                  <a:shade val="50000"/>
+                </a:schemeClr>
+              </a:lnRef>
+              <a:fillRef idx="1">
+                <a:schemeClr val="accent1"/>
+              </a:fillRef>
+              <a:effectRef idx="0">
+                <a:schemeClr val="accent1"/>
+              </a:effectRef>
+              <a:fontRef idx="minor">
+                <a:schemeClr val="lt1"/>
+              </a:fontRef>
+            </p:style>
+            <p:txBody>
+              <a:bodyPr rtlCol="0" anchor="ctr"/>
+              <a:lstStyle/>
+              <a:p>
+                <a:pPr algn="ctr"/>
+                <a:endParaRPr lang="es-CO"/>
+              </a:p>
+            </p:txBody>
+          </p:sp>
+          <p:sp>
+            <p:nvSpPr>
+              <p:cNvPr id="23" name="Elipse 22">
+                <a:extLst>
+                  <a:ext uri="{FF2B5EF4-FFF2-40B4-BE49-F238E27FC236}">
+                    <a16:creationId xmlns:a16="http://schemas.microsoft.com/office/drawing/2014/main" id="{A8F6FE44-55A9-734E-8A20-4BF255DA3DB1}"/>
+                  </a:ext>
+                </a:extLst>
+              </p:cNvPr>
+              <p:cNvSpPr/>
+              <p:nvPr/>
+            </p:nvSpPr>
+            <p:spPr>
+              <a:xfrm>
+                <a:off x="4699000" y="2078819"/>
+                <a:ext cx="90145" cy="90145"/>
+              </a:xfrm>
+              <a:prstGeom prst="ellipse">
+                <a:avLst/>
+              </a:prstGeom>
+              <a:noFill/>
+              <a:ln w="25400">
+                <a:solidFill>
+                  <a:schemeClr val="tx1"/>
+                </a:solidFill>
+              </a:ln>
+            </p:spPr>
+            <p:style>
+              <a:lnRef idx="2">
+                <a:schemeClr val="accent1">
+                  <a:shade val="50000"/>
+                </a:schemeClr>
+              </a:lnRef>
+              <a:fillRef idx="1">
+                <a:schemeClr val="accent1"/>
+              </a:fillRef>
+              <a:effectRef idx="0">
+                <a:schemeClr val="accent1"/>
+              </a:effectRef>
+              <a:fontRef idx="minor">
+                <a:schemeClr val="lt1"/>
+              </a:fontRef>
+            </p:style>
+            <p:txBody>
+              <a:bodyPr rtlCol="0" anchor="ctr"/>
+              <a:lstStyle/>
+              <a:p>
+                <a:pPr algn="ctr"/>
+                <a:endParaRPr lang="es-CO"/>
+              </a:p>
+            </p:txBody>
+          </p:sp>
+          <p:sp>
+            <p:nvSpPr>
+              <p:cNvPr id="24" name="Elipse 23">
+                <a:extLst>
+                  <a:ext uri="{FF2B5EF4-FFF2-40B4-BE49-F238E27FC236}">
+                    <a16:creationId xmlns:a16="http://schemas.microsoft.com/office/drawing/2014/main" id="{6BC49BE0-4E5F-9C42-8BCF-19CF9AFB42A6}"/>
+                  </a:ext>
+                </a:extLst>
+              </p:cNvPr>
+              <p:cNvSpPr/>
+              <p:nvPr/>
+            </p:nvSpPr>
+            <p:spPr>
+              <a:xfrm>
+                <a:off x="5128542" y="2397803"/>
+                <a:ext cx="90145" cy="90145"/>
+              </a:xfrm>
+              <a:prstGeom prst="ellipse">
+                <a:avLst/>
+              </a:prstGeom>
+              <a:noFill/>
+              <a:ln w="25400">
+                <a:solidFill>
+                  <a:schemeClr val="tx1"/>
+                </a:solidFill>
+              </a:ln>
+            </p:spPr>
+            <p:style>
+              <a:lnRef idx="2">
+                <a:schemeClr val="accent1">
+                  <a:shade val="50000"/>
+                </a:schemeClr>
+              </a:lnRef>
+              <a:fillRef idx="1">
+                <a:schemeClr val="accent1"/>
+              </a:fillRef>
+              <a:effectRef idx="0">
+                <a:schemeClr val="accent1"/>
+              </a:effectRef>
+              <a:fontRef idx="minor">
+                <a:schemeClr val="lt1"/>
+              </a:fontRef>
+            </p:style>
+            <p:txBody>
+              <a:bodyPr rtlCol="0" anchor="ctr"/>
+              <a:lstStyle/>
+              <a:p>
+                <a:pPr algn="ctr"/>
+                <a:endParaRPr lang="es-CO"/>
+              </a:p>
+            </p:txBody>
+          </p:sp>
+          <p:sp>
+            <p:nvSpPr>
+              <p:cNvPr id="25" name="Elipse 24">
+                <a:extLst>
+                  <a:ext uri="{FF2B5EF4-FFF2-40B4-BE49-F238E27FC236}">
+                    <a16:creationId xmlns:a16="http://schemas.microsoft.com/office/drawing/2014/main" id="{D81EAECA-B835-114F-8F41-AF5399420339}"/>
+                  </a:ext>
+                </a:extLst>
+              </p:cNvPr>
+              <p:cNvSpPr/>
+              <p:nvPr/>
+            </p:nvSpPr>
+            <p:spPr>
+              <a:xfrm>
+                <a:off x="5284339" y="2624624"/>
+                <a:ext cx="90145" cy="90145"/>
+              </a:xfrm>
+              <a:prstGeom prst="ellipse">
+                <a:avLst/>
+              </a:prstGeom>
+              <a:noFill/>
+              <a:ln w="25400">
+                <a:solidFill>
+                  <a:schemeClr val="tx1"/>
+                </a:solidFill>
+              </a:ln>
+            </p:spPr>
+            <p:style>
+              <a:lnRef idx="2">
+                <a:schemeClr val="accent1">
+                  <a:shade val="50000"/>
+                </a:schemeClr>
+              </a:lnRef>
+              <a:fillRef idx="1">
+                <a:schemeClr val="accent1"/>
+              </a:fillRef>
+              <a:effectRef idx="0">
+                <a:schemeClr val="accent1"/>
+              </a:effectRef>
+              <a:fontRef idx="minor">
+                <a:schemeClr val="lt1"/>
+              </a:fontRef>
+            </p:style>
+            <p:txBody>
+              <a:bodyPr rtlCol="0" anchor="ctr"/>
+              <a:lstStyle/>
+              <a:p>
+                <a:pPr algn="ctr"/>
+                <a:endParaRPr lang="es-CO"/>
+              </a:p>
+            </p:txBody>
+          </p:sp>
+          <p:sp>
+            <p:nvSpPr>
+              <p:cNvPr id="26" name="Elipse 25">
+                <a:extLst>
+                  <a:ext uri="{FF2B5EF4-FFF2-40B4-BE49-F238E27FC236}">
+                    <a16:creationId xmlns:a16="http://schemas.microsoft.com/office/drawing/2014/main" id="{0A473B2A-9B72-454C-B0B2-723A3E1269AE}"/>
+                  </a:ext>
+                </a:extLst>
+              </p:cNvPr>
+              <p:cNvSpPr/>
+              <p:nvPr/>
+            </p:nvSpPr>
+            <p:spPr>
+              <a:xfrm>
+                <a:off x="5539008" y="2442876"/>
+                <a:ext cx="90145" cy="90145"/>
+              </a:xfrm>
+              <a:prstGeom prst="ellipse">
+                <a:avLst/>
+              </a:prstGeom>
+              <a:noFill/>
+              <a:ln w="25400">
+                <a:solidFill>
+                  <a:schemeClr val="tx1"/>
+                </a:solidFill>
+              </a:ln>
+            </p:spPr>
+            <p:style>
+              <a:lnRef idx="2">
+                <a:schemeClr val="accent1">
+                  <a:shade val="50000"/>
+                </a:schemeClr>
+              </a:lnRef>
+              <a:fillRef idx="1">
+                <a:schemeClr val="accent1"/>
+              </a:fillRef>
+              <a:effectRef idx="0">
+                <a:schemeClr val="accent1"/>
+              </a:effectRef>
+              <a:fontRef idx="minor">
+                <a:schemeClr val="lt1"/>
+              </a:fontRef>
+            </p:style>
+            <p:txBody>
+              <a:bodyPr rtlCol="0" anchor="ctr"/>
+              <a:lstStyle/>
+              <a:p>
+                <a:pPr algn="ctr"/>
+                <a:endParaRPr lang="es-CO"/>
+              </a:p>
+            </p:txBody>
+          </p:sp>
+          <p:sp>
+            <p:nvSpPr>
+              <p:cNvPr id="27" name="Elipse 26">
+                <a:extLst>
+                  <a:ext uri="{FF2B5EF4-FFF2-40B4-BE49-F238E27FC236}">
+                    <a16:creationId xmlns:a16="http://schemas.microsoft.com/office/drawing/2014/main" id="{4E4DC1B1-01BA-C14C-930B-F1C3C7E5BD91}"/>
+                  </a:ext>
+                </a:extLst>
+              </p:cNvPr>
+              <p:cNvSpPr/>
+              <p:nvPr/>
+            </p:nvSpPr>
+            <p:spPr>
+              <a:xfrm>
+                <a:off x="5028949" y="2823876"/>
+                <a:ext cx="90145" cy="90145"/>
+              </a:xfrm>
+              <a:prstGeom prst="ellipse">
+                <a:avLst/>
+              </a:prstGeom>
+              <a:noFill/>
+              <a:ln w="25400">
+                <a:solidFill>
+                  <a:schemeClr val="tx1"/>
+                </a:solidFill>
+              </a:ln>
+            </p:spPr>
+            <p:style>
+              <a:lnRef idx="2">
+                <a:schemeClr val="accent1">
+                  <a:shade val="50000"/>
+                </a:schemeClr>
+              </a:lnRef>
+              <a:fillRef idx="1">
+                <a:schemeClr val="accent1"/>
+              </a:fillRef>
+              <a:effectRef idx="0">
+                <a:schemeClr val="accent1"/>
+              </a:effectRef>
+              <a:fontRef idx="minor">
+                <a:schemeClr val="lt1"/>
+              </a:fontRef>
+            </p:style>
+            <p:txBody>
+              <a:bodyPr rtlCol="0" anchor="ctr"/>
+              <a:lstStyle/>
+              <a:p>
+                <a:pPr algn="ctr"/>
+                <a:endParaRPr lang="es-CO"/>
+              </a:p>
+            </p:txBody>
+          </p:sp>
+          <p:sp>
+            <p:nvSpPr>
+              <p:cNvPr id="28" name="Elipse 27">
+                <a:extLst>
+                  <a:ext uri="{FF2B5EF4-FFF2-40B4-BE49-F238E27FC236}">
+                    <a16:creationId xmlns:a16="http://schemas.microsoft.com/office/drawing/2014/main" id="{CF4EF463-3E91-414F-9221-3A5B4B741A8A}"/>
+                  </a:ext>
+                </a:extLst>
+              </p:cNvPr>
+              <p:cNvSpPr/>
+              <p:nvPr/>
+            </p:nvSpPr>
+            <p:spPr>
+              <a:xfrm>
+                <a:off x="5840410" y="2694133"/>
+                <a:ext cx="90145" cy="90145"/>
+              </a:xfrm>
+              <a:prstGeom prst="ellipse">
+                <a:avLst/>
+              </a:prstGeom>
+              <a:noFill/>
+              <a:ln w="25400">
+                <a:solidFill>
+                  <a:schemeClr val="tx1"/>
+                </a:solidFill>
+              </a:ln>
+            </p:spPr>
+            <p:style>
+              <a:lnRef idx="2">
+                <a:schemeClr val="accent1">
+                  <a:shade val="50000"/>
+                </a:schemeClr>
+              </a:lnRef>
+              <a:fillRef idx="1">
+                <a:schemeClr val="accent1"/>
+              </a:fillRef>
+              <a:effectRef idx="0">
+                <a:schemeClr val="accent1"/>
+              </a:effectRef>
+              <a:fontRef idx="minor">
+                <a:schemeClr val="lt1"/>
+              </a:fontRef>
+            </p:style>
+            <p:txBody>
+              <a:bodyPr rtlCol="0" anchor="ctr"/>
+              <a:lstStyle/>
+              <a:p>
+                <a:pPr algn="ctr"/>
+                <a:endParaRPr lang="es-CO"/>
+              </a:p>
+            </p:txBody>
+          </p:sp>
+          <p:cxnSp>
+            <p:nvCxnSpPr>
+              <p:cNvPr id="38" name="Conector recto 37">
+                <a:extLst>
+                  <a:ext uri="{FF2B5EF4-FFF2-40B4-BE49-F238E27FC236}">
+                    <a16:creationId xmlns:a16="http://schemas.microsoft.com/office/drawing/2014/main" id="{C93007C7-A404-FF4B-88B9-86178D0C5ACD}"/>
+                  </a:ext>
+                </a:extLst>
+              </p:cNvPr>
+              <p:cNvCxnSpPr>
+                <a:cxnSpLocks/>
+              </p:cNvCxnSpPr>
+              <p:nvPr/>
+            </p:nvCxnSpPr>
+            <p:spPr>
+              <a:xfrm>
+                <a:off x="4425538" y="1464623"/>
+                <a:ext cx="316675" cy="146463"/>
+              </a:xfrm>
+              <a:prstGeom prst="line">
+                <a:avLst/>
+              </a:prstGeom>
+              <a:ln w="12700">
+                <a:solidFill>
+                  <a:schemeClr val="tx1"/>
+                </a:solidFill>
+              </a:ln>
+            </p:spPr>
+            <p:style>
+              <a:lnRef idx="1">
+                <a:schemeClr val="accent1"/>
+              </a:lnRef>
+              <a:fillRef idx="0">
+                <a:schemeClr val="accent1"/>
+              </a:fillRef>
+              <a:effectRef idx="0">
+                <a:schemeClr val="accent1"/>
+              </a:effectRef>
+              <a:fontRef idx="minor">
+                <a:schemeClr val="tx1"/>
+              </a:fontRef>
+            </p:style>
+          </p:cxnSp>
+          <p:cxnSp>
+            <p:nvCxnSpPr>
+              <p:cNvPr id="44" name="Conector recto 43">
+                <a:extLst>
+                  <a:ext uri="{FF2B5EF4-FFF2-40B4-BE49-F238E27FC236}">
+                    <a16:creationId xmlns:a16="http://schemas.microsoft.com/office/drawing/2014/main" id="{27A7CC55-75AA-FF4A-8812-9661DCE042E6}"/>
+                  </a:ext>
+                </a:extLst>
+              </p:cNvPr>
+              <p:cNvCxnSpPr>
+                <a:cxnSpLocks/>
+              </p:cNvCxnSpPr>
+              <p:nvPr/>
+            </p:nvCxnSpPr>
+            <p:spPr>
+              <a:xfrm flipV="1">
+                <a:off x="3930650" y="1695452"/>
+                <a:ext cx="133350" cy="200023"/>
+              </a:xfrm>
+              <a:prstGeom prst="line">
+                <a:avLst/>
+              </a:prstGeom>
+              <a:ln w="19050">
+                <a:solidFill>
+                  <a:srgbClr val="C00000"/>
+                </a:solidFill>
+              </a:ln>
+            </p:spPr>
+            <p:style>
+              <a:lnRef idx="1">
+                <a:schemeClr val="accent1"/>
+              </a:lnRef>
+              <a:fillRef idx="0">
+                <a:schemeClr val="accent1"/>
+              </a:fillRef>
+              <a:effectRef idx="0">
+                <a:schemeClr val="accent1"/>
+              </a:effectRef>
+              <a:fontRef idx="minor">
+                <a:schemeClr val="tx1"/>
+              </a:fontRef>
+            </p:style>
+          </p:cxnSp>
+          <p:cxnSp>
+            <p:nvCxnSpPr>
+              <p:cNvPr id="48" name="Conector recto 47">
+                <a:extLst>
+                  <a:ext uri="{FF2B5EF4-FFF2-40B4-BE49-F238E27FC236}">
+                    <a16:creationId xmlns:a16="http://schemas.microsoft.com/office/drawing/2014/main" id="{1B701004-3B48-8245-B50D-60355AF6AE80}"/>
+                  </a:ext>
+                </a:extLst>
+              </p:cNvPr>
+              <p:cNvCxnSpPr>
+                <a:cxnSpLocks/>
+              </p:cNvCxnSpPr>
+              <p:nvPr/>
+            </p:nvCxnSpPr>
+            <p:spPr>
+              <a:xfrm flipV="1">
+                <a:off x="4060825" y="1701800"/>
+                <a:ext cx="28575" cy="323851"/>
+              </a:xfrm>
+              <a:prstGeom prst="line">
+                <a:avLst/>
+              </a:prstGeom>
+              <a:ln w="19050">
+                <a:solidFill>
+                  <a:srgbClr val="C00000"/>
+                </a:solidFill>
+              </a:ln>
+            </p:spPr>
+            <p:style>
+              <a:lnRef idx="1">
+                <a:schemeClr val="accent1"/>
+              </a:lnRef>
+              <a:fillRef idx="0">
+                <a:schemeClr val="accent1"/>
+              </a:fillRef>
+              <a:effectRef idx="0">
+                <a:schemeClr val="accent1"/>
+              </a:effectRef>
+              <a:fontRef idx="minor">
+                <a:schemeClr val="tx1"/>
+              </a:fontRef>
+            </p:style>
+          </p:cxnSp>
+          <p:cxnSp>
+            <p:nvCxnSpPr>
+              <p:cNvPr id="52" name="Conector recto 51">
+                <a:extLst>
+                  <a:ext uri="{FF2B5EF4-FFF2-40B4-BE49-F238E27FC236}">
+                    <a16:creationId xmlns:a16="http://schemas.microsoft.com/office/drawing/2014/main" id="{959353C0-295A-5943-8827-B75E98093DBD}"/>
+                  </a:ext>
+                </a:extLst>
+              </p:cNvPr>
+              <p:cNvCxnSpPr>
+                <a:cxnSpLocks/>
+              </p:cNvCxnSpPr>
+              <p:nvPr/>
+            </p:nvCxnSpPr>
+            <p:spPr>
+              <a:xfrm flipH="1" flipV="1">
+                <a:off x="3946525" y="1968500"/>
+                <a:ext cx="73025" cy="76200"/>
+              </a:xfrm>
+              <a:prstGeom prst="line">
+                <a:avLst/>
+              </a:prstGeom>
+              <a:ln w="12700">
+                <a:solidFill>
+                  <a:schemeClr val="tx1"/>
+                </a:solidFill>
+              </a:ln>
+            </p:spPr>
+            <p:style>
+              <a:lnRef idx="1">
+                <a:schemeClr val="accent1"/>
+              </a:lnRef>
+              <a:fillRef idx="0">
+                <a:schemeClr val="accent1"/>
+              </a:fillRef>
+              <a:effectRef idx="0">
+                <a:schemeClr val="accent1"/>
+              </a:effectRef>
+              <a:fontRef idx="minor">
+                <a:schemeClr val="tx1"/>
+              </a:fontRef>
+            </p:style>
+          </p:cxnSp>
+          <p:cxnSp>
+            <p:nvCxnSpPr>
+              <p:cNvPr id="55" name="Conector recto 54">
+                <a:extLst>
+                  <a:ext uri="{FF2B5EF4-FFF2-40B4-BE49-F238E27FC236}">
+                    <a16:creationId xmlns:a16="http://schemas.microsoft.com/office/drawing/2014/main" id="{40C809AA-E8B5-2B4C-9872-80AB95CB3C4B}"/>
+                  </a:ext>
+                </a:extLst>
+              </p:cNvPr>
+              <p:cNvCxnSpPr>
+                <a:cxnSpLocks/>
+              </p:cNvCxnSpPr>
+              <p:nvPr/>
+            </p:nvCxnSpPr>
+            <p:spPr>
+              <a:xfrm flipV="1">
+                <a:off x="4730750" y="1685925"/>
+                <a:ext cx="50800" cy="381000"/>
+              </a:xfrm>
+              <a:prstGeom prst="line">
+                <a:avLst/>
+              </a:prstGeom>
+              <a:ln w="12700">
+                <a:solidFill>
+                  <a:schemeClr val="tx1"/>
+                </a:solidFill>
+              </a:ln>
+            </p:spPr>
+            <p:style>
+              <a:lnRef idx="1">
+                <a:schemeClr val="accent1"/>
+              </a:lnRef>
+              <a:fillRef idx="0">
+                <a:schemeClr val="accent1"/>
+              </a:fillRef>
+              <a:effectRef idx="0">
+                <a:schemeClr val="accent1"/>
+              </a:effectRef>
+              <a:fontRef idx="minor">
+                <a:schemeClr val="tx1"/>
+              </a:fontRef>
+            </p:style>
+          </p:cxnSp>
+          <p:cxnSp>
+            <p:nvCxnSpPr>
+              <p:cNvPr id="58" name="Conector recto 57">
+                <a:extLst>
+                  <a:ext uri="{FF2B5EF4-FFF2-40B4-BE49-F238E27FC236}">
+                    <a16:creationId xmlns:a16="http://schemas.microsoft.com/office/drawing/2014/main" id="{FD611477-0116-1C45-A959-740D2403E7A8}"/>
+                  </a:ext>
+                </a:extLst>
+              </p:cNvPr>
+              <p:cNvCxnSpPr>
+                <a:cxnSpLocks/>
+              </p:cNvCxnSpPr>
+              <p:nvPr/>
+            </p:nvCxnSpPr>
+            <p:spPr>
+              <a:xfrm flipH="1" flipV="1">
+                <a:off x="4829176" y="1666875"/>
+                <a:ext cx="126999" cy="327025"/>
+              </a:xfrm>
+              <a:prstGeom prst="line">
+                <a:avLst/>
+              </a:prstGeom>
+              <a:ln w="19050">
+                <a:solidFill>
+                  <a:schemeClr val="accent1">
+                    <a:lumMod val="75000"/>
+                  </a:schemeClr>
+                </a:solidFill>
+              </a:ln>
+            </p:spPr>
+            <p:style>
+              <a:lnRef idx="1">
+                <a:schemeClr val="accent1"/>
+              </a:lnRef>
+              <a:fillRef idx="0">
+                <a:schemeClr val="accent1"/>
+              </a:fillRef>
+              <a:effectRef idx="0">
+                <a:schemeClr val="accent1"/>
+              </a:effectRef>
+              <a:fontRef idx="minor">
+                <a:schemeClr val="tx1"/>
+              </a:fontRef>
+            </p:style>
+          </p:cxnSp>
+          <p:cxnSp>
+            <p:nvCxnSpPr>
+              <p:cNvPr id="62" name="Conector recto 61">
+                <a:extLst>
+                  <a:ext uri="{FF2B5EF4-FFF2-40B4-BE49-F238E27FC236}">
+                    <a16:creationId xmlns:a16="http://schemas.microsoft.com/office/drawing/2014/main" id="{6D43C3A1-C062-B044-81FB-84997F3F495E}"/>
+                  </a:ext>
+                </a:extLst>
+              </p:cNvPr>
+              <p:cNvCxnSpPr>
+                <a:cxnSpLocks/>
+              </p:cNvCxnSpPr>
+              <p:nvPr/>
+            </p:nvCxnSpPr>
+            <p:spPr>
+              <a:xfrm flipH="1" flipV="1">
+                <a:off x="4845050" y="1631950"/>
+                <a:ext cx="330200" cy="60325"/>
+              </a:xfrm>
+              <a:prstGeom prst="line">
+                <a:avLst/>
+              </a:prstGeom>
+              <a:ln w="12700">
+                <a:solidFill>
+                  <a:schemeClr val="tx1"/>
+                </a:solidFill>
+              </a:ln>
+            </p:spPr>
+            <p:style>
+              <a:lnRef idx="1">
+                <a:schemeClr val="accent1"/>
+              </a:lnRef>
+              <a:fillRef idx="0">
+                <a:schemeClr val="accent1"/>
+              </a:fillRef>
+              <a:effectRef idx="0">
+                <a:schemeClr val="accent1"/>
+              </a:effectRef>
+              <a:fontRef idx="minor">
+                <a:schemeClr val="tx1"/>
+              </a:fontRef>
+            </p:style>
+          </p:cxnSp>
+          <p:cxnSp>
+            <p:nvCxnSpPr>
+              <p:cNvPr id="67" name="Conector recto 66">
+                <a:extLst>
+                  <a:ext uri="{FF2B5EF4-FFF2-40B4-BE49-F238E27FC236}">
+                    <a16:creationId xmlns:a16="http://schemas.microsoft.com/office/drawing/2014/main" id="{767FBB46-4D55-9A46-B116-E4BD58C700D6}"/>
+                  </a:ext>
+                </a:extLst>
+              </p:cNvPr>
+              <p:cNvCxnSpPr>
+                <a:cxnSpLocks/>
+              </p:cNvCxnSpPr>
+              <p:nvPr/>
+            </p:nvCxnSpPr>
+            <p:spPr>
+              <a:xfrm flipV="1">
+                <a:off x="4787900" y="2070100"/>
+                <a:ext cx="142875" cy="47626"/>
+              </a:xfrm>
+              <a:prstGeom prst="line">
+                <a:avLst/>
+              </a:prstGeom>
+              <a:ln w="19050">
+                <a:solidFill>
+                  <a:schemeClr val="accent1">
+                    <a:lumMod val="75000"/>
+                  </a:schemeClr>
+                </a:solidFill>
+              </a:ln>
+            </p:spPr>
+            <p:style>
+              <a:lnRef idx="1">
+                <a:schemeClr val="accent1"/>
+              </a:lnRef>
+              <a:fillRef idx="0">
+                <a:schemeClr val="accent1"/>
+              </a:fillRef>
+              <a:effectRef idx="0">
+                <a:schemeClr val="accent1"/>
+              </a:effectRef>
+              <a:fontRef idx="minor">
+                <a:schemeClr val="tx1"/>
+              </a:fontRef>
+            </p:style>
+          </p:cxnSp>
+          <p:cxnSp>
+            <p:nvCxnSpPr>
+              <p:cNvPr id="71" name="Conector recto 70">
+                <a:extLst>
+                  <a:ext uri="{FF2B5EF4-FFF2-40B4-BE49-F238E27FC236}">
+                    <a16:creationId xmlns:a16="http://schemas.microsoft.com/office/drawing/2014/main" id="{E6920C07-5BAB-F148-A667-D6C237057CF8}"/>
+                  </a:ext>
+                </a:extLst>
+              </p:cNvPr>
+              <p:cNvCxnSpPr>
+                <a:cxnSpLocks/>
+              </p:cNvCxnSpPr>
+              <p:nvPr/>
+            </p:nvCxnSpPr>
+            <p:spPr>
+              <a:xfrm flipV="1">
+                <a:off x="4778375" y="1720850"/>
+                <a:ext cx="403225" cy="368300"/>
+              </a:xfrm>
+              <a:prstGeom prst="line">
+                <a:avLst/>
+              </a:prstGeom>
+              <a:ln w="12700">
+                <a:solidFill>
+                  <a:schemeClr val="tx1"/>
+                </a:solidFill>
+              </a:ln>
+            </p:spPr>
+            <p:style>
+              <a:lnRef idx="1">
+                <a:schemeClr val="accent1"/>
+              </a:lnRef>
+              <a:fillRef idx="0">
+                <a:schemeClr val="accent1"/>
+              </a:fillRef>
+              <a:effectRef idx="0">
+                <a:schemeClr val="accent1"/>
+              </a:effectRef>
+              <a:fontRef idx="minor">
+                <a:schemeClr val="tx1"/>
+              </a:fontRef>
+            </p:style>
+          </p:cxnSp>
+          <p:cxnSp>
+            <p:nvCxnSpPr>
+              <p:cNvPr id="80" name="Conector recto 79">
+                <a:extLst>
+                  <a:ext uri="{FF2B5EF4-FFF2-40B4-BE49-F238E27FC236}">
+                    <a16:creationId xmlns:a16="http://schemas.microsoft.com/office/drawing/2014/main" id="{ABE68491-A671-D541-87EA-3D25C0BC9E21}"/>
+                  </a:ext>
+                </a:extLst>
+              </p:cNvPr>
+              <p:cNvCxnSpPr>
+                <a:cxnSpLocks/>
+              </p:cNvCxnSpPr>
+              <p:nvPr/>
+            </p:nvCxnSpPr>
+            <p:spPr>
+              <a:xfrm flipH="1" flipV="1">
+                <a:off x="5200651" y="2470151"/>
+                <a:ext cx="98424" cy="155574"/>
+              </a:xfrm>
+              <a:prstGeom prst="line">
+                <a:avLst/>
+              </a:prstGeom>
+              <a:ln w="12700">
+                <a:solidFill>
+                  <a:schemeClr val="tx1"/>
+                </a:solidFill>
+              </a:ln>
+            </p:spPr>
+            <p:style>
+              <a:lnRef idx="1">
+                <a:schemeClr val="accent1"/>
+              </a:lnRef>
+              <a:fillRef idx="0">
+                <a:schemeClr val="accent1"/>
+              </a:fillRef>
+              <a:effectRef idx="0">
+                <a:schemeClr val="accent1"/>
+              </a:effectRef>
+              <a:fontRef idx="minor">
+                <a:schemeClr val="tx1"/>
+              </a:fontRef>
+            </p:style>
+          </p:cxnSp>
+          <p:cxnSp>
+            <p:nvCxnSpPr>
+              <p:cNvPr id="86" name="Conector recto 85">
+                <a:extLst>
+                  <a:ext uri="{FF2B5EF4-FFF2-40B4-BE49-F238E27FC236}">
+                    <a16:creationId xmlns:a16="http://schemas.microsoft.com/office/drawing/2014/main" id="{2B75B566-5CC2-EB42-8DF6-137DF170B8AD}"/>
+                  </a:ext>
+                </a:extLst>
+              </p:cNvPr>
+              <p:cNvCxnSpPr>
+                <a:cxnSpLocks/>
+              </p:cNvCxnSpPr>
+              <p:nvPr/>
+            </p:nvCxnSpPr>
+            <p:spPr>
+              <a:xfrm flipH="1" flipV="1">
+                <a:off x="5213351" y="2441575"/>
+                <a:ext cx="314324" cy="41275"/>
+              </a:xfrm>
+              <a:prstGeom prst="line">
+                <a:avLst/>
+              </a:prstGeom>
+              <a:ln w="12700">
+                <a:solidFill>
+                  <a:schemeClr val="tx1"/>
+                </a:solidFill>
+              </a:ln>
+            </p:spPr>
+            <p:style>
+              <a:lnRef idx="1">
+                <a:schemeClr val="accent1"/>
+              </a:lnRef>
+              <a:fillRef idx="0">
+                <a:schemeClr val="accent1"/>
+              </a:fillRef>
+              <a:effectRef idx="0">
+                <a:schemeClr val="accent1"/>
+              </a:effectRef>
+              <a:fontRef idx="minor">
+                <a:schemeClr val="tx1"/>
+              </a:fontRef>
+            </p:style>
+          </p:cxnSp>
+          <p:cxnSp>
+            <p:nvCxnSpPr>
+              <p:cNvPr id="89" name="Conector recto 88">
+                <a:extLst>
+                  <a:ext uri="{FF2B5EF4-FFF2-40B4-BE49-F238E27FC236}">
+                    <a16:creationId xmlns:a16="http://schemas.microsoft.com/office/drawing/2014/main" id="{6AB6D4FC-3CF9-4B48-AB3D-4CCAB52E3671}"/>
+                  </a:ext>
+                </a:extLst>
+              </p:cNvPr>
+              <p:cNvCxnSpPr>
+                <a:cxnSpLocks/>
+              </p:cNvCxnSpPr>
+              <p:nvPr/>
+            </p:nvCxnSpPr>
+            <p:spPr>
+              <a:xfrm flipH="1" flipV="1">
+                <a:off x="5362575" y="2676525"/>
+                <a:ext cx="463550" cy="41275"/>
+              </a:xfrm>
+              <a:prstGeom prst="line">
+                <a:avLst/>
+              </a:prstGeom>
+              <a:ln w="12700">
+                <a:solidFill>
+                  <a:schemeClr val="tx1"/>
+                </a:solidFill>
+              </a:ln>
+            </p:spPr>
+            <p:style>
+              <a:lnRef idx="1">
+                <a:schemeClr val="accent1"/>
+              </a:lnRef>
+              <a:fillRef idx="0">
+                <a:schemeClr val="accent1"/>
+              </a:fillRef>
+              <a:effectRef idx="0">
+                <a:schemeClr val="accent1"/>
+              </a:effectRef>
+              <a:fontRef idx="minor">
+                <a:schemeClr val="tx1"/>
+              </a:fontRef>
+            </p:style>
+          </p:cxnSp>
+          <p:cxnSp>
+            <p:nvCxnSpPr>
+              <p:cNvPr id="92" name="Conector recto 91">
+                <a:extLst>
+                  <a:ext uri="{FF2B5EF4-FFF2-40B4-BE49-F238E27FC236}">
+                    <a16:creationId xmlns:a16="http://schemas.microsoft.com/office/drawing/2014/main" id="{FDEDC4CA-EA48-6045-8D20-DCB77790B269}"/>
+                  </a:ext>
+                </a:extLst>
+              </p:cNvPr>
+              <p:cNvCxnSpPr>
+                <a:cxnSpLocks/>
+              </p:cNvCxnSpPr>
+              <p:nvPr/>
+            </p:nvCxnSpPr>
+            <p:spPr>
+              <a:xfrm flipH="1">
+                <a:off x="5121275" y="2765425"/>
+                <a:ext cx="714376" cy="95250"/>
+              </a:xfrm>
+              <a:prstGeom prst="line">
+                <a:avLst/>
+              </a:prstGeom>
+              <a:ln w="12700">
+                <a:solidFill>
+                  <a:schemeClr val="tx1"/>
+                </a:solidFill>
+              </a:ln>
+            </p:spPr>
+            <p:style>
+              <a:lnRef idx="1">
+                <a:schemeClr val="accent1"/>
+              </a:lnRef>
+              <a:fillRef idx="0">
+                <a:schemeClr val="accent1"/>
+              </a:fillRef>
+              <a:effectRef idx="0">
+                <a:schemeClr val="accent1"/>
+              </a:effectRef>
+              <a:fontRef idx="minor">
+                <a:schemeClr val="tx1"/>
+              </a:fontRef>
+            </p:style>
+          </p:cxnSp>
+          <p:cxnSp>
+            <p:nvCxnSpPr>
+              <p:cNvPr id="94" name="Conector recto 93">
+                <a:extLst>
+                  <a:ext uri="{FF2B5EF4-FFF2-40B4-BE49-F238E27FC236}">
+                    <a16:creationId xmlns:a16="http://schemas.microsoft.com/office/drawing/2014/main" id="{D97365C6-2DB1-2C44-B436-14AA6D3ECC87}"/>
+                  </a:ext>
+                </a:extLst>
+              </p:cNvPr>
+              <p:cNvCxnSpPr>
+                <a:cxnSpLocks/>
+              </p:cNvCxnSpPr>
+              <p:nvPr/>
+            </p:nvCxnSpPr>
+            <p:spPr>
+              <a:xfrm flipH="1" flipV="1">
+                <a:off x="5613401" y="2498726"/>
+                <a:ext cx="228599" cy="203199"/>
+              </a:xfrm>
+              <a:prstGeom prst="line">
+                <a:avLst/>
+              </a:prstGeom>
+              <a:ln w="12700">
+                <a:solidFill>
+                  <a:schemeClr val="tx1"/>
+                </a:solidFill>
+              </a:ln>
+            </p:spPr>
+            <p:style>
+              <a:lnRef idx="1">
+                <a:schemeClr val="accent1"/>
+              </a:lnRef>
+              <a:fillRef idx="0">
+                <a:schemeClr val="accent1"/>
+              </a:fillRef>
+              <a:effectRef idx="0">
+                <a:schemeClr val="accent1"/>
+              </a:effectRef>
+              <a:fontRef idx="minor">
+                <a:schemeClr val="tx1"/>
+              </a:fontRef>
+            </p:style>
+          </p:cxnSp>
+          <p:cxnSp>
+            <p:nvCxnSpPr>
+              <p:cNvPr id="99" name="Conector recto 98">
+                <a:extLst>
+                  <a:ext uri="{FF2B5EF4-FFF2-40B4-BE49-F238E27FC236}">
+                    <a16:creationId xmlns:a16="http://schemas.microsoft.com/office/drawing/2014/main" id="{24BE42A0-DA2F-BE46-B7E9-4CC0B566D642}"/>
+                  </a:ext>
+                </a:extLst>
+              </p:cNvPr>
+              <p:cNvCxnSpPr>
+                <a:cxnSpLocks/>
+              </p:cNvCxnSpPr>
+              <p:nvPr/>
+            </p:nvCxnSpPr>
+            <p:spPr>
+              <a:xfrm flipH="1">
+                <a:off x="5099051" y="2705100"/>
+                <a:ext cx="200024" cy="133351"/>
+              </a:xfrm>
+              <a:prstGeom prst="line">
+                <a:avLst/>
+              </a:prstGeom>
+              <a:ln w="12700">
+                <a:solidFill>
+                  <a:schemeClr val="tx1"/>
+                </a:solidFill>
+              </a:ln>
+            </p:spPr>
+            <p:style>
+              <a:lnRef idx="1">
+                <a:schemeClr val="accent1"/>
+              </a:lnRef>
+              <a:fillRef idx="0">
+                <a:schemeClr val="accent1"/>
+              </a:fillRef>
+              <a:effectRef idx="0">
+                <a:schemeClr val="accent1"/>
+              </a:effectRef>
+              <a:fontRef idx="minor">
+                <a:schemeClr val="tx1"/>
+              </a:fontRef>
+            </p:style>
+          </p:cxnSp>
+          <p:cxnSp>
+            <p:nvCxnSpPr>
+              <p:cNvPr id="102" name="Conector recto 101">
+                <a:extLst>
+                  <a:ext uri="{FF2B5EF4-FFF2-40B4-BE49-F238E27FC236}">
+                    <a16:creationId xmlns:a16="http://schemas.microsoft.com/office/drawing/2014/main" id="{1A7C0638-F457-E842-BAF7-18107E7D035F}"/>
+                  </a:ext>
+                </a:extLst>
+              </p:cNvPr>
+              <p:cNvCxnSpPr>
+                <a:cxnSpLocks/>
+              </p:cNvCxnSpPr>
+              <p:nvPr/>
+            </p:nvCxnSpPr>
+            <p:spPr>
+              <a:xfrm flipH="1">
+                <a:off x="5064125" y="2486025"/>
+                <a:ext cx="88900" cy="336551"/>
+              </a:xfrm>
+              <a:prstGeom prst="line">
+                <a:avLst/>
+              </a:prstGeom>
+              <a:ln w="12700">
+                <a:solidFill>
+                  <a:schemeClr val="tx1"/>
+                </a:solidFill>
+              </a:ln>
+            </p:spPr>
+            <p:style>
+              <a:lnRef idx="1">
+                <a:schemeClr val="accent1"/>
+              </a:lnRef>
+              <a:fillRef idx="0">
+                <a:schemeClr val="accent1"/>
+              </a:fillRef>
+              <a:effectRef idx="0">
+                <a:schemeClr val="accent1"/>
+              </a:effectRef>
+              <a:fontRef idx="minor">
+                <a:schemeClr val="tx1"/>
+              </a:fontRef>
+            </p:style>
+          </p:cxnSp>
+          <p:cxnSp>
+            <p:nvCxnSpPr>
+              <p:cNvPr id="105" name="Conector recto 104">
+                <a:extLst>
+                  <a:ext uri="{FF2B5EF4-FFF2-40B4-BE49-F238E27FC236}">
+                    <a16:creationId xmlns:a16="http://schemas.microsoft.com/office/drawing/2014/main" id="{1EE0758C-FD15-6A48-83C1-94051D9E09D1}"/>
+                  </a:ext>
+                </a:extLst>
+              </p:cNvPr>
+              <p:cNvCxnSpPr>
+                <a:cxnSpLocks/>
+              </p:cNvCxnSpPr>
+              <p:nvPr/>
+            </p:nvCxnSpPr>
+            <p:spPr>
+              <a:xfrm flipH="1">
+                <a:off x="5092701" y="2511425"/>
+                <a:ext cx="447674" cy="317500"/>
+              </a:xfrm>
+              <a:prstGeom prst="line">
+                <a:avLst/>
+              </a:prstGeom>
+              <a:ln w="12700">
+                <a:solidFill>
+                  <a:schemeClr val="tx1"/>
+                </a:solidFill>
+              </a:ln>
+            </p:spPr>
+            <p:style>
+              <a:lnRef idx="1">
+                <a:schemeClr val="accent1"/>
+              </a:lnRef>
+              <a:fillRef idx="0">
+                <a:schemeClr val="accent1"/>
+              </a:fillRef>
+              <a:effectRef idx="0">
+                <a:schemeClr val="accent1"/>
+              </a:effectRef>
+              <a:fontRef idx="minor">
+                <a:schemeClr val="tx1"/>
+              </a:fontRef>
+            </p:style>
+          </p:cxnSp>
+          <p:cxnSp>
+            <p:nvCxnSpPr>
+              <p:cNvPr id="108" name="Conector recto 107">
+                <a:extLst>
+                  <a:ext uri="{FF2B5EF4-FFF2-40B4-BE49-F238E27FC236}">
+                    <a16:creationId xmlns:a16="http://schemas.microsoft.com/office/drawing/2014/main" id="{7BB791F6-0F00-E447-9B68-3E2A0358FD90}"/>
+                  </a:ext>
+                </a:extLst>
+              </p:cNvPr>
+              <p:cNvCxnSpPr>
+                <a:cxnSpLocks/>
+              </p:cNvCxnSpPr>
+              <p:nvPr/>
+            </p:nvCxnSpPr>
+            <p:spPr>
+              <a:xfrm flipH="1" flipV="1">
+                <a:off x="4768851" y="2143125"/>
+                <a:ext cx="361949" cy="260350"/>
+              </a:xfrm>
+              <a:prstGeom prst="line">
+                <a:avLst/>
+              </a:prstGeom>
+              <a:ln w="12700">
+                <a:solidFill>
+                  <a:schemeClr val="tx1"/>
+                </a:solidFill>
+              </a:ln>
+            </p:spPr>
+            <p:style>
+              <a:lnRef idx="1">
+                <a:schemeClr val="accent1"/>
+              </a:lnRef>
+              <a:fillRef idx="0">
+                <a:schemeClr val="accent1"/>
+              </a:fillRef>
+              <a:effectRef idx="0">
+                <a:schemeClr val="accent1"/>
+              </a:effectRef>
+              <a:fontRef idx="minor">
+                <a:schemeClr val="tx1"/>
+              </a:fontRef>
+            </p:style>
+          </p:cxnSp>
+          <p:cxnSp>
+            <p:nvCxnSpPr>
+              <p:cNvPr id="111" name="Conector recto 110">
+                <a:extLst>
+                  <a:ext uri="{FF2B5EF4-FFF2-40B4-BE49-F238E27FC236}">
+                    <a16:creationId xmlns:a16="http://schemas.microsoft.com/office/drawing/2014/main" id="{3FE4F64A-D7F6-184E-85AC-E98165022270}"/>
+                  </a:ext>
+                </a:extLst>
+              </p:cNvPr>
+              <p:cNvCxnSpPr>
+                <a:cxnSpLocks/>
+              </p:cNvCxnSpPr>
+              <p:nvPr/>
+            </p:nvCxnSpPr>
+            <p:spPr>
+              <a:xfrm flipH="1" flipV="1">
+                <a:off x="5216525" y="2463801"/>
+                <a:ext cx="609600" cy="250824"/>
+              </a:xfrm>
+              <a:prstGeom prst="line">
+                <a:avLst/>
+              </a:prstGeom>
+              <a:ln w="12700">
+                <a:solidFill>
+                  <a:schemeClr val="tx1"/>
+                </a:solidFill>
+              </a:ln>
+            </p:spPr>
+            <p:style>
+              <a:lnRef idx="1">
+                <a:schemeClr val="accent1"/>
+              </a:lnRef>
+              <a:fillRef idx="0">
+                <a:schemeClr val="accent1"/>
+              </a:fillRef>
+              <a:effectRef idx="0">
+                <a:schemeClr val="accent1"/>
+              </a:effectRef>
+              <a:fontRef idx="minor">
+                <a:schemeClr val="tx1"/>
+              </a:fontRef>
+            </p:style>
+          </p:cxnSp>
+        </p:grpSp>
+      </p:grpSp>
+      <p:grpSp>
+        <p:nvGrpSpPr>
+          <p:cNvPr id="128" name="Grupo 127">
+            <a:extLst>
+              <a:ext uri="{FF2B5EF4-FFF2-40B4-BE49-F238E27FC236}">
+                <a16:creationId xmlns:a16="http://schemas.microsoft.com/office/drawing/2014/main" id="{0D3E5138-4365-044F-B069-F3CE1A2B2A8F}"/>
+              </a:ext>
+            </a:extLst>
+          </p:cNvPr>
+          <p:cNvGrpSpPr/>
+          <p:nvPr/>
+        </p:nvGrpSpPr>
+        <p:grpSpPr>
+          <a:xfrm>
+            <a:off x="5541842" y="1273389"/>
+            <a:ext cx="1765174" cy="1692852"/>
+            <a:chOff x="5851351" y="1223627"/>
+            <a:chExt cx="1765174" cy="1692852"/>
+          </a:xfrm>
+        </p:grpSpPr>
+        <p:sp>
+          <p:nvSpPr>
+            <p:cNvPr id="120" name="Almacenamiento interno 119">
+              <a:extLst>
+                <a:ext uri="{FF2B5EF4-FFF2-40B4-BE49-F238E27FC236}">
+                  <a16:creationId xmlns:a16="http://schemas.microsoft.com/office/drawing/2014/main" id="{8B72D656-05E4-DE43-A430-F10A08F33A52}"/>
+                </a:ext>
+              </a:extLst>
+            </p:cNvPr>
+            <p:cNvSpPr/>
+            <p:nvPr/>
+          </p:nvSpPr>
+          <p:spPr>
+            <a:xfrm>
+              <a:off x="6169909" y="1532014"/>
+              <a:ext cx="1382872" cy="1384465"/>
+            </a:xfrm>
+            <a:prstGeom prst="flowChartInternalStorage">
+              <a:avLst/>
+            </a:prstGeom>
+            <a:solidFill>
+              <a:schemeClr val="accent2">
+                <a:lumMod val="40000"/>
+                <a:lumOff val="60000"/>
+              </a:schemeClr>
+            </a:solidFill>
+          </p:spPr>
+          <p:style>
+            <a:lnRef idx="2">
+              <a:schemeClr val="accent1">
+                <a:shade val="50000"/>
+              </a:schemeClr>
+            </a:lnRef>
+            <a:fillRef idx="1">
+              <a:schemeClr val="accent1"/>
+            </a:fillRef>
+            <a:effectRef idx="0">
+              <a:schemeClr val="accent1"/>
+            </a:effectRef>
+            <a:fontRef idx="minor">
+              <a:schemeClr val="lt1"/>
+            </a:fontRef>
+          </p:style>
+          <p:txBody>
+            <a:bodyPr rtlCol="0" anchor="ctr"/>
+            <a:lstStyle/>
+            <a:p>
+              <a:pPr algn="ctr"/>
+              <a:endParaRPr lang="es-CO"/>
+            </a:p>
+          </p:txBody>
+        </p:sp>
+        <p:sp>
+          <p:nvSpPr>
+            <p:cNvPr id="121" name="CuadroTexto 120">
+              <a:extLst>
+                <a:ext uri="{FF2B5EF4-FFF2-40B4-BE49-F238E27FC236}">
+                  <a16:creationId xmlns:a16="http://schemas.microsoft.com/office/drawing/2014/main" id="{C4A840DA-C491-7348-830B-4F153226A61A}"/>
+                </a:ext>
+              </a:extLst>
+            </p:cNvPr>
+            <p:cNvSpPr txBox="1"/>
+            <p:nvPr/>
+          </p:nvSpPr>
+          <p:spPr>
+            <a:xfrm>
+              <a:off x="6255048" y="1962636"/>
+              <a:ext cx="1361477" cy="523220"/>
+            </a:xfrm>
+            <a:prstGeom prst="rect">
+              <a:avLst/>
+            </a:prstGeom>
+            <a:noFill/>
+          </p:spPr>
+          <p:txBody>
+            <a:bodyPr wrap="square" rtlCol="0">
+              <a:spAutoFit/>
+            </a:bodyPr>
+            <a:lstStyle/>
+            <a:p>
+              <a:pPr algn="ctr"/>
+              <a:r>
+                <a:rPr lang="es-CO" sz="1400" dirty="0"/>
+                <a:t>Matriz de distancias</a:t>
+              </a:r>
+            </a:p>
+          </p:txBody>
+        </p:sp>
+        <p:sp>
+          <p:nvSpPr>
+            <p:cNvPr id="122" name="CuadroTexto 121">
+              <a:extLst>
+                <a:ext uri="{FF2B5EF4-FFF2-40B4-BE49-F238E27FC236}">
+                  <a16:creationId xmlns:a16="http://schemas.microsoft.com/office/drawing/2014/main" id="{3EC815A5-C165-6D4A-B6EF-018CD11A3DD7}"/>
+                </a:ext>
+              </a:extLst>
+            </p:cNvPr>
+            <p:cNvSpPr txBox="1"/>
+            <p:nvPr/>
+          </p:nvSpPr>
+          <p:spPr>
+            <a:xfrm rot="16200000">
+              <a:off x="5590896" y="2036239"/>
+              <a:ext cx="828688" cy="307777"/>
+            </a:xfrm>
+            <a:prstGeom prst="rect">
+              <a:avLst/>
+            </a:prstGeom>
+            <a:noFill/>
+          </p:spPr>
+          <p:txBody>
+            <a:bodyPr wrap="none" rtlCol="0">
+              <a:spAutoFit/>
+            </a:bodyPr>
+            <a:lstStyle/>
+            <a:p>
+              <a:pPr algn="ctr"/>
+              <a:r>
+                <a:rPr lang="es-CO" sz="1400" dirty="0"/>
+                <a:t>Patrones</a:t>
+              </a:r>
+            </a:p>
+          </p:txBody>
+        </p:sp>
+        <p:sp>
+          <p:nvSpPr>
+            <p:cNvPr id="123" name="CuadroTexto 122">
+              <a:extLst>
+                <a:ext uri="{FF2B5EF4-FFF2-40B4-BE49-F238E27FC236}">
+                  <a16:creationId xmlns:a16="http://schemas.microsoft.com/office/drawing/2014/main" id="{6B3447FC-BDF0-414D-A078-74133BC7F7FE}"/>
+                </a:ext>
+              </a:extLst>
+            </p:cNvPr>
+            <p:cNvSpPr txBox="1"/>
+            <p:nvPr/>
+          </p:nvSpPr>
+          <p:spPr>
+            <a:xfrm>
+              <a:off x="6423927" y="1223627"/>
+              <a:ext cx="828688" cy="307777"/>
+            </a:xfrm>
+            <a:prstGeom prst="rect">
+              <a:avLst/>
+            </a:prstGeom>
+            <a:noFill/>
+          </p:spPr>
+          <p:txBody>
+            <a:bodyPr wrap="none" rtlCol="0">
+              <a:spAutoFit/>
+            </a:bodyPr>
+            <a:lstStyle/>
+            <a:p>
+              <a:pPr algn="ctr"/>
+              <a:r>
+                <a:rPr lang="es-CO" sz="1400" dirty="0"/>
+                <a:t>Patrones</a:t>
+              </a:r>
+            </a:p>
+          </p:txBody>
+        </p:sp>
+      </p:grpSp>
+      <p:grpSp>
+        <p:nvGrpSpPr>
+          <p:cNvPr id="125" name="Grupo 124">
+            <a:extLst>
+              <a:ext uri="{FF2B5EF4-FFF2-40B4-BE49-F238E27FC236}">
+                <a16:creationId xmlns:a16="http://schemas.microsoft.com/office/drawing/2014/main" id="{AA28A0D5-C9AF-1E49-97F1-6A9D8ED102E7}"/>
+              </a:ext>
+            </a:extLst>
+          </p:cNvPr>
+          <p:cNvGrpSpPr/>
+          <p:nvPr/>
+        </p:nvGrpSpPr>
+        <p:grpSpPr>
+          <a:xfrm>
+            <a:off x="398898" y="1154139"/>
+            <a:ext cx="1582772" cy="1892616"/>
+            <a:chOff x="770961" y="1154139"/>
+            <a:chExt cx="1582772" cy="1892616"/>
+          </a:xfrm>
+        </p:grpSpPr>
+        <p:sp>
+          <p:nvSpPr>
+            <p:cNvPr id="4" name="Almacenamiento interno 3">
+              <a:extLst>
+                <a:ext uri="{FF2B5EF4-FFF2-40B4-BE49-F238E27FC236}">
+                  <a16:creationId xmlns:a16="http://schemas.microsoft.com/office/drawing/2014/main" id="{678E032E-099F-8746-B82F-7A404C7F45B0}"/>
+                </a:ext>
+              </a:extLst>
+            </p:cNvPr>
+            <p:cNvSpPr/>
+            <p:nvPr/>
+          </p:nvSpPr>
+          <p:spPr>
+            <a:xfrm>
+              <a:off x="1199776" y="1603188"/>
+              <a:ext cx="1075765" cy="1371600"/>
+            </a:xfrm>
+            <a:prstGeom prst="flowChartInternalStorage">
+              <a:avLst/>
+            </a:prstGeom>
+            <a:solidFill>
+              <a:schemeClr val="accent1">
+                <a:lumMod val="40000"/>
+                <a:lumOff val="60000"/>
+              </a:schemeClr>
+            </a:solidFill>
+          </p:spPr>
+          <p:style>
+            <a:lnRef idx="2">
+              <a:schemeClr val="accent1">
+                <a:shade val="50000"/>
+              </a:schemeClr>
+            </a:lnRef>
+            <a:fillRef idx="1">
+              <a:schemeClr val="accent1"/>
+            </a:fillRef>
+            <a:effectRef idx="0">
+              <a:schemeClr val="accent1"/>
+            </a:effectRef>
+            <a:fontRef idx="minor">
+              <a:schemeClr val="lt1"/>
+            </a:fontRef>
+          </p:style>
+          <p:txBody>
+            <a:bodyPr rtlCol="0" anchor="ctr"/>
+            <a:lstStyle/>
+            <a:p>
+              <a:pPr algn="ctr"/>
+              <a:endParaRPr lang="es-CO"/>
+            </a:p>
+          </p:txBody>
+        </p:sp>
+        <p:cxnSp>
+          <p:nvCxnSpPr>
+            <p:cNvPr id="6" name="Conector recto de flecha 5">
+              <a:extLst>
+                <a:ext uri="{FF2B5EF4-FFF2-40B4-BE49-F238E27FC236}">
+                  <a16:creationId xmlns:a16="http://schemas.microsoft.com/office/drawing/2014/main" id="{C3CC404D-0ED4-5747-A7BF-4E2A34A6E2A6}"/>
+                </a:ext>
+              </a:extLst>
+            </p:cNvPr>
+            <p:cNvCxnSpPr>
+              <a:cxnSpLocks/>
+            </p:cNvCxnSpPr>
+            <p:nvPr/>
+          </p:nvCxnSpPr>
+          <p:spPr>
+            <a:xfrm>
+              <a:off x="1090208" y="1559610"/>
+              <a:ext cx="0" cy="1487145"/>
+            </a:xfrm>
+            <a:prstGeom prst="straightConnector1">
+              <a:avLst/>
+            </a:prstGeom>
+            <a:ln>
+              <a:solidFill>
+                <a:schemeClr val="tx1"/>
+              </a:solidFill>
+              <a:headEnd w="lg" len="med"/>
+              <a:tailEnd type="triangle"/>
+            </a:ln>
+          </p:spPr>
+          <p:style>
+            <a:lnRef idx="1">
+              <a:schemeClr val="accent1"/>
+            </a:lnRef>
+            <a:fillRef idx="0">
+              <a:schemeClr val="accent1"/>
+            </a:fillRef>
+            <a:effectRef idx="0">
+              <a:schemeClr val="accent1"/>
+            </a:effectRef>
+            <a:fontRef idx="minor">
+              <a:schemeClr val="tx1"/>
+            </a:fontRef>
+          </p:style>
+        </p:cxnSp>
+        <p:cxnSp>
+          <p:nvCxnSpPr>
+            <p:cNvPr id="9" name="Conector recto de flecha 8">
+              <a:extLst>
+                <a:ext uri="{FF2B5EF4-FFF2-40B4-BE49-F238E27FC236}">
+                  <a16:creationId xmlns:a16="http://schemas.microsoft.com/office/drawing/2014/main" id="{E2A8FF53-2394-0340-92C7-E4A7716C4506}"/>
+                </a:ext>
+              </a:extLst>
+            </p:cNvPr>
+            <p:cNvCxnSpPr>
+              <a:cxnSpLocks/>
+            </p:cNvCxnSpPr>
+            <p:nvPr/>
+          </p:nvCxnSpPr>
+          <p:spPr>
+            <a:xfrm>
+              <a:off x="1090208" y="1459255"/>
+              <a:ext cx="1263525" cy="0"/>
+            </a:xfrm>
+            <a:prstGeom prst="straightConnector1">
+              <a:avLst/>
+            </a:prstGeom>
+            <a:ln>
+              <a:solidFill>
+                <a:schemeClr val="tx1"/>
+              </a:solidFill>
+              <a:headEnd w="lg" len="med"/>
+              <a:tailEnd type="triangle"/>
+            </a:ln>
+          </p:spPr>
+          <p:style>
+            <a:lnRef idx="1">
+              <a:schemeClr val="accent1"/>
+            </a:lnRef>
+            <a:fillRef idx="0">
+              <a:schemeClr val="accent1"/>
+            </a:fillRef>
+            <a:effectRef idx="0">
+              <a:schemeClr val="accent1"/>
+            </a:effectRef>
+            <a:fontRef idx="minor">
+              <a:schemeClr val="tx1"/>
+            </a:fontRef>
+          </p:style>
+        </p:cxnSp>
+        <p:sp>
+          <p:nvSpPr>
+            <p:cNvPr id="119" name="CuadroTexto 118">
+              <a:extLst>
+                <a:ext uri="{FF2B5EF4-FFF2-40B4-BE49-F238E27FC236}">
+                  <a16:creationId xmlns:a16="http://schemas.microsoft.com/office/drawing/2014/main" id="{4B58E687-4B69-FF41-BC3B-3E235511D230}"/>
+                </a:ext>
+              </a:extLst>
+            </p:cNvPr>
+            <p:cNvSpPr txBox="1"/>
+            <p:nvPr/>
+          </p:nvSpPr>
+          <p:spPr>
+            <a:xfrm>
+              <a:off x="1190268" y="1154139"/>
+              <a:ext cx="1125629" cy="307777"/>
+            </a:xfrm>
+            <a:prstGeom prst="rect">
+              <a:avLst/>
+            </a:prstGeom>
+            <a:noFill/>
+          </p:spPr>
+          <p:txBody>
+            <a:bodyPr wrap="none" rtlCol="0">
+              <a:spAutoFit/>
+            </a:bodyPr>
+            <a:lstStyle/>
+            <a:p>
+              <a:pPr algn="ctr"/>
+              <a:r>
+                <a:rPr lang="es-CO" sz="1400" dirty="0"/>
+                <a:t>Dimensiones</a:t>
+              </a:r>
+            </a:p>
+          </p:txBody>
+        </p:sp>
+        <p:sp>
+          <p:nvSpPr>
+            <p:cNvPr id="124" name="CuadroTexto 123">
+              <a:extLst>
+                <a:ext uri="{FF2B5EF4-FFF2-40B4-BE49-F238E27FC236}">
+                  <a16:creationId xmlns:a16="http://schemas.microsoft.com/office/drawing/2014/main" id="{008B50E6-7423-E644-80A7-A9C10F096F3B}"/>
+                </a:ext>
+              </a:extLst>
+            </p:cNvPr>
+            <p:cNvSpPr txBox="1"/>
+            <p:nvPr/>
+          </p:nvSpPr>
+          <p:spPr>
+            <a:xfrm rot="16200000">
+              <a:off x="510506" y="2095587"/>
+              <a:ext cx="828688" cy="307777"/>
+            </a:xfrm>
+            <a:prstGeom prst="rect">
+              <a:avLst/>
+            </a:prstGeom>
+            <a:noFill/>
+          </p:spPr>
+          <p:txBody>
+            <a:bodyPr wrap="none" rtlCol="0">
+              <a:spAutoFit/>
+            </a:bodyPr>
+            <a:lstStyle/>
+            <a:p>
+              <a:pPr algn="ctr"/>
+              <a:r>
+                <a:rPr lang="es-CO" sz="1400" dirty="0"/>
+                <a:t>Patrones</a:t>
+              </a:r>
+            </a:p>
+          </p:txBody>
+        </p:sp>
+      </p:grpSp>
+      <p:sp>
+        <p:nvSpPr>
+          <p:cNvPr id="127" name="Flecha derecha 126">
+            <a:extLst>
+              <a:ext uri="{FF2B5EF4-FFF2-40B4-BE49-F238E27FC236}">
+                <a16:creationId xmlns:a16="http://schemas.microsoft.com/office/drawing/2014/main" id="{1E65F4F4-9316-6A4B-9230-4139FB7874C7}"/>
+              </a:ext>
+            </a:extLst>
+          </p:cNvPr>
+          <p:cNvSpPr/>
+          <p:nvPr/>
+        </p:nvSpPr>
+        <p:spPr>
+          <a:xfrm>
+            <a:off x="4868309" y="2119611"/>
+            <a:ext cx="575733" cy="214654"/>
+          </a:xfrm>
+          <a:prstGeom prst="rightArrow">
+            <a:avLst/>
+          </a:prstGeom>
+          <a:noFill/>
+          <a:ln>
+            <a:solidFill>
+              <a:schemeClr val="tx1"/>
+            </a:solidFill>
+          </a:ln>
+        </p:spPr>
+        <p:style>
+          <a:lnRef idx="2">
+            <a:schemeClr val="accent1">
+              <a:shade val="50000"/>
+            </a:schemeClr>
+          </a:lnRef>
+          <a:fillRef idx="1">
+            <a:schemeClr val="accent1"/>
+          </a:fillRef>
+          <a:effectRef idx="0">
+            <a:schemeClr val="accent1"/>
+          </a:effectRef>
+          <a:fontRef idx="minor">
+            <a:schemeClr val="lt1"/>
+          </a:fontRef>
+        </p:style>
+        <p:txBody>
+          <a:bodyPr rtlCol="0" anchor="ctr"/>
+          <a:lstStyle/>
+          <a:p>
+            <a:pPr algn="ctr"/>
             <a:endParaRPr lang="es-CO"/>
           </a:p>
         </p:txBody>
       </p:sp>
       <p:sp>
         <p:nvSpPr>
-          <p:cNvPr id="3" name="Subtítulo 2">
+          <p:cNvPr id="129" name="Flecha derecha 128">
             <a:extLst>
               <a:ext uri="{FF2B5EF4-FFF2-40B4-BE49-F238E27FC236}">
-                <a16:creationId xmlns:a16="http://schemas.microsoft.com/office/drawing/2014/main" id="{59200C99-2FC9-4A49-B340-41DE8CB7D3EC}"/>
+                <a16:creationId xmlns:a16="http://schemas.microsoft.com/office/drawing/2014/main" id="{6E4C2861-5B6D-1048-AEF2-E3E7A4F58398}"/>
               </a:ext>
             </a:extLst>
           </p:cNvPr>
-          <p:cNvSpPr>
-            <a:spLocks noGrp="1"/>
-          </p:cNvSpPr>
-          <p:nvPr>
-            <p:ph type="subTitle" idx="1"/>
-          </p:nvPr>
+          <p:cNvSpPr/>
+          <p:nvPr/>
         </p:nvSpPr>
-        <p:spPr/>
+        <p:spPr>
+          <a:xfrm>
+            <a:off x="7392155" y="2094941"/>
+            <a:ext cx="575733" cy="214654"/>
+          </a:xfrm>
+          <a:prstGeom prst="rightArrow">
+            <a:avLst/>
+          </a:prstGeom>
+          <a:noFill/>
+          <a:ln>
+            <a:solidFill>
+              <a:schemeClr val="tx1"/>
+            </a:solidFill>
+          </a:ln>
+        </p:spPr>
+        <p:style>
+          <a:lnRef idx="2">
+            <a:schemeClr val="accent1">
+              <a:shade val="50000"/>
+            </a:schemeClr>
+          </a:lnRef>
+          <a:fillRef idx="1">
+            <a:schemeClr val="accent1"/>
+          </a:fillRef>
+          <a:effectRef idx="0">
+            <a:schemeClr val="accent1"/>
+          </a:effectRef>
+          <a:fontRef idx="minor">
+            <a:schemeClr val="lt1"/>
+          </a:fontRef>
+        </p:style>
         <p:txBody>
-          <a:bodyPr/>
+          <a:bodyPr rtlCol="0" anchor="ctr"/>
           <a:lstStyle/>
           <a:p>
+            <a:pPr algn="ctr"/>
             <a:endParaRPr lang="es-CO"/>
+          </a:p>
+        </p:txBody>
+      </p:sp>
+      <p:sp>
+        <p:nvSpPr>
+          <p:cNvPr id="130" name="CuadroTexto 129">
+            <a:extLst>
+              <a:ext uri="{FF2B5EF4-FFF2-40B4-BE49-F238E27FC236}">
+                <a16:creationId xmlns:a16="http://schemas.microsoft.com/office/drawing/2014/main" id="{55A0D848-C2FB-3F42-AA5F-8BD8DFD83BD8}"/>
+              </a:ext>
+            </a:extLst>
+          </p:cNvPr>
+          <p:cNvSpPr txBox="1"/>
+          <p:nvPr/>
+        </p:nvSpPr>
+        <p:spPr>
+          <a:xfrm>
+            <a:off x="7354398" y="1778558"/>
+            <a:ext cx="630301" cy="369332"/>
+          </a:xfrm>
+          <a:prstGeom prst="rect">
+            <a:avLst/>
+          </a:prstGeom>
+          <a:noFill/>
+        </p:spPr>
+        <p:txBody>
+          <a:bodyPr wrap="none" rtlCol="0">
+            <a:spAutoFit/>
+          </a:bodyPr>
+          <a:lstStyle/>
+          <a:p>
+            <a:r>
+              <a:rPr lang="es-CO" dirty="0"/>
+              <a:t>MDS</a:t>
+            </a:r>
+          </a:p>
+        </p:txBody>
+      </p:sp>
+      <p:grpSp>
+        <p:nvGrpSpPr>
+          <p:cNvPr id="138" name="Grupo 137">
+            <a:extLst>
+              <a:ext uri="{FF2B5EF4-FFF2-40B4-BE49-F238E27FC236}">
+                <a16:creationId xmlns:a16="http://schemas.microsoft.com/office/drawing/2014/main" id="{1DCF723B-EA51-2D4B-A1CE-1B012F57BC2E}"/>
+              </a:ext>
+            </a:extLst>
+          </p:cNvPr>
+          <p:cNvGrpSpPr/>
+          <p:nvPr/>
+        </p:nvGrpSpPr>
+        <p:grpSpPr>
+          <a:xfrm>
+            <a:off x="8005645" y="1096264"/>
+            <a:ext cx="1273105" cy="1895277"/>
+            <a:chOff x="5304614" y="3578832"/>
+            <a:chExt cx="1273105" cy="1895277"/>
+          </a:xfrm>
+        </p:grpSpPr>
+        <p:sp>
+          <p:nvSpPr>
+            <p:cNvPr id="132" name="Almacenamiento interno 131">
+              <a:extLst>
+                <a:ext uri="{FF2B5EF4-FFF2-40B4-BE49-F238E27FC236}">
+                  <a16:creationId xmlns:a16="http://schemas.microsoft.com/office/drawing/2014/main" id="{C1FA7BEC-E7D6-0A44-89AE-139BE88C2362}"/>
+                </a:ext>
+              </a:extLst>
+            </p:cNvPr>
+            <p:cNvSpPr/>
+            <p:nvPr/>
+          </p:nvSpPr>
+          <p:spPr>
+            <a:xfrm>
+              <a:off x="5723921" y="4044736"/>
+              <a:ext cx="613817" cy="1371600"/>
+            </a:xfrm>
+            <a:prstGeom prst="flowChartInternalStorage">
+              <a:avLst/>
+            </a:prstGeom>
+            <a:solidFill>
+              <a:schemeClr val="accent1">
+                <a:lumMod val="40000"/>
+                <a:lumOff val="60000"/>
+              </a:schemeClr>
+            </a:solidFill>
+          </p:spPr>
+          <p:style>
+            <a:lnRef idx="2">
+              <a:schemeClr val="accent1">
+                <a:shade val="50000"/>
+              </a:schemeClr>
+            </a:lnRef>
+            <a:fillRef idx="1">
+              <a:schemeClr val="accent1"/>
+            </a:fillRef>
+            <a:effectRef idx="0">
+              <a:schemeClr val="accent1"/>
+            </a:effectRef>
+            <a:fontRef idx="minor">
+              <a:schemeClr val="lt1"/>
+            </a:fontRef>
+          </p:style>
+          <p:txBody>
+            <a:bodyPr rtlCol="0" anchor="ctr"/>
+            <a:lstStyle/>
+            <a:p>
+              <a:pPr algn="ctr"/>
+              <a:endParaRPr lang="es-CO"/>
+            </a:p>
+          </p:txBody>
+        </p:sp>
+        <p:cxnSp>
+          <p:nvCxnSpPr>
+            <p:cNvPr id="133" name="Conector recto de flecha 132">
+              <a:extLst>
+                <a:ext uri="{FF2B5EF4-FFF2-40B4-BE49-F238E27FC236}">
+                  <a16:creationId xmlns:a16="http://schemas.microsoft.com/office/drawing/2014/main" id="{57B49639-DB23-F544-8D92-0C192871FF54}"/>
+                </a:ext>
+              </a:extLst>
+            </p:cNvPr>
+            <p:cNvCxnSpPr>
+              <a:cxnSpLocks/>
+            </p:cNvCxnSpPr>
+            <p:nvPr/>
+          </p:nvCxnSpPr>
+          <p:spPr>
+            <a:xfrm>
+              <a:off x="5623861" y="3986964"/>
+              <a:ext cx="0" cy="1487145"/>
+            </a:xfrm>
+            <a:prstGeom prst="straightConnector1">
+              <a:avLst/>
+            </a:prstGeom>
+            <a:ln>
+              <a:solidFill>
+                <a:schemeClr val="tx1"/>
+              </a:solidFill>
+              <a:headEnd w="lg" len="med"/>
+              <a:tailEnd type="triangle"/>
+            </a:ln>
+          </p:spPr>
+          <p:style>
+            <a:lnRef idx="1">
+              <a:schemeClr val="accent1"/>
+            </a:lnRef>
+            <a:fillRef idx="0">
+              <a:schemeClr val="accent1"/>
+            </a:fillRef>
+            <a:effectRef idx="0">
+              <a:schemeClr val="accent1"/>
+            </a:effectRef>
+            <a:fontRef idx="minor">
+              <a:schemeClr val="tx1"/>
+            </a:fontRef>
+          </p:style>
+        </p:cxnSp>
+        <p:cxnSp>
+          <p:nvCxnSpPr>
+            <p:cNvPr id="134" name="Conector recto de flecha 133">
+              <a:extLst>
+                <a:ext uri="{FF2B5EF4-FFF2-40B4-BE49-F238E27FC236}">
+                  <a16:creationId xmlns:a16="http://schemas.microsoft.com/office/drawing/2014/main" id="{6AB384EA-0315-8743-BB24-C5E86EE6FE7A}"/>
+                </a:ext>
+              </a:extLst>
+            </p:cNvPr>
+            <p:cNvCxnSpPr>
+              <a:cxnSpLocks/>
+            </p:cNvCxnSpPr>
+            <p:nvPr/>
+          </p:nvCxnSpPr>
+          <p:spPr>
+            <a:xfrm>
+              <a:off x="5623861" y="3886609"/>
+              <a:ext cx="713877" cy="0"/>
+            </a:xfrm>
+            <a:prstGeom prst="straightConnector1">
+              <a:avLst/>
+            </a:prstGeom>
+            <a:ln>
+              <a:solidFill>
+                <a:schemeClr val="tx1"/>
+              </a:solidFill>
+              <a:headEnd w="lg" len="med"/>
+              <a:tailEnd type="triangle"/>
+            </a:ln>
+          </p:spPr>
+          <p:style>
+            <a:lnRef idx="1">
+              <a:schemeClr val="accent1"/>
+            </a:lnRef>
+            <a:fillRef idx="0">
+              <a:schemeClr val="accent1"/>
+            </a:fillRef>
+            <a:effectRef idx="0">
+              <a:schemeClr val="accent1"/>
+            </a:effectRef>
+            <a:fontRef idx="minor">
+              <a:schemeClr val="tx1"/>
+            </a:fontRef>
+          </p:style>
+        </p:cxnSp>
+        <p:sp>
+          <p:nvSpPr>
+            <p:cNvPr id="135" name="CuadroTexto 134">
+              <a:extLst>
+                <a:ext uri="{FF2B5EF4-FFF2-40B4-BE49-F238E27FC236}">
+                  <a16:creationId xmlns:a16="http://schemas.microsoft.com/office/drawing/2014/main" id="{054F0EA4-E36A-C44B-9C8D-66E334CFABB1}"/>
+                </a:ext>
+              </a:extLst>
+            </p:cNvPr>
+            <p:cNvSpPr txBox="1"/>
+            <p:nvPr/>
+          </p:nvSpPr>
+          <p:spPr>
+            <a:xfrm>
+              <a:off x="5452090" y="3578832"/>
+              <a:ext cx="1125629" cy="307777"/>
+            </a:xfrm>
+            <a:prstGeom prst="rect">
+              <a:avLst/>
+            </a:prstGeom>
+            <a:noFill/>
+          </p:spPr>
+          <p:txBody>
+            <a:bodyPr wrap="none" rtlCol="0">
+              <a:spAutoFit/>
+            </a:bodyPr>
+            <a:lstStyle/>
+            <a:p>
+              <a:pPr algn="ctr"/>
+              <a:r>
+                <a:rPr lang="es-CO" sz="1400" dirty="0"/>
+                <a:t>Dimensiones</a:t>
+              </a:r>
+            </a:p>
+          </p:txBody>
+        </p:sp>
+        <p:sp>
+          <p:nvSpPr>
+            <p:cNvPr id="136" name="CuadroTexto 135">
+              <a:extLst>
+                <a:ext uri="{FF2B5EF4-FFF2-40B4-BE49-F238E27FC236}">
+                  <a16:creationId xmlns:a16="http://schemas.microsoft.com/office/drawing/2014/main" id="{3FA32185-1FDE-F94C-82C3-BCB957D2A9C6}"/>
+                </a:ext>
+              </a:extLst>
+            </p:cNvPr>
+            <p:cNvSpPr txBox="1"/>
+            <p:nvPr/>
+          </p:nvSpPr>
+          <p:spPr>
+            <a:xfrm rot="16200000">
+              <a:off x="5044159" y="4522941"/>
+              <a:ext cx="828688" cy="307777"/>
+            </a:xfrm>
+            <a:prstGeom prst="rect">
+              <a:avLst/>
+            </a:prstGeom>
+            <a:noFill/>
+          </p:spPr>
+          <p:txBody>
+            <a:bodyPr wrap="none" rtlCol="0">
+              <a:spAutoFit/>
+            </a:bodyPr>
+            <a:lstStyle/>
+            <a:p>
+              <a:pPr algn="ctr"/>
+              <a:r>
+                <a:rPr lang="es-CO" sz="1400" dirty="0"/>
+                <a:t>Patrones</a:t>
+              </a:r>
+            </a:p>
+          </p:txBody>
+        </p:sp>
+      </p:grpSp>
+      <p:sp>
+        <p:nvSpPr>
+          <p:cNvPr id="139" name="CuadroTexto 138">
+            <a:extLst>
+              <a:ext uri="{FF2B5EF4-FFF2-40B4-BE49-F238E27FC236}">
+                <a16:creationId xmlns:a16="http://schemas.microsoft.com/office/drawing/2014/main" id="{03B62817-DB30-1644-8510-3D418C9293D6}"/>
+              </a:ext>
+            </a:extLst>
+          </p:cNvPr>
+          <p:cNvSpPr txBox="1"/>
+          <p:nvPr/>
+        </p:nvSpPr>
+        <p:spPr>
+          <a:xfrm>
+            <a:off x="8304062" y="2933768"/>
+            <a:ext cx="861647" cy="307777"/>
+          </a:xfrm>
+          <a:prstGeom prst="rect">
+            <a:avLst/>
+          </a:prstGeom>
+          <a:noFill/>
+        </p:spPr>
+        <p:txBody>
+          <a:bodyPr wrap="none" rtlCol="0">
+            <a:spAutoFit/>
+          </a:bodyPr>
+          <a:lstStyle/>
+          <a:p>
+            <a:pPr algn="ctr"/>
+            <a:r>
+              <a:rPr lang="es-CO" sz="1400" b="1" dirty="0"/>
+              <a:t>Manifold</a:t>
+            </a:r>
           </a:p>
         </p:txBody>
       </p:sp>
@@ -3396,6 +6035,5433 @@
     <p:extLst>
       <p:ext uri="{BB962C8B-B14F-4D97-AF65-F5344CB8AC3E}">
         <p14:creationId xmlns:p14="http://schemas.microsoft.com/office/powerpoint/2010/main" val="2547117047"/>
+      </p:ext>
+    </p:extLst>
+  </p:cSld>
+  <p:clrMapOvr>
+    <a:masterClrMapping/>
+  </p:clrMapOvr>
+</p:sld>
+</file>
+
+<file path=ppt/slides/slide2.xml><?xml version="1.0" encoding="utf-8"?>
+<p:sld xmlns:a="http://schemas.openxmlformats.org/drawingml/2006/main" xmlns:r="http://schemas.openxmlformats.org/officeDocument/2006/relationships" xmlns:p="http://schemas.openxmlformats.org/presentationml/2006/main">
+  <p:cSld>
+    <p:spTree>
+      <p:nvGrpSpPr>
+        <p:cNvPr id="1" name=""/>
+        <p:cNvGrpSpPr/>
+        <p:nvPr/>
+      </p:nvGrpSpPr>
+      <p:grpSpPr>
+        <a:xfrm>
+          <a:off x="0" y="0"/>
+          <a:ext cx="0" cy="0"/>
+          <a:chOff x="0" y="0"/>
+          <a:chExt cx="0" cy="0"/>
+        </a:xfrm>
+      </p:grpSpPr>
+      <p:sp>
+        <p:nvSpPr>
+          <p:cNvPr id="14" name="Flecha derecha 13">
+            <a:extLst>
+              <a:ext uri="{FF2B5EF4-FFF2-40B4-BE49-F238E27FC236}">
+                <a16:creationId xmlns:a16="http://schemas.microsoft.com/office/drawing/2014/main" id="{066840E0-3C11-314E-A78E-9BDF398D2F63}"/>
+              </a:ext>
+            </a:extLst>
+          </p:cNvPr>
+          <p:cNvSpPr/>
+          <p:nvPr/>
+        </p:nvSpPr>
+        <p:spPr>
+          <a:xfrm>
+            <a:off x="2776454" y="2176966"/>
+            <a:ext cx="397626" cy="214654"/>
+          </a:xfrm>
+          <a:prstGeom prst="rightArrow">
+            <a:avLst/>
+          </a:prstGeom>
+          <a:noFill/>
+          <a:ln>
+            <a:solidFill>
+              <a:schemeClr val="tx1"/>
+            </a:solidFill>
+          </a:ln>
+        </p:spPr>
+        <p:style>
+          <a:lnRef idx="2">
+            <a:schemeClr val="accent1">
+              <a:shade val="50000"/>
+            </a:schemeClr>
+          </a:lnRef>
+          <a:fillRef idx="1">
+            <a:schemeClr val="accent1"/>
+          </a:fillRef>
+          <a:effectRef idx="0">
+            <a:schemeClr val="accent1"/>
+          </a:effectRef>
+          <a:fontRef idx="minor">
+            <a:schemeClr val="lt1"/>
+          </a:fontRef>
+        </p:style>
+        <p:txBody>
+          <a:bodyPr rtlCol="0" anchor="ctr"/>
+          <a:lstStyle/>
+          <a:p>
+            <a:pPr algn="ctr"/>
+            <a:endParaRPr lang="es-CO"/>
+          </a:p>
+        </p:txBody>
+      </p:sp>
+      <p:grpSp>
+        <p:nvGrpSpPr>
+          <p:cNvPr id="126" name="Grupo 125">
+            <a:extLst>
+              <a:ext uri="{FF2B5EF4-FFF2-40B4-BE49-F238E27FC236}">
+                <a16:creationId xmlns:a16="http://schemas.microsoft.com/office/drawing/2014/main" id="{2212D7D2-D941-7443-9617-C0C28D39FC67}"/>
+              </a:ext>
+            </a:extLst>
+          </p:cNvPr>
+          <p:cNvGrpSpPr/>
+          <p:nvPr/>
+        </p:nvGrpSpPr>
+        <p:grpSpPr>
+          <a:xfrm>
+            <a:off x="3240540" y="1006077"/>
+            <a:ext cx="2242445" cy="2248577"/>
+            <a:chOff x="3178932" y="810872"/>
+            <a:chExt cx="2242445" cy="2248577"/>
+          </a:xfrm>
+        </p:grpSpPr>
+        <p:sp>
+          <p:nvSpPr>
+            <p:cNvPr id="13" name="CuadroTexto 12">
+              <a:extLst>
+                <a:ext uri="{FF2B5EF4-FFF2-40B4-BE49-F238E27FC236}">
+                  <a16:creationId xmlns:a16="http://schemas.microsoft.com/office/drawing/2014/main" id="{D92A56A4-62DE-BA42-8DBF-9DE182BFDCD8}"/>
+                </a:ext>
+              </a:extLst>
+            </p:cNvPr>
+            <p:cNvSpPr txBox="1"/>
+            <p:nvPr/>
+          </p:nvSpPr>
+          <p:spPr>
+            <a:xfrm>
+              <a:off x="3178932" y="810872"/>
+              <a:ext cx="2242445" cy="523220"/>
+            </a:xfrm>
+            <a:prstGeom prst="rect">
+              <a:avLst/>
+            </a:prstGeom>
+            <a:noFill/>
+          </p:spPr>
+          <p:txBody>
+            <a:bodyPr wrap="square" rtlCol="0">
+              <a:spAutoFit/>
+            </a:bodyPr>
+            <a:lstStyle/>
+            <a:p>
+              <a:pPr algn="ctr"/>
+              <a:r>
+                <a:rPr lang="es-CO" sz="1400" dirty="0"/>
+                <a:t>Búsqueda de los k vecinos más cercanos</a:t>
+              </a:r>
+            </a:p>
+          </p:txBody>
+        </p:sp>
+        <p:grpSp>
+          <p:nvGrpSpPr>
+            <p:cNvPr id="118" name="Grupo 117">
+              <a:extLst>
+                <a:ext uri="{FF2B5EF4-FFF2-40B4-BE49-F238E27FC236}">
+                  <a16:creationId xmlns:a16="http://schemas.microsoft.com/office/drawing/2014/main" id="{920CC6A5-3192-984F-9F2B-7AD1754C0F9B}"/>
+                </a:ext>
+              </a:extLst>
+            </p:cNvPr>
+            <p:cNvGrpSpPr/>
+            <p:nvPr/>
+          </p:nvGrpSpPr>
+          <p:grpSpPr>
+            <a:xfrm>
+              <a:off x="3238646" y="1396995"/>
+              <a:ext cx="2061289" cy="1662454"/>
+              <a:chOff x="3869266" y="1251567"/>
+              <a:chExt cx="2061289" cy="1662454"/>
+            </a:xfrm>
+          </p:grpSpPr>
+          <p:cxnSp>
+            <p:nvCxnSpPr>
+              <p:cNvPr id="35" name="Conector recto 34">
+                <a:extLst>
+                  <a:ext uri="{FF2B5EF4-FFF2-40B4-BE49-F238E27FC236}">
+                    <a16:creationId xmlns:a16="http://schemas.microsoft.com/office/drawing/2014/main" id="{0175C934-151E-F348-8AAA-0C12587BCCED}"/>
+                  </a:ext>
+                </a:extLst>
+              </p:cNvPr>
+              <p:cNvCxnSpPr>
+                <a:cxnSpLocks/>
+              </p:cNvCxnSpPr>
+              <p:nvPr/>
+            </p:nvCxnSpPr>
+            <p:spPr>
+              <a:xfrm flipV="1">
+                <a:off x="4146096" y="1482024"/>
+                <a:ext cx="217715" cy="134587"/>
+              </a:xfrm>
+              <a:prstGeom prst="line">
+                <a:avLst/>
+              </a:prstGeom>
+              <a:ln w="19050">
+                <a:solidFill>
+                  <a:srgbClr val="C00000"/>
+                </a:solidFill>
+              </a:ln>
+            </p:spPr>
+            <p:style>
+              <a:lnRef idx="1">
+                <a:schemeClr val="accent1"/>
+              </a:lnRef>
+              <a:fillRef idx="0">
+                <a:schemeClr val="accent1"/>
+              </a:fillRef>
+              <a:effectRef idx="0">
+                <a:schemeClr val="accent1"/>
+              </a:effectRef>
+              <a:fontRef idx="minor">
+                <a:schemeClr val="tx1"/>
+              </a:fontRef>
+            </p:style>
+          </p:cxnSp>
+          <p:cxnSp>
+            <p:nvCxnSpPr>
+              <p:cNvPr id="30" name="Conector recto 29">
+                <a:extLst>
+                  <a:ext uri="{FF2B5EF4-FFF2-40B4-BE49-F238E27FC236}">
+                    <a16:creationId xmlns:a16="http://schemas.microsoft.com/office/drawing/2014/main" id="{6908A424-8C7E-0441-B825-06FE1E59A4AD}"/>
+                  </a:ext>
+                </a:extLst>
+              </p:cNvPr>
+              <p:cNvCxnSpPr>
+                <a:cxnSpLocks/>
+              </p:cNvCxnSpPr>
+              <p:nvPr/>
+            </p:nvCxnSpPr>
+            <p:spPr>
+              <a:xfrm flipV="1">
+                <a:off x="4105275" y="1345871"/>
+                <a:ext cx="86715" cy="260679"/>
+              </a:xfrm>
+              <a:prstGeom prst="line">
+                <a:avLst/>
+              </a:prstGeom>
+              <a:ln w="19050">
+                <a:solidFill>
+                  <a:srgbClr val="C00000"/>
+                </a:solidFill>
+              </a:ln>
+            </p:spPr>
+            <p:style>
+              <a:lnRef idx="1">
+                <a:schemeClr val="accent1"/>
+              </a:lnRef>
+              <a:fillRef idx="0">
+                <a:schemeClr val="accent1"/>
+              </a:fillRef>
+              <a:effectRef idx="0">
+                <a:schemeClr val="accent1"/>
+              </a:effectRef>
+              <a:fontRef idx="minor">
+                <a:schemeClr val="tx1"/>
+              </a:fontRef>
+            </p:style>
+          </p:cxnSp>
+          <p:cxnSp>
+            <p:nvCxnSpPr>
+              <p:cNvPr id="76" name="Conector recto 75">
+                <a:extLst>
+                  <a:ext uri="{FF2B5EF4-FFF2-40B4-BE49-F238E27FC236}">
+                    <a16:creationId xmlns:a16="http://schemas.microsoft.com/office/drawing/2014/main" id="{767221E9-2CF3-BD41-9779-2A7705037045}"/>
+                  </a:ext>
+                </a:extLst>
+              </p:cNvPr>
+              <p:cNvCxnSpPr>
+                <a:cxnSpLocks/>
+              </p:cNvCxnSpPr>
+              <p:nvPr/>
+            </p:nvCxnSpPr>
+            <p:spPr>
+              <a:xfrm flipH="1" flipV="1">
+                <a:off x="4994277" y="2079625"/>
+                <a:ext cx="149223" cy="320675"/>
+              </a:xfrm>
+              <a:prstGeom prst="line">
+                <a:avLst/>
+              </a:prstGeom>
+              <a:ln w="19050">
+                <a:solidFill>
+                  <a:schemeClr val="accent1">
+                    <a:lumMod val="75000"/>
+                  </a:schemeClr>
+                </a:solidFill>
+              </a:ln>
+            </p:spPr>
+            <p:style>
+              <a:lnRef idx="1">
+                <a:schemeClr val="accent1"/>
+              </a:lnRef>
+              <a:fillRef idx="0">
+                <a:schemeClr val="accent1"/>
+              </a:fillRef>
+              <a:effectRef idx="0">
+                <a:schemeClr val="accent1"/>
+              </a:effectRef>
+              <a:fontRef idx="minor">
+                <a:schemeClr val="tx1"/>
+              </a:fontRef>
+            </p:style>
+          </p:cxnSp>
+          <p:cxnSp>
+            <p:nvCxnSpPr>
+              <p:cNvPr id="61" name="Conector recto 60">
+                <a:extLst>
+                  <a:ext uri="{FF2B5EF4-FFF2-40B4-BE49-F238E27FC236}">
+                    <a16:creationId xmlns:a16="http://schemas.microsoft.com/office/drawing/2014/main" id="{51B2246A-8B3E-2644-B19C-C14E744DF79F}"/>
+                  </a:ext>
+                </a:extLst>
+              </p:cNvPr>
+              <p:cNvCxnSpPr>
+                <a:cxnSpLocks/>
+              </p:cNvCxnSpPr>
+              <p:nvPr/>
+            </p:nvCxnSpPr>
+            <p:spPr>
+              <a:xfrm flipV="1">
+                <a:off x="5010150" y="1739901"/>
+                <a:ext cx="193675" cy="273049"/>
+              </a:xfrm>
+              <a:prstGeom prst="line">
+                <a:avLst/>
+              </a:prstGeom>
+              <a:ln w="19050">
+                <a:solidFill>
+                  <a:schemeClr val="accent1">
+                    <a:lumMod val="75000"/>
+                  </a:schemeClr>
+                </a:solidFill>
+              </a:ln>
+            </p:spPr>
+            <p:style>
+              <a:lnRef idx="1">
+                <a:schemeClr val="accent1"/>
+              </a:lnRef>
+              <a:fillRef idx="0">
+                <a:schemeClr val="accent1"/>
+              </a:fillRef>
+              <a:effectRef idx="0">
+                <a:schemeClr val="accent1"/>
+              </a:effectRef>
+              <a:fontRef idx="minor">
+                <a:schemeClr val="tx1"/>
+              </a:fontRef>
+            </p:style>
+          </p:cxnSp>
+          <p:sp>
+            <p:nvSpPr>
+              <p:cNvPr id="15" name="Elipse 14">
+                <a:extLst>
+                  <a:ext uri="{FF2B5EF4-FFF2-40B4-BE49-F238E27FC236}">
+                    <a16:creationId xmlns:a16="http://schemas.microsoft.com/office/drawing/2014/main" id="{F029443D-0E69-014E-B8C2-7C28FE5DCEAC}"/>
+                  </a:ext>
+                </a:extLst>
+              </p:cNvPr>
+              <p:cNvSpPr/>
+              <p:nvPr/>
+            </p:nvSpPr>
+            <p:spPr>
+              <a:xfrm>
+                <a:off x="4055533" y="1603188"/>
+                <a:ext cx="90145" cy="90145"/>
+              </a:xfrm>
+              <a:prstGeom prst="ellipse">
+                <a:avLst/>
+              </a:prstGeom>
+              <a:solidFill>
+                <a:srgbClr val="C00000"/>
+              </a:solidFill>
+              <a:ln w="25400">
+                <a:solidFill>
+                  <a:schemeClr val="tx1"/>
+                </a:solidFill>
+              </a:ln>
+            </p:spPr>
+            <p:style>
+              <a:lnRef idx="2">
+                <a:schemeClr val="accent1">
+                  <a:shade val="50000"/>
+                </a:schemeClr>
+              </a:lnRef>
+              <a:fillRef idx="1">
+                <a:schemeClr val="accent1"/>
+              </a:fillRef>
+              <a:effectRef idx="0">
+                <a:schemeClr val="accent1"/>
+              </a:effectRef>
+              <a:fontRef idx="minor">
+                <a:schemeClr val="lt1"/>
+              </a:fontRef>
+            </p:style>
+            <p:txBody>
+              <a:bodyPr rtlCol="0" anchor="ctr"/>
+              <a:lstStyle/>
+              <a:p>
+                <a:pPr algn="ctr"/>
+                <a:endParaRPr lang="es-CO"/>
+              </a:p>
+            </p:txBody>
+          </p:sp>
+          <p:sp>
+            <p:nvSpPr>
+              <p:cNvPr id="16" name="Elipse 15">
+                <a:extLst>
+                  <a:ext uri="{FF2B5EF4-FFF2-40B4-BE49-F238E27FC236}">
+                    <a16:creationId xmlns:a16="http://schemas.microsoft.com/office/drawing/2014/main" id="{18CB14D6-361A-154E-9F19-23A25F8B4995}"/>
+                  </a:ext>
+                </a:extLst>
+              </p:cNvPr>
+              <p:cNvSpPr/>
+              <p:nvPr/>
+            </p:nvSpPr>
+            <p:spPr>
+              <a:xfrm>
+                <a:off x="4168089" y="1251567"/>
+                <a:ext cx="90145" cy="90145"/>
+              </a:xfrm>
+              <a:prstGeom prst="ellipse">
+                <a:avLst/>
+              </a:prstGeom>
+              <a:noFill/>
+              <a:ln w="25400">
+                <a:solidFill>
+                  <a:schemeClr val="tx1"/>
+                </a:solidFill>
+              </a:ln>
+            </p:spPr>
+            <p:style>
+              <a:lnRef idx="2">
+                <a:schemeClr val="accent1">
+                  <a:shade val="50000"/>
+                </a:schemeClr>
+              </a:lnRef>
+              <a:fillRef idx="1">
+                <a:schemeClr val="accent1"/>
+              </a:fillRef>
+              <a:effectRef idx="0">
+                <a:schemeClr val="accent1"/>
+              </a:effectRef>
+              <a:fontRef idx="minor">
+                <a:schemeClr val="lt1"/>
+              </a:fontRef>
+            </p:style>
+            <p:txBody>
+              <a:bodyPr rtlCol="0" anchor="ctr"/>
+              <a:lstStyle/>
+              <a:p>
+                <a:pPr algn="ctr"/>
+                <a:endParaRPr lang="es-CO"/>
+              </a:p>
+            </p:txBody>
+          </p:sp>
+          <p:sp>
+            <p:nvSpPr>
+              <p:cNvPr id="17" name="Elipse 16">
+                <a:extLst>
+                  <a:ext uri="{FF2B5EF4-FFF2-40B4-BE49-F238E27FC236}">
+                    <a16:creationId xmlns:a16="http://schemas.microsoft.com/office/drawing/2014/main" id="{87371E5B-0D9D-2A46-AC17-C1C6063A610A}"/>
+                  </a:ext>
+                </a:extLst>
+              </p:cNvPr>
+              <p:cNvSpPr/>
+              <p:nvPr/>
+            </p:nvSpPr>
+            <p:spPr>
+              <a:xfrm>
+                <a:off x="3869266" y="1899521"/>
+                <a:ext cx="90145" cy="90145"/>
+              </a:xfrm>
+              <a:prstGeom prst="ellipse">
+                <a:avLst/>
+              </a:prstGeom>
+              <a:noFill/>
+              <a:ln w="25400">
+                <a:solidFill>
+                  <a:schemeClr val="tx1"/>
+                </a:solidFill>
+              </a:ln>
+            </p:spPr>
+            <p:style>
+              <a:lnRef idx="2">
+                <a:schemeClr val="accent1">
+                  <a:shade val="50000"/>
+                </a:schemeClr>
+              </a:lnRef>
+              <a:fillRef idx="1">
+                <a:schemeClr val="accent1"/>
+              </a:fillRef>
+              <a:effectRef idx="0">
+                <a:schemeClr val="accent1"/>
+              </a:effectRef>
+              <a:fontRef idx="minor">
+                <a:schemeClr val="lt1"/>
+              </a:fontRef>
+            </p:style>
+            <p:txBody>
+              <a:bodyPr rtlCol="0" anchor="ctr"/>
+              <a:lstStyle/>
+              <a:p>
+                <a:pPr algn="ctr"/>
+                <a:endParaRPr lang="es-CO"/>
+              </a:p>
+            </p:txBody>
+          </p:sp>
+          <p:sp>
+            <p:nvSpPr>
+              <p:cNvPr id="18" name="Elipse 17">
+                <a:extLst>
+                  <a:ext uri="{FF2B5EF4-FFF2-40B4-BE49-F238E27FC236}">
+                    <a16:creationId xmlns:a16="http://schemas.microsoft.com/office/drawing/2014/main" id="{C7E1365C-5CF4-5D48-9E77-D7A0E12A4BC1}"/>
+                  </a:ext>
+                </a:extLst>
+              </p:cNvPr>
+              <p:cNvSpPr/>
+              <p:nvPr/>
+            </p:nvSpPr>
+            <p:spPr>
+              <a:xfrm>
+                <a:off x="4351867" y="1414182"/>
+                <a:ext cx="90145" cy="90145"/>
+              </a:xfrm>
+              <a:prstGeom prst="ellipse">
+                <a:avLst/>
+              </a:prstGeom>
+              <a:noFill/>
+              <a:ln w="25400">
+                <a:solidFill>
+                  <a:schemeClr val="tx1"/>
+                </a:solidFill>
+              </a:ln>
+            </p:spPr>
+            <p:style>
+              <a:lnRef idx="2">
+                <a:schemeClr val="accent1">
+                  <a:shade val="50000"/>
+                </a:schemeClr>
+              </a:lnRef>
+              <a:fillRef idx="1">
+                <a:schemeClr val="accent1"/>
+              </a:fillRef>
+              <a:effectRef idx="0">
+                <a:schemeClr val="accent1"/>
+              </a:effectRef>
+              <a:fontRef idx="minor">
+                <a:schemeClr val="lt1"/>
+              </a:fontRef>
+            </p:style>
+            <p:txBody>
+              <a:bodyPr rtlCol="0" anchor="ctr"/>
+              <a:lstStyle/>
+              <a:p>
+                <a:pPr algn="ctr"/>
+                <a:endParaRPr lang="es-CO"/>
+              </a:p>
+            </p:txBody>
+          </p:sp>
+          <p:sp>
+            <p:nvSpPr>
+              <p:cNvPr id="19" name="Elipse 18">
+                <a:extLst>
+                  <a:ext uri="{FF2B5EF4-FFF2-40B4-BE49-F238E27FC236}">
+                    <a16:creationId xmlns:a16="http://schemas.microsoft.com/office/drawing/2014/main" id="{3C5A9521-AC89-0D42-A0A1-72BC7CD22349}"/>
+                  </a:ext>
+                </a:extLst>
+              </p:cNvPr>
+              <p:cNvSpPr/>
+              <p:nvPr/>
+            </p:nvSpPr>
+            <p:spPr>
+              <a:xfrm>
+                <a:off x="4010460" y="2044954"/>
+                <a:ext cx="90145" cy="90145"/>
+              </a:xfrm>
+              <a:prstGeom prst="ellipse">
+                <a:avLst/>
+              </a:prstGeom>
+              <a:noFill/>
+              <a:ln w="25400">
+                <a:solidFill>
+                  <a:schemeClr val="tx1"/>
+                </a:solidFill>
+              </a:ln>
+            </p:spPr>
+            <p:style>
+              <a:lnRef idx="2">
+                <a:schemeClr val="accent1">
+                  <a:shade val="50000"/>
+                </a:schemeClr>
+              </a:lnRef>
+              <a:fillRef idx="1">
+                <a:schemeClr val="accent1"/>
+              </a:fillRef>
+              <a:effectRef idx="0">
+                <a:schemeClr val="accent1"/>
+              </a:effectRef>
+              <a:fontRef idx="minor">
+                <a:schemeClr val="lt1"/>
+              </a:fontRef>
+            </p:style>
+            <p:txBody>
+              <a:bodyPr rtlCol="0" anchor="ctr"/>
+              <a:lstStyle/>
+              <a:p>
+                <a:pPr algn="ctr"/>
+                <a:endParaRPr lang="es-CO"/>
+              </a:p>
+            </p:txBody>
+          </p:sp>
+          <p:sp>
+            <p:nvSpPr>
+              <p:cNvPr id="20" name="Elipse 19">
+                <a:extLst>
+                  <a:ext uri="{FF2B5EF4-FFF2-40B4-BE49-F238E27FC236}">
+                    <a16:creationId xmlns:a16="http://schemas.microsoft.com/office/drawing/2014/main" id="{62033627-A0F8-514B-8E35-247747DF699A}"/>
+                  </a:ext>
+                </a:extLst>
+              </p:cNvPr>
+              <p:cNvSpPr/>
+              <p:nvPr/>
+            </p:nvSpPr>
+            <p:spPr>
+              <a:xfrm>
+                <a:off x="4755491" y="1587335"/>
+                <a:ext cx="90145" cy="90145"/>
+              </a:xfrm>
+              <a:prstGeom prst="ellipse">
+                <a:avLst/>
+              </a:prstGeom>
+              <a:noFill/>
+              <a:ln w="25400">
+                <a:solidFill>
+                  <a:schemeClr val="tx1"/>
+                </a:solidFill>
+              </a:ln>
+            </p:spPr>
+            <p:style>
+              <a:lnRef idx="2">
+                <a:schemeClr val="accent1">
+                  <a:shade val="50000"/>
+                </a:schemeClr>
+              </a:lnRef>
+              <a:fillRef idx="1">
+                <a:schemeClr val="accent1"/>
+              </a:fillRef>
+              <a:effectRef idx="0">
+                <a:schemeClr val="accent1"/>
+              </a:effectRef>
+              <a:fontRef idx="minor">
+                <a:schemeClr val="lt1"/>
+              </a:fontRef>
+            </p:style>
+            <p:txBody>
+              <a:bodyPr rtlCol="0" anchor="ctr"/>
+              <a:lstStyle/>
+              <a:p>
+                <a:pPr algn="ctr"/>
+                <a:endParaRPr lang="es-CO"/>
+              </a:p>
+            </p:txBody>
+          </p:sp>
+          <p:sp>
+            <p:nvSpPr>
+              <p:cNvPr id="21" name="Elipse 20">
+                <a:extLst>
+                  <a:ext uri="{FF2B5EF4-FFF2-40B4-BE49-F238E27FC236}">
+                    <a16:creationId xmlns:a16="http://schemas.microsoft.com/office/drawing/2014/main" id="{D26A5AD6-6D63-CE4C-B625-C041F148B470}"/>
+                  </a:ext>
+                </a:extLst>
+              </p:cNvPr>
+              <p:cNvSpPr/>
+              <p:nvPr/>
+            </p:nvSpPr>
+            <p:spPr>
+              <a:xfrm>
+                <a:off x="4938804" y="1999881"/>
+                <a:ext cx="90145" cy="90145"/>
+              </a:xfrm>
+              <a:prstGeom prst="ellipse">
+                <a:avLst/>
+              </a:prstGeom>
+              <a:solidFill>
+                <a:schemeClr val="accent1">
+                  <a:lumMod val="75000"/>
+                </a:schemeClr>
+              </a:solidFill>
+              <a:ln w="25400">
+                <a:solidFill>
+                  <a:schemeClr val="tx1"/>
+                </a:solidFill>
+              </a:ln>
+            </p:spPr>
+            <p:style>
+              <a:lnRef idx="2">
+                <a:schemeClr val="accent1">
+                  <a:shade val="50000"/>
+                </a:schemeClr>
+              </a:lnRef>
+              <a:fillRef idx="1">
+                <a:schemeClr val="accent1"/>
+              </a:fillRef>
+              <a:effectRef idx="0">
+                <a:schemeClr val="accent1"/>
+              </a:effectRef>
+              <a:fontRef idx="minor">
+                <a:schemeClr val="lt1"/>
+              </a:fontRef>
+            </p:style>
+            <p:txBody>
+              <a:bodyPr rtlCol="0" anchor="ctr"/>
+              <a:lstStyle/>
+              <a:p>
+                <a:pPr algn="ctr"/>
+                <a:endParaRPr lang="es-CO"/>
+              </a:p>
+            </p:txBody>
+          </p:sp>
+          <p:sp>
+            <p:nvSpPr>
+              <p:cNvPr id="22" name="Elipse 21">
+                <a:extLst>
+                  <a:ext uri="{FF2B5EF4-FFF2-40B4-BE49-F238E27FC236}">
+                    <a16:creationId xmlns:a16="http://schemas.microsoft.com/office/drawing/2014/main" id="{9A20171A-6BD2-3D4A-96AE-8D75AC26E715}"/>
+                  </a:ext>
+                </a:extLst>
+              </p:cNvPr>
+              <p:cNvSpPr/>
+              <p:nvPr/>
+            </p:nvSpPr>
+            <p:spPr>
+              <a:xfrm>
+                <a:off x="5184588" y="1648260"/>
+                <a:ext cx="90145" cy="90145"/>
+              </a:xfrm>
+              <a:prstGeom prst="ellipse">
+                <a:avLst/>
+              </a:prstGeom>
+              <a:noFill/>
+              <a:ln w="25400">
+                <a:solidFill>
+                  <a:schemeClr val="tx1"/>
+                </a:solidFill>
+              </a:ln>
+            </p:spPr>
+            <p:style>
+              <a:lnRef idx="2">
+                <a:schemeClr val="accent1">
+                  <a:shade val="50000"/>
+                </a:schemeClr>
+              </a:lnRef>
+              <a:fillRef idx="1">
+                <a:schemeClr val="accent1"/>
+              </a:fillRef>
+              <a:effectRef idx="0">
+                <a:schemeClr val="accent1"/>
+              </a:effectRef>
+              <a:fontRef idx="minor">
+                <a:schemeClr val="lt1"/>
+              </a:fontRef>
+            </p:style>
+            <p:txBody>
+              <a:bodyPr rtlCol="0" anchor="ctr"/>
+              <a:lstStyle/>
+              <a:p>
+                <a:pPr algn="ctr"/>
+                <a:endParaRPr lang="es-CO"/>
+              </a:p>
+            </p:txBody>
+          </p:sp>
+          <p:sp>
+            <p:nvSpPr>
+              <p:cNvPr id="23" name="Elipse 22">
+                <a:extLst>
+                  <a:ext uri="{FF2B5EF4-FFF2-40B4-BE49-F238E27FC236}">
+                    <a16:creationId xmlns:a16="http://schemas.microsoft.com/office/drawing/2014/main" id="{A8F6FE44-55A9-734E-8A20-4BF255DA3DB1}"/>
+                  </a:ext>
+                </a:extLst>
+              </p:cNvPr>
+              <p:cNvSpPr/>
+              <p:nvPr/>
+            </p:nvSpPr>
+            <p:spPr>
+              <a:xfrm>
+                <a:off x="4699000" y="2078819"/>
+                <a:ext cx="90145" cy="90145"/>
+              </a:xfrm>
+              <a:prstGeom prst="ellipse">
+                <a:avLst/>
+              </a:prstGeom>
+              <a:noFill/>
+              <a:ln w="25400">
+                <a:solidFill>
+                  <a:schemeClr val="tx1"/>
+                </a:solidFill>
+              </a:ln>
+            </p:spPr>
+            <p:style>
+              <a:lnRef idx="2">
+                <a:schemeClr val="accent1">
+                  <a:shade val="50000"/>
+                </a:schemeClr>
+              </a:lnRef>
+              <a:fillRef idx="1">
+                <a:schemeClr val="accent1"/>
+              </a:fillRef>
+              <a:effectRef idx="0">
+                <a:schemeClr val="accent1"/>
+              </a:effectRef>
+              <a:fontRef idx="minor">
+                <a:schemeClr val="lt1"/>
+              </a:fontRef>
+            </p:style>
+            <p:txBody>
+              <a:bodyPr rtlCol="0" anchor="ctr"/>
+              <a:lstStyle/>
+              <a:p>
+                <a:pPr algn="ctr"/>
+                <a:endParaRPr lang="es-CO"/>
+              </a:p>
+            </p:txBody>
+          </p:sp>
+          <p:sp>
+            <p:nvSpPr>
+              <p:cNvPr id="24" name="Elipse 23">
+                <a:extLst>
+                  <a:ext uri="{FF2B5EF4-FFF2-40B4-BE49-F238E27FC236}">
+                    <a16:creationId xmlns:a16="http://schemas.microsoft.com/office/drawing/2014/main" id="{6BC49BE0-4E5F-9C42-8BCF-19CF9AFB42A6}"/>
+                  </a:ext>
+                </a:extLst>
+              </p:cNvPr>
+              <p:cNvSpPr/>
+              <p:nvPr/>
+            </p:nvSpPr>
+            <p:spPr>
+              <a:xfrm>
+                <a:off x="5128542" y="2397803"/>
+                <a:ext cx="90145" cy="90145"/>
+              </a:xfrm>
+              <a:prstGeom prst="ellipse">
+                <a:avLst/>
+              </a:prstGeom>
+              <a:noFill/>
+              <a:ln w="25400">
+                <a:solidFill>
+                  <a:schemeClr val="tx1"/>
+                </a:solidFill>
+              </a:ln>
+            </p:spPr>
+            <p:style>
+              <a:lnRef idx="2">
+                <a:schemeClr val="accent1">
+                  <a:shade val="50000"/>
+                </a:schemeClr>
+              </a:lnRef>
+              <a:fillRef idx="1">
+                <a:schemeClr val="accent1"/>
+              </a:fillRef>
+              <a:effectRef idx="0">
+                <a:schemeClr val="accent1"/>
+              </a:effectRef>
+              <a:fontRef idx="minor">
+                <a:schemeClr val="lt1"/>
+              </a:fontRef>
+            </p:style>
+            <p:txBody>
+              <a:bodyPr rtlCol="0" anchor="ctr"/>
+              <a:lstStyle/>
+              <a:p>
+                <a:pPr algn="ctr"/>
+                <a:endParaRPr lang="es-CO"/>
+              </a:p>
+            </p:txBody>
+          </p:sp>
+          <p:sp>
+            <p:nvSpPr>
+              <p:cNvPr id="25" name="Elipse 24">
+                <a:extLst>
+                  <a:ext uri="{FF2B5EF4-FFF2-40B4-BE49-F238E27FC236}">
+                    <a16:creationId xmlns:a16="http://schemas.microsoft.com/office/drawing/2014/main" id="{D81EAECA-B835-114F-8F41-AF5399420339}"/>
+                  </a:ext>
+                </a:extLst>
+              </p:cNvPr>
+              <p:cNvSpPr/>
+              <p:nvPr/>
+            </p:nvSpPr>
+            <p:spPr>
+              <a:xfrm>
+                <a:off x="5284339" y="2624624"/>
+                <a:ext cx="90145" cy="90145"/>
+              </a:xfrm>
+              <a:prstGeom prst="ellipse">
+                <a:avLst/>
+              </a:prstGeom>
+              <a:noFill/>
+              <a:ln w="25400">
+                <a:solidFill>
+                  <a:schemeClr val="tx1"/>
+                </a:solidFill>
+              </a:ln>
+            </p:spPr>
+            <p:style>
+              <a:lnRef idx="2">
+                <a:schemeClr val="accent1">
+                  <a:shade val="50000"/>
+                </a:schemeClr>
+              </a:lnRef>
+              <a:fillRef idx="1">
+                <a:schemeClr val="accent1"/>
+              </a:fillRef>
+              <a:effectRef idx="0">
+                <a:schemeClr val="accent1"/>
+              </a:effectRef>
+              <a:fontRef idx="minor">
+                <a:schemeClr val="lt1"/>
+              </a:fontRef>
+            </p:style>
+            <p:txBody>
+              <a:bodyPr rtlCol="0" anchor="ctr"/>
+              <a:lstStyle/>
+              <a:p>
+                <a:pPr algn="ctr"/>
+                <a:endParaRPr lang="es-CO"/>
+              </a:p>
+            </p:txBody>
+          </p:sp>
+          <p:sp>
+            <p:nvSpPr>
+              <p:cNvPr id="26" name="Elipse 25">
+                <a:extLst>
+                  <a:ext uri="{FF2B5EF4-FFF2-40B4-BE49-F238E27FC236}">
+                    <a16:creationId xmlns:a16="http://schemas.microsoft.com/office/drawing/2014/main" id="{0A473B2A-9B72-454C-B0B2-723A3E1269AE}"/>
+                  </a:ext>
+                </a:extLst>
+              </p:cNvPr>
+              <p:cNvSpPr/>
+              <p:nvPr/>
+            </p:nvSpPr>
+            <p:spPr>
+              <a:xfrm>
+                <a:off x="5539008" y="2442876"/>
+                <a:ext cx="90145" cy="90145"/>
+              </a:xfrm>
+              <a:prstGeom prst="ellipse">
+                <a:avLst/>
+              </a:prstGeom>
+              <a:noFill/>
+              <a:ln w="25400">
+                <a:solidFill>
+                  <a:schemeClr val="tx1"/>
+                </a:solidFill>
+              </a:ln>
+            </p:spPr>
+            <p:style>
+              <a:lnRef idx="2">
+                <a:schemeClr val="accent1">
+                  <a:shade val="50000"/>
+                </a:schemeClr>
+              </a:lnRef>
+              <a:fillRef idx="1">
+                <a:schemeClr val="accent1"/>
+              </a:fillRef>
+              <a:effectRef idx="0">
+                <a:schemeClr val="accent1"/>
+              </a:effectRef>
+              <a:fontRef idx="minor">
+                <a:schemeClr val="lt1"/>
+              </a:fontRef>
+            </p:style>
+            <p:txBody>
+              <a:bodyPr rtlCol="0" anchor="ctr"/>
+              <a:lstStyle/>
+              <a:p>
+                <a:pPr algn="ctr"/>
+                <a:endParaRPr lang="es-CO"/>
+              </a:p>
+            </p:txBody>
+          </p:sp>
+          <p:sp>
+            <p:nvSpPr>
+              <p:cNvPr id="27" name="Elipse 26">
+                <a:extLst>
+                  <a:ext uri="{FF2B5EF4-FFF2-40B4-BE49-F238E27FC236}">
+                    <a16:creationId xmlns:a16="http://schemas.microsoft.com/office/drawing/2014/main" id="{4E4DC1B1-01BA-C14C-930B-F1C3C7E5BD91}"/>
+                  </a:ext>
+                </a:extLst>
+              </p:cNvPr>
+              <p:cNvSpPr/>
+              <p:nvPr/>
+            </p:nvSpPr>
+            <p:spPr>
+              <a:xfrm>
+                <a:off x="5028949" y="2823876"/>
+                <a:ext cx="90145" cy="90145"/>
+              </a:xfrm>
+              <a:prstGeom prst="ellipse">
+                <a:avLst/>
+              </a:prstGeom>
+              <a:noFill/>
+              <a:ln w="25400">
+                <a:solidFill>
+                  <a:schemeClr val="tx1"/>
+                </a:solidFill>
+              </a:ln>
+            </p:spPr>
+            <p:style>
+              <a:lnRef idx="2">
+                <a:schemeClr val="accent1">
+                  <a:shade val="50000"/>
+                </a:schemeClr>
+              </a:lnRef>
+              <a:fillRef idx="1">
+                <a:schemeClr val="accent1"/>
+              </a:fillRef>
+              <a:effectRef idx="0">
+                <a:schemeClr val="accent1"/>
+              </a:effectRef>
+              <a:fontRef idx="minor">
+                <a:schemeClr val="lt1"/>
+              </a:fontRef>
+            </p:style>
+            <p:txBody>
+              <a:bodyPr rtlCol="0" anchor="ctr"/>
+              <a:lstStyle/>
+              <a:p>
+                <a:pPr algn="ctr"/>
+                <a:endParaRPr lang="es-CO"/>
+              </a:p>
+            </p:txBody>
+          </p:sp>
+          <p:sp>
+            <p:nvSpPr>
+              <p:cNvPr id="28" name="Elipse 27">
+                <a:extLst>
+                  <a:ext uri="{FF2B5EF4-FFF2-40B4-BE49-F238E27FC236}">
+                    <a16:creationId xmlns:a16="http://schemas.microsoft.com/office/drawing/2014/main" id="{CF4EF463-3E91-414F-9221-3A5B4B741A8A}"/>
+                  </a:ext>
+                </a:extLst>
+              </p:cNvPr>
+              <p:cNvSpPr/>
+              <p:nvPr/>
+            </p:nvSpPr>
+            <p:spPr>
+              <a:xfrm>
+                <a:off x="5840410" y="2694133"/>
+                <a:ext cx="90145" cy="90145"/>
+              </a:xfrm>
+              <a:prstGeom prst="ellipse">
+                <a:avLst/>
+              </a:prstGeom>
+              <a:noFill/>
+              <a:ln w="25400">
+                <a:solidFill>
+                  <a:schemeClr val="tx1"/>
+                </a:solidFill>
+              </a:ln>
+            </p:spPr>
+            <p:style>
+              <a:lnRef idx="2">
+                <a:schemeClr val="accent1">
+                  <a:shade val="50000"/>
+                </a:schemeClr>
+              </a:lnRef>
+              <a:fillRef idx="1">
+                <a:schemeClr val="accent1"/>
+              </a:fillRef>
+              <a:effectRef idx="0">
+                <a:schemeClr val="accent1"/>
+              </a:effectRef>
+              <a:fontRef idx="minor">
+                <a:schemeClr val="lt1"/>
+              </a:fontRef>
+            </p:style>
+            <p:txBody>
+              <a:bodyPr rtlCol="0" anchor="ctr"/>
+              <a:lstStyle/>
+              <a:p>
+                <a:pPr algn="ctr"/>
+                <a:endParaRPr lang="es-CO"/>
+              </a:p>
+            </p:txBody>
+          </p:sp>
+          <p:cxnSp>
+            <p:nvCxnSpPr>
+              <p:cNvPr id="38" name="Conector recto 37">
+                <a:extLst>
+                  <a:ext uri="{FF2B5EF4-FFF2-40B4-BE49-F238E27FC236}">
+                    <a16:creationId xmlns:a16="http://schemas.microsoft.com/office/drawing/2014/main" id="{C93007C7-A404-FF4B-88B9-86178D0C5ACD}"/>
+                  </a:ext>
+                </a:extLst>
+              </p:cNvPr>
+              <p:cNvCxnSpPr>
+                <a:cxnSpLocks/>
+              </p:cNvCxnSpPr>
+              <p:nvPr/>
+            </p:nvCxnSpPr>
+            <p:spPr>
+              <a:xfrm>
+                <a:off x="4425538" y="1464623"/>
+                <a:ext cx="316675" cy="146463"/>
+              </a:xfrm>
+              <a:prstGeom prst="line">
+                <a:avLst/>
+              </a:prstGeom>
+              <a:ln w="12700">
+                <a:solidFill>
+                  <a:schemeClr val="tx1"/>
+                </a:solidFill>
+              </a:ln>
+            </p:spPr>
+            <p:style>
+              <a:lnRef idx="1">
+                <a:schemeClr val="accent1"/>
+              </a:lnRef>
+              <a:fillRef idx="0">
+                <a:schemeClr val="accent1"/>
+              </a:fillRef>
+              <a:effectRef idx="0">
+                <a:schemeClr val="accent1"/>
+              </a:effectRef>
+              <a:fontRef idx="minor">
+                <a:schemeClr val="tx1"/>
+              </a:fontRef>
+            </p:style>
+          </p:cxnSp>
+          <p:cxnSp>
+            <p:nvCxnSpPr>
+              <p:cNvPr id="44" name="Conector recto 43">
+                <a:extLst>
+                  <a:ext uri="{FF2B5EF4-FFF2-40B4-BE49-F238E27FC236}">
+                    <a16:creationId xmlns:a16="http://schemas.microsoft.com/office/drawing/2014/main" id="{27A7CC55-75AA-FF4A-8812-9661DCE042E6}"/>
+                  </a:ext>
+                </a:extLst>
+              </p:cNvPr>
+              <p:cNvCxnSpPr>
+                <a:cxnSpLocks/>
+              </p:cNvCxnSpPr>
+              <p:nvPr/>
+            </p:nvCxnSpPr>
+            <p:spPr>
+              <a:xfrm flipV="1">
+                <a:off x="3930650" y="1695452"/>
+                <a:ext cx="133350" cy="200023"/>
+              </a:xfrm>
+              <a:prstGeom prst="line">
+                <a:avLst/>
+              </a:prstGeom>
+              <a:ln w="19050">
+                <a:solidFill>
+                  <a:srgbClr val="C00000"/>
+                </a:solidFill>
+              </a:ln>
+            </p:spPr>
+            <p:style>
+              <a:lnRef idx="1">
+                <a:schemeClr val="accent1"/>
+              </a:lnRef>
+              <a:fillRef idx="0">
+                <a:schemeClr val="accent1"/>
+              </a:fillRef>
+              <a:effectRef idx="0">
+                <a:schemeClr val="accent1"/>
+              </a:effectRef>
+              <a:fontRef idx="minor">
+                <a:schemeClr val="tx1"/>
+              </a:fontRef>
+            </p:style>
+          </p:cxnSp>
+          <p:cxnSp>
+            <p:nvCxnSpPr>
+              <p:cNvPr id="48" name="Conector recto 47">
+                <a:extLst>
+                  <a:ext uri="{FF2B5EF4-FFF2-40B4-BE49-F238E27FC236}">
+                    <a16:creationId xmlns:a16="http://schemas.microsoft.com/office/drawing/2014/main" id="{1B701004-3B48-8245-B50D-60355AF6AE80}"/>
+                  </a:ext>
+                </a:extLst>
+              </p:cNvPr>
+              <p:cNvCxnSpPr>
+                <a:cxnSpLocks/>
+              </p:cNvCxnSpPr>
+              <p:nvPr/>
+            </p:nvCxnSpPr>
+            <p:spPr>
+              <a:xfrm flipV="1">
+                <a:off x="4060825" y="1701800"/>
+                <a:ext cx="28575" cy="323851"/>
+              </a:xfrm>
+              <a:prstGeom prst="line">
+                <a:avLst/>
+              </a:prstGeom>
+              <a:ln w="19050">
+                <a:solidFill>
+                  <a:srgbClr val="C00000"/>
+                </a:solidFill>
+              </a:ln>
+            </p:spPr>
+            <p:style>
+              <a:lnRef idx="1">
+                <a:schemeClr val="accent1"/>
+              </a:lnRef>
+              <a:fillRef idx="0">
+                <a:schemeClr val="accent1"/>
+              </a:fillRef>
+              <a:effectRef idx="0">
+                <a:schemeClr val="accent1"/>
+              </a:effectRef>
+              <a:fontRef idx="minor">
+                <a:schemeClr val="tx1"/>
+              </a:fontRef>
+            </p:style>
+          </p:cxnSp>
+          <p:cxnSp>
+            <p:nvCxnSpPr>
+              <p:cNvPr id="52" name="Conector recto 51">
+                <a:extLst>
+                  <a:ext uri="{FF2B5EF4-FFF2-40B4-BE49-F238E27FC236}">
+                    <a16:creationId xmlns:a16="http://schemas.microsoft.com/office/drawing/2014/main" id="{959353C0-295A-5943-8827-B75E98093DBD}"/>
+                  </a:ext>
+                </a:extLst>
+              </p:cNvPr>
+              <p:cNvCxnSpPr>
+                <a:cxnSpLocks/>
+              </p:cNvCxnSpPr>
+              <p:nvPr/>
+            </p:nvCxnSpPr>
+            <p:spPr>
+              <a:xfrm flipH="1" flipV="1">
+                <a:off x="3946525" y="1968500"/>
+                <a:ext cx="73025" cy="76200"/>
+              </a:xfrm>
+              <a:prstGeom prst="line">
+                <a:avLst/>
+              </a:prstGeom>
+              <a:ln w="12700">
+                <a:solidFill>
+                  <a:schemeClr val="tx1"/>
+                </a:solidFill>
+              </a:ln>
+            </p:spPr>
+            <p:style>
+              <a:lnRef idx="1">
+                <a:schemeClr val="accent1"/>
+              </a:lnRef>
+              <a:fillRef idx="0">
+                <a:schemeClr val="accent1"/>
+              </a:fillRef>
+              <a:effectRef idx="0">
+                <a:schemeClr val="accent1"/>
+              </a:effectRef>
+              <a:fontRef idx="minor">
+                <a:schemeClr val="tx1"/>
+              </a:fontRef>
+            </p:style>
+          </p:cxnSp>
+          <p:cxnSp>
+            <p:nvCxnSpPr>
+              <p:cNvPr id="55" name="Conector recto 54">
+                <a:extLst>
+                  <a:ext uri="{FF2B5EF4-FFF2-40B4-BE49-F238E27FC236}">
+                    <a16:creationId xmlns:a16="http://schemas.microsoft.com/office/drawing/2014/main" id="{40C809AA-E8B5-2B4C-9872-80AB95CB3C4B}"/>
+                  </a:ext>
+                </a:extLst>
+              </p:cNvPr>
+              <p:cNvCxnSpPr>
+                <a:cxnSpLocks/>
+              </p:cNvCxnSpPr>
+              <p:nvPr/>
+            </p:nvCxnSpPr>
+            <p:spPr>
+              <a:xfrm flipV="1">
+                <a:off x="4730750" y="1685925"/>
+                <a:ext cx="50800" cy="381000"/>
+              </a:xfrm>
+              <a:prstGeom prst="line">
+                <a:avLst/>
+              </a:prstGeom>
+              <a:ln w="12700">
+                <a:solidFill>
+                  <a:schemeClr val="tx1"/>
+                </a:solidFill>
+              </a:ln>
+            </p:spPr>
+            <p:style>
+              <a:lnRef idx="1">
+                <a:schemeClr val="accent1"/>
+              </a:lnRef>
+              <a:fillRef idx="0">
+                <a:schemeClr val="accent1"/>
+              </a:fillRef>
+              <a:effectRef idx="0">
+                <a:schemeClr val="accent1"/>
+              </a:effectRef>
+              <a:fontRef idx="minor">
+                <a:schemeClr val="tx1"/>
+              </a:fontRef>
+            </p:style>
+          </p:cxnSp>
+          <p:cxnSp>
+            <p:nvCxnSpPr>
+              <p:cNvPr id="58" name="Conector recto 57">
+                <a:extLst>
+                  <a:ext uri="{FF2B5EF4-FFF2-40B4-BE49-F238E27FC236}">
+                    <a16:creationId xmlns:a16="http://schemas.microsoft.com/office/drawing/2014/main" id="{FD611477-0116-1C45-A959-740D2403E7A8}"/>
+                  </a:ext>
+                </a:extLst>
+              </p:cNvPr>
+              <p:cNvCxnSpPr>
+                <a:cxnSpLocks/>
+              </p:cNvCxnSpPr>
+              <p:nvPr/>
+            </p:nvCxnSpPr>
+            <p:spPr>
+              <a:xfrm flipH="1" flipV="1">
+                <a:off x="4829176" y="1666875"/>
+                <a:ext cx="126999" cy="327025"/>
+              </a:xfrm>
+              <a:prstGeom prst="line">
+                <a:avLst/>
+              </a:prstGeom>
+              <a:ln w="19050">
+                <a:solidFill>
+                  <a:schemeClr val="accent1">
+                    <a:lumMod val="75000"/>
+                  </a:schemeClr>
+                </a:solidFill>
+              </a:ln>
+            </p:spPr>
+            <p:style>
+              <a:lnRef idx="1">
+                <a:schemeClr val="accent1"/>
+              </a:lnRef>
+              <a:fillRef idx="0">
+                <a:schemeClr val="accent1"/>
+              </a:fillRef>
+              <a:effectRef idx="0">
+                <a:schemeClr val="accent1"/>
+              </a:effectRef>
+              <a:fontRef idx="minor">
+                <a:schemeClr val="tx1"/>
+              </a:fontRef>
+            </p:style>
+          </p:cxnSp>
+          <p:cxnSp>
+            <p:nvCxnSpPr>
+              <p:cNvPr id="62" name="Conector recto 61">
+                <a:extLst>
+                  <a:ext uri="{FF2B5EF4-FFF2-40B4-BE49-F238E27FC236}">
+                    <a16:creationId xmlns:a16="http://schemas.microsoft.com/office/drawing/2014/main" id="{6D43C3A1-C062-B044-81FB-84997F3F495E}"/>
+                  </a:ext>
+                </a:extLst>
+              </p:cNvPr>
+              <p:cNvCxnSpPr>
+                <a:cxnSpLocks/>
+              </p:cNvCxnSpPr>
+              <p:nvPr/>
+            </p:nvCxnSpPr>
+            <p:spPr>
+              <a:xfrm flipH="1" flipV="1">
+                <a:off x="4845050" y="1631950"/>
+                <a:ext cx="330200" cy="60325"/>
+              </a:xfrm>
+              <a:prstGeom prst="line">
+                <a:avLst/>
+              </a:prstGeom>
+              <a:ln w="12700">
+                <a:solidFill>
+                  <a:schemeClr val="tx1"/>
+                </a:solidFill>
+              </a:ln>
+            </p:spPr>
+            <p:style>
+              <a:lnRef idx="1">
+                <a:schemeClr val="accent1"/>
+              </a:lnRef>
+              <a:fillRef idx="0">
+                <a:schemeClr val="accent1"/>
+              </a:fillRef>
+              <a:effectRef idx="0">
+                <a:schemeClr val="accent1"/>
+              </a:effectRef>
+              <a:fontRef idx="minor">
+                <a:schemeClr val="tx1"/>
+              </a:fontRef>
+            </p:style>
+          </p:cxnSp>
+          <p:cxnSp>
+            <p:nvCxnSpPr>
+              <p:cNvPr id="67" name="Conector recto 66">
+                <a:extLst>
+                  <a:ext uri="{FF2B5EF4-FFF2-40B4-BE49-F238E27FC236}">
+                    <a16:creationId xmlns:a16="http://schemas.microsoft.com/office/drawing/2014/main" id="{767FBB46-4D55-9A46-B116-E4BD58C700D6}"/>
+                  </a:ext>
+                </a:extLst>
+              </p:cNvPr>
+              <p:cNvCxnSpPr>
+                <a:cxnSpLocks/>
+              </p:cNvCxnSpPr>
+              <p:nvPr/>
+            </p:nvCxnSpPr>
+            <p:spPr>
+              <a:xfrm flipV="1">
+                <a:off x="4787900" y="2070100"/>
+                <a:ext cx="142875" cy="47626"/>
+              </a:xfrm>
+              <a:prstGeom prst="line">
+                <a:avLst/>
+              </a:prstGeom>
+              <a:ln w="19050">
+                <a:solidFill>
+                  <a:schemeClr val="accent1">
+                    <a:lumMod val="75000"/>
+                  </a:schemeClr>
+                </a:solidFill>
+              </a:ln>
+            </p:spPr>
+            <p:style>
+              <a:lnRef idx="1">
+                <a:schemeClr val="accent1"/>
+              </a:lnRef>
+              <a:fillRef idx="0">
+                <a:schemeClr val="accent1"/>
+              </a:fillRef>
+              <a:effectRef idx="0">
+                <a:schemeClr val="accent1"/>
+              </a:effectRef>
+              <a:fontRef idx="minor">
+                <a:schemeClr val="tx1"/>
+              </a:fontRef>
+            </p:style>
+          </p:cxnSp>
+          <p:cxnSp>
+            <p:nvCxnSpPr>
+              <p:cNvPr id="71" name="Conector recto 70">
+                <a:extLst>
+                  <a:ext uri="{FF2B5EF4-FFF2-40B4-BE49-F238E27FC236}">
+                    <a16:creationId xmlns:a16="http://schemas.microsoft.com/office/drawing/2014/main" id="{E6920C07-5BAB-F148-A667-D6C237057CF8}"/>
+                  </a:ext>
+                </a:extLst>
+              </p:cNvPr>
+              <p:cNvCxnSpPr>
+                <a:cxnSpLocks/>
+              </p:cNvCxnSpPr>
+              <p:nvPr/>
+            </p:nvCxnSpPr>
+            <p:spPr>
+              <a:xfrm flipV="1">
+                <a:off x="4778375" y="1720850"/>
+                <a:ext cx="403225" cy="368300"/>
+              </a:xfrm>
+              <a:prstGeom prst="line">
+                <a:avLst/>
+              </a:prstGeom>
+              <a:ln w="12700">
+                <a:solidFill>
+                  <a:schemeClr val="tx1"/>
+                </a:solidFill>
+              </a:ln>
+            </p:spPr>
+            <p:style>
+              <a:lnRef idx="1">
+                <a:schemeClr val="accent1"/>
+              </a:lnRef>
+              <a:fillRef idx="0">
+                <a:schemeClr val="accent1"/>
+              </a:fillRef>
+              <a:effectRef idx="0">
+                <a:schemeClr val="accent1"/>
+              </a:effectRef>
+              <a:fontRef idx="minor">
+                <a:schemeClr val="tx1"/>
+              </a:fontRef>
+            </p:style>
+          </p:cxnSp>
+          <p:cxnSp>
+            <p:nvCxnSpPr>
+              <p:cNvPr id="80" name="Conector recto 79">
+                <a:extLst>
+                  <a:ext uri="{FF2B5EF4-FFF2-40B4-BE49-F238E27FC236}">
+                    <a16:creationId xmlns:a16="http://schemas.microsoft.com/office/drawing/2014/main" id="{ABE68491-A671-D541-87EA-3D25C0BC9E21}"/>
+                  </a:ext>
+                </a:extLst>
+              </p:cNvPr>
+              <p:cNvCxnSpPr>
+                <a:cxnSpLocks/>
+              </p:cNvCxnSpPr>
+              <p:nvPr/>
+            </p:nvCxnSpPr>
+            <p:spPr>
+              <a:xfrm flipH="1" flipV="1">
+                <a:off x="5200651" y="2470151"/>
+                <a:ext cx="98424" cy="155574"/>
+              </a:xfrm>
+              <a:prstGeom prst="line">
+                <a:avLst/>
+              </a:prstGeom>
+              <a:ln w="12700">
+                <a:solidFill>
+                  <a:schemeClr val="tx1"/>
+                </a:solidFill>
+              </a:ln>
+            </p:spPr>
+            <p:style>
+              <a:lnRef idx="1">
+                <a:schemeClr val="accent1"/>
+              </a:lnRef>
+              <a:fillRef idx="0">
+                <a:schemeClr val="accent1"/>
+              </a:fillRef>
+              <a:effectRef idx="0">
+                <a:schemeClr val="accent1"/>
+              </a:effectRef>
+              <a:fontRef idx="minor">
+                <a:schemeClr val="tx1"/>
+              </a:fontRef>
+            </p:style>
+          </p:cxnSp>
+          <p:cxnSp>
+            <p:nvCxnSpPr>
+              <p:cNvPr id="86" name="Conector recto 85">
+                <a:extLst>
+                  <a:ext uri="{FF2B5EF4-FFF2-40B4-BE49-F238E27FC236}">
+                    <a16:creationId xmlns:a16="http://schemas.microsoft.com/office/drawing/2014/main" id="{2B75B566-5CC2-EB42-8DF6-137DF170B8AD}"/>
+                  </a:ext>
+                </a:extLst>
+              </p:cNvPr>
+              <p:cNvCxnSpPr>
+                <a:cxnSpLocks/>
+              </p:cNvCxnSpPr>
+              <p:nvPr/>
+            </p:nvCxnSpPr>
+            <p:spPr>
+              <a:xfrm flipH="1" flipV="1">
+                <a:off x="5213351" y="2441575"/>
+                <a:ext cx="314324" cy="41275"/>
+              </a:xfrm>
+              <a:prstGeom prst="line">
+                <a:avLst/>
+              </a:prstGeom>
+              <a:ln w="12700">
+                <a:solidFill>
+                  <a:schemeClr val="tx1"/>
+                </a:solidFill>
+              </a:ln>
+            </p:spPr>
+            <p:style>
+              <a:lnRef idx="1">
+                <a:schemeClr val="accent1"/>
+              </a:lnRef>
+              <a:fillRef idx="0">
+                <a:schemeClr val="accent1"/>
+              </a:fillRef>
+              <a:effectRef idx="0">
+                <a:schemeClr val="accent1"/>
+              </a:effectRef>
+              <a:fontRef idx="minor">
+                <a:schemeClr val="tx1"/>
+              </a:fontRef>
+            </p:style>
+          </p:cxnSp>
+          <p:cxnSp>
+            <p:nvCxnSpPr>
+              <p:cNvPr id="89" name="Conector recto 88">
+                <a:extLst>
+                  <a:ext uri="{FF2B5EF4-FFF2-40B4-BE49-F238E27FC236}">
+                    <a16:creationId xmlns:a16="http://schemas.microsoft.com/office/drawing/2014/main" id="{6AB6D4FC-3CF9-4B48-AB3D-4CCAB52E3671}"/>
+                  </a:ext>
+                </a:extLst>
+              </p:cNvPr>
+              <p:cNvCxnSpPr>
+                <a:cxnSpLocks/>
+              </p:cNvCxnSpPr>
+              <p:nvPr/>
+            </p:nvCxnSpPr>
+            <p:spPr>
+              <a:xfrm flipH="1" flipV="1">
+                <a:off x="5362575" y="2676525"/>
+                <a:ext cx="463550" cy="41275"/>
+              </a:xfrm>
+              <a:prstGeom prst="line">
+                <a:avLst/>
+              </a:prstGeom>
+              <a:ln w="12700">
+                <a:solidFill>
+                  <a:schemeClr val="tx1"/>
+                </a:solidFill>
+              </a:ln>
+            </p:spPr>
+            <p:style>
+              <a:lnRef idx="1">
+                <a:schemeClr val="accent1"/>
+              </a:lnRef>
+              <a:fillRef idx="0">
+                <a:schemeClr val="accent1"/>
+              </a:fillRef>
+              <a:effectRef idx="0">
+                <a:schemeClr val="accent1"/>
+              </a:effectRef>
+              <a:fontRef idx="minor">
+                <a:schemeClr val="tx1"/>
+              </a:fontRef>
+            </p:style>
+          </p:cxnSp>
+          <p:cxnSp>
+            <p:nvCxnSpPr>
+              <p:cNvPr id="92" name="Conector recto 91">
+                <a:extLst>
+                  <a:ext uri="{FF2B5EF4-FFF2-40B4-BE49-F238E27FC236}">
+                    <a16:creationId xmlns:a16="http://schemas.microsoft.com/office/drawing/2014/main" id="{FDEDC4CA-EA48-6045-8D20-DCB77790B269}"/>
+                  </a:ext>
+                </a:extLst>
+              </p:cNvPr>
+              <p:cNvCxnSpPr>
+                <a:cxnSpLocks/>
+              </p:cNvCxnSpPr>
+              <p:nvPr/>
+            </p:nvCxnSpPr>
+            <p:spPr>
+              <a:xfrm flipH="1">
+                <a:off x="5121275" y="2765425"/>
+                <a:ext cx="714376" cy="95250"/>
+              </a:xfrm>
+              <a:prstGeom prst="line">
+                <a:avLst/>
+              </a:prstGeom>
+              <a:ln w="12700">
+                <a:solidFill>
+                  <a:schemeClr val="tx1"/>
+                </a:solidFill>
+              </a:ln>
+            </p:spPr>
+            <p:style>
+              <a:lnRef idx="1">
+                <a:schemeClr val="accent1"/>
+              </a:lnRef>
+              <a:fillRef idx="0">
+                <a:schemeClr val="accent1"/>
+              </a:fillRef>
+              <a:effectRef idx="0">
+                <a:schemeClr val="accent1"/>
+              </a:effectRef>
+              <a:fontRef idx="minor">
+                <a:schemeClr val="tx1"/>
+              </a:fontRef>
+            </p:style>
+          </p:cxnSp>
+          <p:cxnSp>
+            <p:nvCxnSpPr>
+              <p:cNvPr id="94" name="Conector recto 93">
+                <a:extLst>
+                  <a:ext uri="{FF2B5EF4-FFF2-40B4-BE49-F238E27FC236}">
+                    <a16:creationId xmlns:a16="http://schemas.microsoft.com/office/drawing/2014/main" id="{D97365C6-2DB1-2C44-B436-14AA6D3ECC87}"/>
+                  </a:ext>
+                </a:extLst>
+              </p:cNvPr>
+              <p:cNvCxnSpPr>
+                <a:cxnSpLocks/>
+              </p:cNvCxnSpPr>
+              <p:nvPr/>
+            </p:nvCxnSpPr>
+            <p:spPr>
+              <a:xfrm flipH="1" flipV="1">
+                <a:off x="5613401" y="2498726"/>
+                <a:ext cx="228599" cy="203199"/>
+              </a:xfrm>
+              <a:prstGeom prst="line">
+                <a:avLst/>
+              </a:prstGeom>
+              <a:ln w="12700">
+                <a:solidFill>
+                  <a:schemeClr val="tx1"/>
+                </a:solidFill>
+              </a:ln>
+            </p:spPr>
+            <p:style>
+              <a:lnRef idx="1">
+                <a:schemeClr val="accent1"/>
+              </a:lnRef>
+              <a:fillRef idx="0">
+                <a:schemeClr val="accent1"/>
+              </a:fillRef>
+              <a:effectRef idx="0">
+                <a:schemeClr val="accent1"/>
+              </a:effectRef>
+              <a:fontRef idx="minor">
+                <a:schemeClr val="tx1"/>
+              </a:fontRef>
+            </p:style>
+          </p:cxnSp>
+          <p:cxnSp>
+            <p:nvCxnSpPr>
+              <p:cNvPr id="99" name="Conector recto 98">
+                <a:extLst>
+                  <a:ext uri="{FF2B5EF4-FFF2-40B4-BE49-F238E27FC236}">
+                    <a16:creationId xmlns:a16="http://schemas.microsoft.com/office/drawing/2014/main" id="{24BE42A0-DA2F-BE46-B7E9-4CC0B566D642}"/>
+                  </a:ext>
+                </a:extLst>
+              </p:cNvPr>
+              <p:cNvCxnSpPr>
+                <a:cxnSpLocks/>
+              </p:cNvCxnSpPr>
+              <p:nvPr/>
+            </p:nvCxnSpPr>
+            <p:spPr>
+              <a:xfrm flipH="1">
+                <a:off x="5099051" y="2705100"/>
+                <a:ext cx="200024" cy="133351"/>
+              </a:xfrm>
+              <a:prstGeom prst="line">
+                <a:avLst/>
+              </a:prstGeom>
+              <a:ln w="12700">
+                <a:solidFill>
+                  <a:schemeClr val="tx1"/>
+                </a:solidFill>
+              </a:ln>
+            </p:spPr>
+            <p:style>
+              <a:lnRef idx="1">
+                <a:schemeClr val="accent1"/>
+              </a:lnRef>
+              <a:fillRef idx="0">
+                <a:schemeClr val="accent1"/>
+              </a:fillRef>
+              <a:effectRef idx="0">
+                <a:schemeClr val="accent1"/>
+              </a:effectRef>
+              <a:fontRef idx="minor">
+                <a:schemeClr val="tx1"/>
+              </a:fontRef>
+            </p:style>
+          </p:cxnSp>
+          <p:cxnSp>
+            <p:nvCxnSpPr>
+              <p:cNvPr id="102" name="Conector recto 101">
+                <a:extLst>
+                  <a:ext uri="{FF2B5EF4-FFF2-40B4-BE49-F238E27FC236}">
+                    <a16:creationId xmlns:a16="http://schemas.microsoft.com/office/drawing/2014/main" id="{1A7C0638-F457-E842-BAF7-18107E7D035F}"/>
+                  </a:ext>
+                </a:extLst>
+              </p:cNvPr>
+              <p:cNvCxnSpPr>
+                <a:cxnSpLocks/>
+              </p:cNvCxnSpPr>
+              <p:nvPr/>
+            </p:nvCxnSpPr>
+            <p:spPr>
+              <a:xfrm flipH="1">
+                <a:off x="5064125" y="2486025"/>
+                <a:ext cx="88900" cy="336551"/>
+              </a:xfrm>
+              <a:prstGeom prst="line">
+                <a:avLst/>
+              </a:prstGeom>
+              <a:ln w="12700">
+                <a:solidFill>
+                  <a:schemeClr val="tx1"/>
+                </a:solidFill>
+              </a:ln>
+            </p:spPr>
+            <p:style>
+              <a:lnRef idx="1">
+                <a:schemeClr val="accent1"/>
+              </a:lnRef>
+              <a:fillRef idx="0">
+                <a:schemeClr val="accent1"/>
+              </a:fillRef>
+              <a:effectRef idx="0">
+                <a:schemeClr val="accent1"/>
+              </a:effectRef>
+              <a:fontRef idx="minor">
+                <a:schemeClr val="tx1"/>
+              </a:fontRef>
+            </p:style>
+          </p:cxnSp>
+          <p:cxnSp>
+            <p:nvCxnSpPr>
+              <p:cNvPr id="105" name="Conector recto 104">
+                <a:extLst>
+                  <a:ext uri="{FF2B5EF4-FFF2-40B4-BE49-F238E27FC236}">
+                    <a16:creationId xmlns:a16="http://schemas.microsoft.com/office/drawing/2014/main" id="{1EE0758C-FD15-6A48-83C1-94051D9E09D1}"/>
+                  </a:ext>
+                </a:extLst>
+              </p:cNvPr>
+              <p:cNvCxnSpPr>
+                <a:cxnSpLocks/>
+              </p:cNvCxnSpPr>
+              <p:nvPr/>
+            </p:nvCxnSpPr>
+            <p:spPr>
+              <a:xfrm flipH="1">
+                <a:off x="5092701" y="2511425"/>
+                <a:ext cx="447674" cy="317500"/>
+              </a:xfrm>
+              <a:prstGeom prst="line">
+                <a:avLst/>
+              </a:prstGeom>
+              <a:ln w="12700">
+                <a:solidFill>
+                  <a:schemeClr val="tx1"/>
+                </a:solidFill>
+              </a:ln>
+            </p:spPr>
+            <p:style>
+              <a:lnRef idx="1">
+                <a:schemeClr val="accent1"/>
+              </a:lnRef>
+              <a:fillRef idx="0">
+                <a:schemeClr val="accent1"/>
+              </a:fillRef>
+              <a:effectRef idx="0">
+                <a:schemeClr val="accent1"/>
+              </a:effectRef>
+              <a:fontRef idx="minor">
+                <a:schemeClr val="tx1"/>
+              </a:fontRef>
+            </p:style>
+          </p:cxnSp>
+          <p:cxnSp>
+            <p:nvCxnSpPr>
+              <p:cNvPr id="108" name="Conector recto 107">
+                <a:extLst>
+                  <a:ext uri="{FF2B5EF4-FFF2-40B4-BE49-F238E27FC236}">
+                    <a16:creationId xmlns:a16="http://schemas.microsoft.com/office/drawing/2014/main" id="{7BB791F6-0F00-E447-9B68-3E2A0358FD90}"/>
+                  </a:ext>
+                </a:extLst>
+              </p:cNvPr>
+              <p:cNvCxnSpPr>
+                <a:cxnSpLocks/>
+              </p:cNvCxnSpPr>
+              <p:nvPr/>
+            </p:nvCxnSpPr>
+            <p:spPr>
+              <a:xfrm flipH="1" flipV="1">
+                <a:off x="4768851" y="2143125"/>
+                <a:ext cx="361949" cy="260350"/>
+              </a:xfrm>
+              <a:prstGeom prst="line">
+                <a:avLst/>
+              </a:prstGeom>
+              <a:ln w="12700">
+                <a:solidFill>
+                  <a:schemeClr val="tx1"/>
+                </a:solidFill>
+              </a:ln>
+            </p:spPr>
+            <p:style>
+              <a:lnRef idx="1">
+                <a:schemeClr val="accent1"/>
+              </a:lnRef>
+              <a:fillRef idx="0">
+                <a:schemeClr val="accent1"/>
+              </a:fillRef>
+              <a:effectRef idx="0">
+                <a:schemeClr val="accent1"/>
+              </a:effectRef>
+              <a:fontRef idx="minor">
+                <a:schemeClr val="tx1"/>
+              </a:fontRef>
+            </p:style>
+          </p:cxnSp>
+          <p:cxnSp>
+            <p:nvCxnSpPr>
+              <p:cNvPr id="111" name="Conector recto 110">
+                <a:extLst>
+                  <a:ext uri="{FF2B5EF4-FFF2-40B4-BE49-F238E27FC236}">
+                    <a16:creationId xmlns:a16="http://schemas.microsoft.com/office/drawing/2014/main" id="{3FE4F64A-D7F6-184E-85AC-E98165022270}"/>
+                  </a:ext>
+                </a:extLst>
+              </p:cNvPr>
+              <p:cNvCxnSpPr>
+                <a:cxnSpLocks/>
+              </p:cNvCxnSpPr>
+              <p:nvPr/>
+            </p:nvCxnSpPr>
+            <p:spPr>
+              <a:xfrm flipH="1" flipV="1">
+                <a:off x="5216525" y="2463801"/>
+                <a:ext cx="609600" cy="250824"/>
+              </a:xfrm>
+              <a:prstGeom prst="line">
+                <a:avLst/>
+              </a:prstGeom>
+              <a:ln w="12700">
+                <a:solidFill>
+                  <a:schemeClr val="tx1"/>
+                </a:solidFill>
+              </a:ln>
+            </p:spPr>
+            <p:style>
+              <a:lnRef idx="1">
+                <a:schemeClr val="accent1"/>
+              </a:lnRef>
+              <a:fillRef idx="0">
+                <a:schemeClr val="accent1"/>
+              </a:fillRef>
+              <a:effectRef idx="0">
+                <a:schemeClr val="accent1"/>
+              </a:effectRef>
+              <a:fontRef idx="minor">
+                <a:schemeClr val="tx1"/>
+              </a:fontRef>
+            </p:style>
+          </p:cxnSp>
+        </p:grpSp>
+      </p:grpSp>
+      <p:grpSp>
+        <p:nvGrpSpPr>
+          <p:cNvPr id="125" name="Grupo 124">
+            <a:extLst>
+              <a:ext uri="{FF2B5EF4-FFF2-40B4-BE49-F238E27FC236}">
+                <a16:creationId xmlns:a16="http://schemas.microsoft.com/office/drawing/2014/main" id="{AA28A0D5-C9AF-1E49-97F1-6A9D8ED102E7}"/>
+              </a:ext>
+            </a:extLst>
+          </p:cNvPr>
+          <p:cNvGrpSpPr/>
+          <p:nvPr/>
+        </p:nvGrpSpPr>
+        <p:grpSpPr>
+          <a:xfrm>
+            <a:off x="1163669" y="1179077"/>
+            <a:ext cx="1582772" cy="1892616"/>
+            <a:chOff x="770961" y="1154139"/>
+            <a:chExt cx="1582772" cy="1892616"/>
+          </a:xfrm>
+        </p:grpSpPr>
+        <p:sp>
+          <p:nvSpPr>
+            <p:cNvPr id="4" name="Almacenamiento interno 3">
+              <a:extLst>
+                <a:ext uri="{FF2B5EF4-FFF2-40B4-BE49-F238E27FC236}">
+                  <a16:creationId xmlns:a16="http://schemas.microsoft.com/office/drawing/2014/main" id="{678E032E-099F-8746-B82F-7A404C7F45B0}"/>
+                </a:ext>
+              </a:extLst>
+            </p:cNvPr>
+            <p:cNvSpPr/>
+            <p:nvPr/>
+          </p:nvSpPr>
+          <p:spPr>
+            <a:xfrm>
+              <a:off x="1199776" y="1603188"/>
+              <a:ext cx="1075765" cy="1371600"/>
+            </a:xfrm>
+            <a:prstGeom prst="flowChartInternalStorage">
+              <a:avLst/>
+            </a:prstGeom>
+            <a:solidFill>
+              <a:schemeClr val="accent1">
+                <a:lumMod val="40000"/>
+                <a:lumOff val="60000"/>
+              </a:schemeClr>
+            </a:solidFill>
+          </p:spPr>
+          <p:style>
+            <a:lnRef idx="2">
+              <a:schemeClr val="accent1">
+                <a:shade val="50000"/>
+              </a:schemeClr>
+            </a:lnRef>
+            <a:fillRef idx="1">
+              <a:schemeClr val="accent1"/>
+            </a:fillRef>
+            <a:effectRef idx="0">
+              <a:schemeClr val="accent1"/>
+            </a:effectRef>
+            <a:fontRef idx="minor">
+              <a:schemeClr val="lt1"/>
+            </a:fontRef>
+          </p:style>
+          <p:txBody>
+            <a:bodyPr rtlCol="0" anchor="ctr"/>
+            <a:lstStyle/>
+            <a:p>
+              <a:pPr algn="ctr"/>
+              <a:endParaRPr lang="es-CO"/>
+            </a:p>
+          </p:txBody>
+        </p:sp>
+        <p:cxnSp>
+          <p:nvCxnSpPr>
+            <p:cNvPr id="6" name="Conector recto de flecha 5">
+              <a:extLst>
+                <a:ext uri="{FF2B5EF4-FFF2-40B4-BE49-F238E27FC236}">
+                  <a16:creationId xmlns:a16="http://schemas.microsoft.com/office/drawing/2014/main" id="{C3CC404D-0ED4-5747-A7BF-4E2A34A6E2A6}"/>
+                </a:ext>
+              </a:extLst>
+            </p:cNvPr>
+            <p:cNvCxnSpPr>
+              <a:cxnSpLocks/>
+            </p:cNvCxnSpPr>
+            <p:nvPr/>
+          </p:nvCxnSpPr>
+          <p:spPr>
+            <a:xfrm>
+              <a:off x="1090208" y="1559610"/>
+              <a:ext cx="0" cy="1487145"/>
+            </a:xfrm>
+            <a:prstGeom prst="straightConnector1">
+              <a:avLst/>
+            </a:prstGeom>
+            <a:ln>
+              <a:solidFill>
+                <a:schemeClr val="tx1"/>
+              </a:solidFill>
+              <a:headEnd w="lg" len="med"/>
+              <a:tailEnd type="triangle"/>
+            </a:ln>
+          </p:spPr>
+          <p:style>
+            <a:lnRef idx="1">
+              <a:schemeClr val="accent1"/>
+            </a:lnRef>
+            <a:fillRef idx="0">
+              <a:schemeClr val="accent1"/>
+            </a:fillRef>
+            <a:effectRef idx="0">
+              <a:schemeClr val="accent1"/>
+            </a:effectRef>
+            <a:fontRef idx="minor">
+              <a:schemeClr val="tx1"/>
+            </a:fontRef>
+          </p:style>
+        </p:cxnSp>
+        <p:cxnSp>
+          <p:nvCxnSpPr>
+            <p:cNvPr id="9" name="Conector recto de flecha 8">
+              <a:extLst>
+                <a:ext uri="{FF2B5EF4-FFF2-40B4-BE49-F238E27FC236}">
+                  <a16:creationId xmlns:a16="http://schemas.microsoft.com/office/drawing/2014/main" id="{E2A8FF53-2394-0340-92C7-E4A7716C4506}"/>
+                </a:ext>
+              </a:extLst>
+            </p:cNvPr>
+            <p:cNvCxnSpPr>
+              <a:cxnSpLocks/>
+            </p:cNvCxnSpPr>
+            <p:nvPr/>
+          </p:nvCxnSpPr>
+          <p:spPr>
+            <a:xfrm>
+              <a:off x="1090208" y="1459255"/>
+              <a:ext cx="1263525" cy="0"/>
+            </a:xfrm>
+            <a:prstGeom prst="straightConnector1">
+              <a:avLst/>
+            </a:prstGeom>
+            <a:ln>
+              <a:solidFill>
+                <a:schemeClr val="tx1"/>
+              </a:solidFill>
+              <a:headEnd w="lg" len="med"/>
+              <a:tailEnd type="triangle"/>
+            </a:ln>
+          </p:spPr>
+          <p:style>
+            <a:lnRef idx="1">
+              <a:schemeClr val="accent1"/>
+            </a:lnRef>
+            <a:fillRef idx="0">
+              <a:schemeClr val="accent1"/>
+            </a:fillRef>
+            <a:effectRef idx="0">
+              <a:schemeClr val="accent1"/>
+            </a:effectRef>
+            <a:fontRef idx="minor">
+              <a:schemeClr val="tx1"/>
+            </a:fontRef>
+          </p:style>
+        </p:cxnSp>
+        <p:sp>
+          <p:nvSpPr>
+            <p:cNvPr id="119" name="CuadroTexto 118">
+              <a:extLst>
+                <a:ext uri="{FF2B5EF4-FFF2-40B4-BE49-F238E27FC236}">
+                  <a16:creationId xmlns:a16="http://schemas.microsoft.com/office/drawing/2014/main" id="{4B58E687-4B69-FF41-BC3B-3E235511D230}"/>
+                </a:ext>
+              </a:extLst>
+            </p:cNvPr>
+            <p:cNvSpPr txBox="1"/>
+            <p:nvPr/>
+          </p:nvSpPr>
+          <p:spPr>
+            <a:xfrm>
+              <a:off x="1190268" y="1154139"/>
+              <a:ext cx="1125629" cy="307777"/>
+            </a:xfrm>
+            <a:prstGeom prst="rect">
+              <a:avLst/>
+            </a:prstGeom>
+            <a:noFill/>
+          </p:spPr>
+          <p:txBody>
+            <a:bodyPr wrap="none" rtlCol="0">
+              <a:spAutoFit/>
+            </a:bodyPr>
+            <a:lstStyle/>
+            <a:p>
+              <a:pPr algn="ctr"/>
+              <a:r>
+                <a:rPr lang="es-CO" sz="1400" dirty="0"/>
+                <a:t>Dimensiones</a:t>
+              </a:r>
+            </a:p>
+          </p:txBody>
+        </p:sp>
+        <p:sp>
+          <p:nvSpPr>
+            <p:cNvPr id="124" name="CuadroTexto 123">
+              <a:extLst>
+                <a:ext uri="{FF2B5EF4-FFF2-40B4-BE49-F238E27FC236}">
+                  <a16:creationId xmlns:a16="http://schemas.microsoft.com/office/drawing/2014/main" id="{008B50E6-7423-E644-80A7-A9C10F096F3B}"/>
+                </a:ext>
+              </a:extLst>
+            </p:cNvPr>
+            <p:cNvSpPr txBox="1"/>
+            <p:nvPr/>
+          </p:nvSpPr>
+          <p:spPr>
+            <a:xfrm rot="16200000">
+              <a:off x="510506" y="2095587"/>
+              <a:ext cx="828688" cy="307777"/>
+            </a:xfrm>
+            <a:prstGeom prst="rect">
+              <a:avLst/>
+            </a:prstGeom>
+            <a:noFill/>
+          </p:spPr>
+          <p:txBody>
+            <a:bodyPr wrap="none" rtlCol="0">
+              <a:spAutoFit/>
+            </a:bodyPr>
+            <a:lstStyle/>
+            <a:p>
+              <a:pPr algn="ctr"/>
+              <a:r>
+                <a:rPr lang="es-CO" sz="1400" dirty="0"/>
+                <a:t>Patrones</a:t>
+              </a:r>
+            </a:p>
+          </p:txBody>
+        </p:sp>
+      </p:grpSp>
+      <p:sp>
+        <p:nvSpPr>
+          <p:cNvPr id="129" name="Flecha derecha 128">
+            <a:extLst>
+              <a:ext uri="{FF2B5EF4-FFF2-40B4-BE49-F238E27FC236}">
+                <a16:creationId xmlns:a16="http://schemas.microsoft.com/office/drawing/2014/main" id="{6E4C2861-5B6D-1048-AEF2-E3E7A4F58398}"/>
+              </a:ext>
+            </a:extLst>
+          </p:cNvPr>
+          <p:cNvSpPr/>
+          <p:nvPr/>
+        </p:nvSpPr>
+        <p:spPr>
+          <a:xfrm>
+            <a:off x="8440422" y="2176966"/>
+            <a:ext cx="575733" cy="214654"/>
+          </a:xfrm>
+          <a:prstGeom prst="rightArrow">
+            <a:avLst/>
+          </a:prstGeom>
+          <a:noFill/>
+          <a:ln>
+            <a:solidFill>
+              <a:schemeClr val="tx1"/>
+            </a:solidFill>
+          </a:ln>
+        </p:spPr>
+        <p:style>
+          <a:lnRef idx="2">
+            <a:schemeClr val="accent1">
+              <a:shade val="50000"/>
+            </a:schemeClr>
+          </a:lnRef>
+          <a:fillRef idx="1">
+            <a:schemeClr val="accent1"/>
+          </a:fillRef>
+          <a:effectRef idx="0">
+            <a:schemeClr val="accent1"/>
+          </a:effectRef>
+          <a:fontRef idx="minor">
+            <a:schemeClr val="lt1"/>
+          </a:fontRef>
+        </p:style>
+        <p:txBody>
+          <a:bodyPr rtlCol="0" anchor="ctr"/>
+          <a:lstStyle/>
+          <a:p>
+            <a:pPr algn="ctr"/>
+            <a:endParaRPr lang="es-CO"/>
+          </a:p>
+        </p:txBody>
+      </p:sp>
+      <p:grpSp>
+        <p:nvGrpSpPr>
+          <p:cNvPr id="5" name="Grupo 4">
+            <a:extLst>
+              <a:ext uri="{FF2B5EF4-FFF2-40B4-BE49-F238E27FC236}">
+                <a16:creationId xmlns:a16="http://schemas.microsoft.com/office/drawing/2014/main" id="{8D47B1EE-D9EE-494D-AE80-28F6370DEF8B}"/>
+              </a:ext>
+            </a:extLst>
+          </p:cNvPr>
+          <p:cNvGrpSpPr/>
+          <p:nvPr/>
+        </p:nvGrpSpPr>
+        <p:grpSpPr>
+          <a:xfrm>
+            <a:off x="9142280" y="1168819"/>
+            <a:ext cx="1273105" cy="2153628"/>
+            <a:chOff x="8682769" y="1060331"/>
+            <a:chExt cx="1273105" cy="2153628"/>
+          </a:xfrm>
+        </p:grpSpPr>
+        <p:grpSp>
+          <p:nvGrpSpPr>
+            <p:cNvPr id="138" name="Grupo 137">
+              <a:extLst>
+                <a:ext uri="{FF2B5EF4-FFF2-40B4-BE49-F238E27FC236}">
+                  <a16:creationId xmlns:a16="http://schemas.microsoft.com/office/drawing/2014/main" id="{1DCF723B-EA51-2D4B-A1CE-1B012F57BC2E}"/>
+                </a:ext>
+              </a:extLst>
+            </p:cNvPr>
+            <p:cNvGrpSpPr/>
+            <p:nvPr/>
+          </p:nvGrpSpPr>
+          <p:grpSpPr>
+            <a:xfrm>
+              <a:off x="8682769" y="1060331"/>
+              <a:ext cx="1273105" cy="1895277"/>
+              <a:chOff x="5304614" y="3578832"/>
+              <a:chExt cx="1273105" cy="1895277"/>
+            </a:xfrm>
+          </p:grpSpPr>
+          <p:sp>
+            <p:nvSpPr>
+              <p:cNvPr id="132" name="Almacenamiento interno 131">
+                <a:extLst>
+                  <a:ext uri="{FF2B5EF4-FFF2-40B4-BE49-F238E27FC236}">
+                    <a16:creationId xmlns:a16="http://schemas.microsoft.com/office/drawing/2014/main" id="{C1FA7BEC-E7D6-0A44-89AE-139BE88C2362}"/>
+                  </a:ext>
+                </a:extLst>
+              </p:cNvPr>
+              <p:cNvSpPr/>
+              <p:nvPr/>
+            </p:nvSpPr>
+            <p:spPr>
+              <a:xfrm>
+                <a:off x="5723921" y="4044736"/>
+                <a:ext cx="613817" cy="1371600"/>
+              </a:xfrm>
+              <a:prstGeom prst="flowChartInternalStorage">
+                <a:avLst/>
+              </a:prstGeom>
+              <a:solidFill>
+                <a:schemeClr val="accent1">
+                  <a:lumMod val="40000"/>
+                  <a:lumOff val="60000"/>
+                </a:schemeClr>
+              </a:solidFill>
+            </p:spPr>
+            <p:style>
+              <a:lnRef idx="2">
+                <a:schemeClr val="accent1">
+                  <a:shade val="50000"/>
+                </a:schemeClr>
+              </a:lnRef>
+              <a:fillRef idx="1">
+                <a:schemeClr val="accent1"/>
+              </a:fillRef>
+              <a:effectRef idx="0">
+                <a:schemeClr val="accent1"/>
+              </a:effectRef>
+              <a:fontRef idx="minor">
+                <a:schemeClr val="lt1"/>
+              </a:fontRef>
+            </p:style>
+            <p:txBody>
+              <a:bodyPr rtlCol="0" anchor="ctr"/>
+              <a:lstStyle/>
+              <a:p>
+                <a:pPr algn="ctr"/>
+                <a:endParaRPr lang="es-CO"/>
+              </a:p>
+            </p:txBody>
+          </p:sp>
+          <p:cxnSp>
+            <p:nvCxnSpPr>
+              <p:cNvPr id="133" name="Conector recto de flecha 132">
+                <a:extLst>
+                  <a:ext uri="{FF2B5EF4-FFF2-40B4-BE49-F238E27FC236}">
+                    <a16:creationId xmlns:a16="http://schemas.microsoft.com/office/drawing/2014/main" id="{57B49639-DB23-F544-8D92-0C192871FF54}"/>
+                  </a:ext>
+                </a:extLst>
+              </p:cNvPr>
+              <p:cNvCxnSpPr>
+                <a:cxnSpLocks/>
+              </p:cNvCxnSpPr>
+              <p:nvPr/>
+            </p:nvCxnSpPr>
+            <p:spPr>
+              <a:xfrm>
+                <a:off x="5623861" y="3986964"/>
+                <a:ext cx="0" cy="1487145"/>
+              </a:xfrm>
+              <a:prstGeom prst="straightConnector1">
+                <a:avLst/>
+              </a:prstGeom>
+              <a:ln>
+                <a:solidFill>
+                  <a:schemeClr val="tx1"/>
+                </a:solidFill>
+                <a:headEnd w="lg" len="med"/>
+                <a:tailEnd type="triangle"/>
+              </a:ln>
+            </p:spPr>
+            <p:style>
+              <a:lnRef idx="1">
+                <a:schemeClr val="accent1"/>
+              </a:lnRef>
+              <a:fillRef idx="0">
+                <a:schemeClr val="accent1"/>
+              </a:fillRef>
+              <a:effectRef idx="0">
+                <a:schemeClr val="accent1"/>
+              </a:effectRef>
+              <a:fontRef idx="minor">
+                <a:schemeClr val="tx1"/>
+              </a:fontRef>
+            </p:style>
+          </p:cxnSp>
+          <p:cxnSp>
+            <p:nvCxnSpPr>
+              <p:cNvPr id="134" name="Conector recto de flecha 133">
+                <a:extLst>
+                  <a:ext uri="{FF2B5EF4-FFF2-40B4-BE49-F238E27FC236}">
+                    <a16:creationId xmlns:a16="http://schemas.microsoft.com/office/drawing/2014/main" id="{6AB384EA-0315-8743-BB24-C5E86EE6FE7A}"/>
+                  </a:ext>
+                </a:extLst>
+              </p:cNvPr>
+              <p:cNvCxnSpPr>
+                <a:cxnSpLocks/>
+              </p:cNvCxnSpPr>
+              <p:nvPr/>
+            </p:nvCxnSpPr>
+            <p:spPr>
+              <a:xfrm>
+                <a:off x="5623861" y="3886609"/>
+                <a:ext cx="713877" cy="0"/>
+              </a:xfrm>
+              <a:prstGeom prst="straightConnector1">
+                <a:avLst/>
+              </a:prstGeom>
+              <a:ln>
+                <a:solidFill>
+                  <a:schemeClr val="tx1"/>
+                </a:solidFill>
+                <a:headEnd w="lg" len="med"/>
+                <a:tailEnd type="triangle"/>
+              </a:ln>
+            </p:spPr>
+            <p:style>
+              <a:lnRef idx="1">
+                <a:schemeClr val="accent1"/>
+              </a:lnRef>
+              <a:fillRef idx="0">
+                <a:schemeClr val="accent1"/>
+              </a:fillRef>
+              <a:effectRef idx="0">
+                <a:schemeClr val="accent1"/>
+              </a:effectRef>
+              <a:fontRef idx="minor">
+                <a:schemeClr val="tx1"/>
+              </a:fontRef>
+            </p:style>
+          </p:cxnSp>
+          <p:sp>
+            <p:nvSpPr>
+              <p:cNvPr id="135" name="CuadroTexto 134">
+                <a:extLst>
+                  <a:ext uri="{FF2B5EF4-FFF2-40B4-BE49-F238E27FC236}">
+                    <a16:creationId xmlns:a16="http://schemas.microsoft.com/office/drawing/2014/main" id="{054F0EA4-E36A-C44B-9C8D-66E334CFABB1}"/>
+                  </a:ext>
+                </a:extLst>
+              </p:cNvPr>
+              <p:cNvSpPr txBox="1"/>
+              <p:nvPr/>
+            </p:nvSpPr>
+            <p:spPr>
+              <a:xfrm>
+                <a:off x="5452090" y="3578832"/>
+                <a:ext cx="1125629" cy="307777"/>
+              </a:xfrm>
+              <a:prstGeom prst="rect">
+                <a:avLst/>
+              </a:prstGeom>
+              <a:noFill/>
+            </p:spPr>
+            <p:txBody>
+              <a:bodyPr wrap="none" rtlCol="0">
+                <a:spAutoFit/>
+              </a:bodyPr>
+              <a:lstStyle/>
+              <a:p>
+                <a:pPr algn="ctr"/>
+                <a:r>
+                  <a:rPr lang="es-CO" sz="1400" dirty="0"/>
+                  <a:t>Dimensiones</a:t>
+                </a:r>
+              </a:p>
+            </p:txBody>
+          </p:sp>
+          <p:sp>
+            <p:nvSpPr>
+              <p:cNvPr id="136" name="CuadroTexto 135">
+                <a:extLst>
+                  <a:ext uri="{FF2B5EF4-FFF2-40B4-BE49-F238E27FC236}">
+                    <a16:creationId xmlns:a16="http://schemas.microsoft.com/office/drawing/2014/main" id="{3FA32185-1FDE-F94C-82C3-BCB957D2A9C6}"/>
+                  </a:ext>
+                </a:extLst>
+              </p:cNvPr>
+              <p:cNvSpPr txBox="1"/>
+              <p:nvPr/>
+            </p:nvSpPr>
+            <p:spPr>
+              <a:xfrm rot="16200000">
+                <a:off x="5044159" y="4522941"/>
+                <a:ext cx="828688" cy="307777"/>
+              </a:xfrm>
+              <a:prstGeom prst="rect">
+                <a:avLst/>
+              </a:prstGeom>
+              <a:noFill/>
+            </p:spPr>
+            <p:txBody>
+              <a:bodyPr wrap="none" rtlCol="0">
+                <a:spAutoFit/>
+              </a:bodyPr>
+              <a:lstStyle/>
+              <a:p>
+                <a:pPr algn="ctr"/>
+                <a:r>
+                  <a:rPr lang="es-CO" sz="1400" dirty="0"/>
+                  <a:t>Patrones</a:t>
+                </a:r>
+              </a:p>
+            </p:txBody>
+          </p:sp>
+        </p:grpSp>
+        <p:sp>
+          <p:nvSpPr>
+            <p:cNvPr id="139" name="CuadroTexto 138">
+              <a:extLst>
+                <a:ext uri="{FF2B5EF4-FFF2-40B4-BE49-F238E27FC236}">
+                  <a16:creationId xmlns:a16="http://schemas.microsoft.com/office/drawing/2014/main" id="{03B62817-DB30-1644-8510-3D418C9293D6}"/>
+                </a:ext>
+              </a:extLst>
+            </p:cNvPr>
+            <p:cNvSpPr txBox="1"/>
+            <p:nvPr/>
+          </p:nvSpPr>
+          <p:spPr>
+            <a:xfrm>
+              <a:off x="8995667" y="2906182"/>
+              <a:ext cx="861647" cy="307777"/>
+            </a:xfrm>
+            <a:prstGeom prst="rect">
+              <a:avLst/>
+            </a:prstGeom>
+            <a:noFill/>
+          </p:spPr>
+          <p:txBody>
+            <a:bodyPr wrap="none" rtlCol="0">
+              <a:spAutoFit/>
+            </a:bodyPr>
+            <a:lstStyle/>
+            <a:p>
+              <a:pPr algn="ctr"/>
+              <a:r>
+                <a:rPr lang="es-CO" sz="1400" b="1" dirty="0"/>
+                <a:t>Manifold</a:t>
+              </a:r>
+            </a:p>
+          </p:txBody>
+        </p:sp>
+      </p:grpSp>
+      <p:sp>
+        <p:nvSpPr>
+          <p:cNvPr id="64" name="Flecha derecha 63">
+            <a:extLst>
+              <a:ext uri="{FF2B5EF4-FFF2-40B4-BE49-F238E27FC236}">
+                <a16:creationId xmlns:a16="http://schemas.microsoft.com/office/drawing/2014/main" id="{CE89CB67-7231-C143-B60B-57289FBC0F19}"/>
+              </a:ext>
+            </a:extLst>
+          </p:cNvPr>
+          <p:cNvSpPr/>
+          <p:nvPr/>
+        </p:nvSpPr>
+        <p:spPr>
+          <a:xfrm>
+            <a:off x="5174435" y="2176966"/>
+            <a:ext cx="397626" cy="214654"/>
+          </a:xfrm>
+          <a:prstGeom prst="rightArrow">
+            <a:avLst/>
+          </a:prstGeom>
+          <a:noFill/>
+          <a:ln>
+            <a:solidFill>
+              <a:schemeClr val="tx1"/>
+            </a:solidFill>
+          </a:ln>
+        </p:spPr>
+        <p:style>
+          <a:lnRef idx="2">
+            <a:schemeClr val="accent1">
+              <a:shade val="50000"/>
+            </a:schemeClr>
+          </a:lnRef>
+          <a:fillRef idx="1">
+            <a:schemeClr val="accent1"/>
+          </a:fillRef>
+          <a:effectRef idx="0">
+            <a:schemeClr val="accent1"/>
+          </a:effectRef>
+          <a:fontRef idx="minor">
+            <a:schemeClr val="lt1"/>
+          </a:fontRef>
+        </p:style>
+        <p:txBody>
+          <a:bodyPr rtlCol="0" anchor="ctr"/>
+          <a:lstStyle/>
+          <a:p>
+            <a:pPr algn="ctr"/>
+            <a:endParaRPr lang="es-CO"/>
+          </a:p>
+        </p:txBody>
+      </p:sp>
+      <p:pic>
+        <p:nvPicPr>
+          <p:cNvPr id="8" name="Imagen 7">
+            <a:extLst>
+              <a:ext uri="{FF2B5EF4-FFF2-40B4-BE49-F238E27FC236}">
+                <a16:creationId xmlns:a16="http://schemas.microsoft.com/office/drawing/2014/main" id="{3B159475-3902-ED4B-B5A1-50A80D21568F}"/>
+              </a:ext>
+            </a:extLst>
+          </p:cNvPr>
+          <p:cNvPicPr>
+            <a:picLocks noChangeAspect="1"/>
+          </p:cNvPicPr>
+          <p:nvPr/>
+        </p:nvPicPr>
+        <p:blipFill>
+          <a:blip r:embed="rId2"/>
+          <a:stretch>
+            <a:fillRect/>
+          </a:stretch>
+        </p:blipFill>
+        <p:spPr>
+          <a:xfrm>
+            <a:off x="5626606" y="1754815"/>
+            <a:ext cx="2688136" cy="976952"/>
+          </a:xfrm>
+          <a:prstGeom prst="rect">
+            <a:avLst/>
+          </a:prstGeom>
+        </p:spPr>
+      </p:pic>
+    </p:spTree>
+    <p:extLst>
+      <p:ext uri="{BB962C8B-B14F-4D97-AF65-F5344CB8AC3E}">
+        <p14:creationId xmlns:p14="http://schemas.microsoft.com/office/powerpoint/2010/main" val="1893128201"/>
+      </p:ext>
+    </p:extLst>
+  </p:cSld>
+  <p:clrMapOvr>
+    <a:masterClrMapping/>
+  </p:clrMapOvr>
+</p:sld>
+</file>
+
+<file path=ppt/slides/slide3.xml><?xml version="1.0" encoding="utf-8"?>
+<p:sld xmlns:a="http://schemas.openxmlformats.org/drawingml/2006/main" xmlns:r="http://schemas.openxmlformats.org/officeDocument/2006/relationships" xmlns:p="http://schemas.openxmlformats.org/presentationml/2006/main">
+  <p:cSld>
+    <p:spTree>
+      <p:nvGrpSpPr>
+        <p:cNvPr id="1" name=""/>
+        <p:cNvGrpSpPr/>
+        <p:nvPr/>
+      </p:nvGrpSpPr>
+      <p:grpSpPr>
+        <a:xfrm>
+          <a:off x="0" y="0"/>
+          <a:ext cx="0" cy="0"/>
+          <a:chOff x="0" y="0"/>
+          <a:chExt cx="0" cy="0"/>
+        </a:xfrm>
+      </p:grpSpPr>
+      <p:sp>
+        <p:nvSpPr>
+          <p:cNvPr id="14" name="Flecha derecha 13">
+            <a:extLst>
+              <a:ext uri="{FF2B5EF4-FFF2-40B4-BE49-F238E27FC236}">
+                <a16:creationId xmlns:a16="http://schemas.microsoft.com/office/drawing/2014/main" id="{066840E0-3C11-314E-A78E-9BDF398D2F63}"/>
+              </a:ext>
+            </a:extLst>
+          </p:cNvPr>
+          <p:cNvSpPr/>
+          <p:nvPr/>
+        </p:nvSpPr>
+        <p:spPr>
+          <a:xfrm>
+            <a:off x="2855855" y="2213196"/>
+            <a:ext cx="397626" cy="214654"/>
+          </a:xfrm>
+          <a:prstGeom prst="rightArrow">
+            <a:avLst/>
+          </a:prstGeom>
+          <a:noFill/>
+          <a:ln>
+            <a:solidFill>
+              <a:schemeClr val="tx1"/>
+            </a:solidFill>
+          </a:ln>
+        </p:spPr>
+        <p:style>
+          <a:lnRef idx="2">
+            <a:schemeClr val="accent1">
+              <a:shade val="50000"/>
+            </a:schemeClr>
+          </a:lnRef>
+          <a:fillRef idx="1">
+            <a:schemeClr val="accent1"/>
+          </a:fillRef>
+          <a:effectRef idx="0">
+            <a:schemeClr val="accent1"/>
+          </a:effectRef>
+          <a:fontRef idx="minor">
+            <a:schemeClr val="lt1"/>
+          </a:fontRef>
+        </p:style>
+        <p:txBody>
+          <a:bodyPr rtlCol="0" anchor="ctr"/>
+          <a:lstStyle/>
+          <a:p>
+            <a:pPr algn="ctr"/>
+            <a:endParaRPr lang="es-CO"/>
+          </a:p>
+        </p:txBody>
+      </p:sp>
+      <p:sp>
+        <p:nvSpPr>
+          <p:cNvPr id="4" name="Almacenamiento interno 3">
+            <a:extLst>
+              <a:ext uri="{FF2B5EF4-FFF2-40B4-BE49-F238E27FC236}">
+                <a16:creationId xmlns:a16="http://schemas.microsoft.com/office/drawing/2014/main" id="{678E032E-099F-8746-B82F-7A404C7F45B0}"/>
+              </a:ext>
+            </a:extLst>
+          </p:cNvPr>
+          <p:cNvSpPr/>
+          <p:nvPr/>
+        </p:nvSpPr>
+        <p:spPr>
+          <a:xfrm>
+            <a:off x="1592484" y="1628126"/>
+            <a:ext cx="1075765" cy="1371600"/>
+          </a:xfrm>
+          <a:prstGeom prst="flowChartInternalStorage">
+            <a:avLst/>
+          </a:prstGeom>
+          <a:solidFill>
+            <a:schemeClr val="accent1">
+              <a:lumMod val="40000"/>
+              <a:lumOff val="60000"/>
+            </a:schemeClr>
+          </a:solidFill>
+        </p:spPr>
+        <p:style>
+          <a:lnRef idx="2">
+            <a:schemeClr val="accent1">
+              <a:shade val="50000"/>
+            </a:schemeClr>
+          </a:lnRef>
+          <a:fillRef idx="1">
+            <a:schemeClr val="accent1"/>
+          </a:fillRef>
+          <a:effectRef idx="0">
+            <a:schemeClr val="accent1"/>
+          </a:effectRef>
+          <a:fontRef idx="minor">
+            <a:schemeClr val="lt1"/>
+          </a:fontRef>
+        </p:style>
+        <p:txBody>
+          <a:bodyPr rtlCol="0" anchor="ctr"/>
+          <a:lstStyle/>
+          <a:p>
+            <a:pPr algn="ctr"/>
+            <a:endParaRPr lang="es-CO"/>
+          </a:p>
+        </p:txBody>
+      </p:sp>
+      <p:cxnSp>
+        <p:nvCxnSpPr>
+          <p:cNvPr id="6" name="Conector recto de flecha 5">
+            <a:extLst>
+              <a:ext uri="{FF2B5EF4-FFF2-40B4-BE49-F238E27FC236}">
+                <a16:creationId xmlns:a16="http://schemas.microsoft.com/office/drawing/2014/main" id="{C3CC404D-0ED4-5747-A7BF-4E2A34A6E2A6}"/>
+              </a:ext>
+            </a:extLst>
+          </p:cNvPr>
+          <p:cNvCxnSpPr>
+            <a:cxnSpLocks/>
+          </p:cNvCxnSpPr>
+          <p:nvPr/>
+        </p:nvCxnSpPr>
+        <p:spPr>
+          <a:xfrm>
+            <a:off x="1482916" y="1628126"/>
+            <a:ext cx="0" cy="1371600"/>
+          </a:xfrm>
+          <a:prstGeom prst="straightConnector1">
+            <a:avLst/>
+          </a:prstGeom>
+          <a:ln w="12700">
+            <a:solidFill>
+              <a:schemeClr val="tx1"/>
+            </a:solidFill>
+            <a:headEnd w="lg" len="med"/>
+            <a:tailEnd type="triangle"/>
+          </a:ln>
+        </p:spPr>
+        <p:style>
+          <a:lnRef idx="1">
+            <a:schemeClr val="accent1"/>
+          </a:lnRef>
+          <a:fillRef idx="0">
+            <a:schemeClr val="accent1"/>
+          </a:fillRef>
+          <a:effectRef idx="0">
+            <a:schemeClr val="accent1"/>
+          </a:effectRef>
+          <a:fontRef idx="minor">
+            <a:schemeClr val="tx1"/>
+          </a:fontRef>
+        </p:style>
+      </p:cxnSp>
+      <p:cxnSp>
+        <p:nvCxnSpPr>
+          <p:cNvPr id="9" name="Conector recto de flecha 8">
+            <a:extLst>
+              <a:ext uri="{FF2B5EF4-FFF2-40B4-BE49-F238E27FC236}">
+                <a16:creationId xmlns:a16="http://schemas.microsoft.com/office/drawing/2014/main" id="{E2A8FF53-2394-0340-92C7-E4A7716C4506}"/>
+              </a:ext>
+            </a:extLst>
+          </p:cNvPr>
+          <p:cNvCxnSpPr>
+            <a:cxnSpLocks/>
+          </p:cNvCxnSpPr>
+          <p:nvPr/>
+        </p:nvCxnSpPr>
+        <p:spPr>
+          <a:xfrm flipV="1">
+            <a:off x="1592484" y="1526301"/>
+            <a:ext cx="1075765" cy="1"/>
+          </a:xfrm>
+          <a:prstGeom prst="straightConnector1">
+            <a:avLst/>
+          </a:prstGeom>
+          <a:ln w="12700">
+            <a:solidFill>
+              <a:schemeClr val="tx1"/>
+            </a:solidFill>
+            <a:headEnd w="lg" len="med"/>
+            <a:tailEnd type="triangle"/>
+          </a:ln>
+        </p:spPr>
+        <p:style>
+          <a:lnRef idx="1">
+            <a:schemeClr val="accent1"/>
+          </a:lnRef>
+          <a:fillRef idx="0">
+            <a:schemeClr val="accent1"/>
+          </a:fillRef>
+          <a:effectRef idx="0">
+            <a:schemeClr val="accent1"/>
+          </a:effectRef>
+          <a:fontRef idx="minor">
+            <a:schemeClr val="tx1"/>
+          </a:fontRef>
+        </p:style>
+      </p:cxnSp>
+      <p:sp>
+        <p:nvSpPr>
+          <p:cNvPr id="119" name="CuadroTexto 118">
+            <a:extLst>
+              <a:ext uri="{FF2B5EF4-FFF2-40B4-BE49-F238E27FC236}">
+                <a16:creationId xmlns:a16="http://schemas.microsoft.com/office/drawing/2014/main" id="{4B58E687-4B69-FF41-BC3B-3E235511D230}"/>
+              </a:ext>
+            </a:extLst>
+          </p:cNvPr>
+          <p:cNvSpPr txBox="1"/>
+          <p:nvPr/>
+        </p:nvSpPr>
+        <p:spPr>
+          <a:xfrm>
+            <a:off x="1592484" y="1319233"/>
+            <a:ext cx="1075764" cy="246221"/>
+          </a:xfrm>
+          <a:prstGeom prst="rect">
+            <a:avLst/>
+          </a:prstGeom>
+          <a:noFill/>
+        </p:spPr>
+        <p:txBody>
+          <a:bodyPr wrap="square" rtlCol="0">
+            <a:spAutoFit/>
+          </a:bodyPr>
+          <a:lstStyle/>
+          <a:p>
+            <a:pPr algn="ctr"/>
+            <a:r>
+              <a:rPr lang="es-CO" sz="1000" dirty="0">
+                <a:latin typeface="Arial" panose="020B0604020202020204" pitchFamily="34" charset="0"/>
+                <a:cs typeface="Arial" panose="020B0604020202020204" pitchFamily="34" charset="0"/>
+              </a:rPr>
+              <a:t>Dimensiones</a:t>
+            </a:r>
+          </a:p>
+        </p:txBody>
+      </p:sp>
+      <p:sp>
+        <p:nvSpPr>
+          <p:cNvPr id="124" name="CuadroTexto 123">
+            <a:extLst>
+              <a:ext uri="{FF2B5EF4-FFF2-40B4-BE49-F238E27FC236}">
+                <a16:creationId xmlns:a16="http://schemas.microsoft.com/office/drawing/2014/main" id="{008B50E6-7423-E644-80A7-A9C10F096F3B}"/>
+              </a:ext>
+            </a:extLst>
+          </p:cNvPr>
+          <p:cNvSpPr txBox="1"/>
+          <p:nvPr/>
+        </p:nvSpPr>
+        <p:spPr>
+          <a:xfrm rot="16200000">
+            <a:off x="1031309" y="2151302"/>
+            <a:ext cx="694421" cy="246221"/>
+          </a:xfrm>
+          <a:prstGeom prst="rect">
+            <a:avLst/>
+          </a:prstGeom>
+          <a:noFill/>
+        </p:spPr>
+        <p:txBody>
+          <a:bodyPr wrap="none" rtlCol="0">
+            <a:spAutoFit/>
+          </a:bodyPr>
+          <a:lstStyle/>
+          <a:p>
+            <a:pPr algn="ctr"/>
+            <a:r>
+              <a:rPr lang="es-CO" sz="1000" dirty="0">
+                <a:latin typeface="Arial" panose="020B0604020202020204" pitchFamily="34" charset="0"/>
+                <a:cs typeface="Arial" panose="020B0604020202020204" pitchFamily="34" charset="0"/>
+              </a:rPr>
+              <a:t>Patrones</a:t>
+            </a:r>
+          </a:p>
+        </p:txBody>
+      </p:sp>
+      <p:grpSp>
+        <p:nvGrpSpPr>
+          <p:cNvPr id="7" name="Grupo 6">
+            <a:extLst>
+              <a:ext uri="{FF2B5EF4-FFF2-40B4-BE49-F238E27FC236}">
+                <a16:creationId xmlns:a16="http://schemas.microsoft.com/office/drawing/2014/main" id="{12494E48-5A16-324E-B269-423B243A3DD7}"/>
+              </a:ext>
+            </a:extLst>
+          </p:cNvPr>
+          <p:cNvGrpSpPr/>
+          <p:nvPr/>
+        </p:nvGrpSpPr>
+        <p:grpSpPr>
+          <a:xfrm>
+            <a:off x="3662206" y="1722070"/>
+            <a:ext cx="1138844" cy="1547267"/>
+            <a:chOff x="3351920" y="1744504"/>
+            <a:chExt cx="1138844" cy="1547267"/>
+          </a:xfrm>
+        </p:grpSpPr>
+        <p:sp>
+          <p:nvSpPr>
+            <p:cNvPr id="2" name="Almacenamiento interno 1">
+              <a:extLst>
+                <a:ext uri="{FF2B5EF4-FFF2-40B4-BE49-F238E27FC236}">
+                  <a16:creationId xmlns:a16="http://schemas.microsoft.com/office/drawing/2014/main" id="{4156EB8C-2868-024F-99B5-7D7E1D841208}"/>
+                </a:ext>
+              </a:extLst>
+            </p:cNvPr>
+            <p:cNvSpPr/>
+            <p:nvPr/>
+          </p:nvSpPr>
+          <p:spPr>
+            <a:xfrm>
+              <a:off x="3351920" y="1744504"/>
+              <a:ext cx="1138844" cy="1138844"/>
+            </a:xfrm>
+            <a:prstGeom prst="flowChartInternalStorage">
+              <a:avLst/>
+            </a:prstGeom>
+            <a:solidFill>
+              <a:schemeClr val="accent2">
+                <a:lumMod val="40000"/>
+                <a:lumOff val="60000"/>
+              </a:schemeClr>
+            </a:solidFill>
+          </p:spPr>
+          <p:style>
+            <a:lnRef idx="2">
+              <a:schemeClr val="accent1">
+                <a:shade val="50000"/>
+              </a:schemeClr>
+            </a:lnRef>
+            <a:fillRef idx="1">
+              <a:schemeClr val="accent1"/>
+            </a:fillRef>
+            <a:effectRef idx="0">
+              <a:schemeClr val="accent1"/>
+            </a:effectRef>
+            <a:fontRef idx="minor">
+              <a:schemeClr val="lt1"/>
+            </a:fontRef>
+          </p:style>
+          <p:txBody>
+            <a:bodyPr rtlCol="0" anchor="ctr"/>
+            <a:lstStyle/>
+            <a:p>
+              <a:pPr algn="ctr"/>
+              <a:endParaRPr lang="es-CO"/>
+            </a:p>
+          </p:txBody>
+        </p:sp>
+        <p:sp>
+          <p:nvSpPr>
+            <p:cNvPr id="3" name="CuadroTexto 2">
+              <a:extLst>
+                <a:ext uri="{FF2B5EF4-FFF2-40B4-BE49-F238E27FC236}">
+                  <a16:creationId xmlns:a16="http://schemas.microsoft.com/office/drawing/2014/main" id="{905700E0-E8DC-2F4E-8099-38C455B17D07}"/>
+                </a:ext>
+              </a:extLst>
+            </p:cNvPr>
+            <p:cNvSpPr txBox="1"/>
+            <p:nvPr/>
+          </p:nvSpPr>
+          <p:spPr>
+            <a:xfrm>
+              <a:off x="3455475" y="2891661"/>
+              <a:ext cx="931734" cy="400110"/>
+            </a:xfrm>
+            <a:prstGeom prst="rect">
+              <a:avLst/>
+            </a:prstGeom>
+            <a:noFill/>
+          </p:spPr>
+          <p:txBody>
+            <a:bodyPr wrap="square" rtlCol="0">
+              <a:spAutoFit/>
+            </a:bodyPr>
+            <a:lstStyle/>
+            <a:p>
+              <a:pPr algn="ctr"/>
+              <a:r>
+                <a:rPr lang="es-CO" sz="1000" dirty="0">
+                  <a:latin typeface="Arial" panose="020B0604020202020204" pitchFamily="34" charset="0"/>
+                  <a:cs typeface="Arial" panose="020B0604020202020204" pitchFamily="34" charset="0"/>
+                </a:rPr>
+                <a:t>Matriz de afinidad</a:t>
+              </a:r>
+            </a:p>
+          </p:txBody>
+        </p:sp>
+      </p:grpSp>
+      <p:grpSp>
+        <p:nvGrpSpPr>
+          <p:cNvPr id="123" name="Grupo 122">
+            <a:extLst>
+              <a:ext uri="{FF2B5EF4-FFF2-40B4-BE49-F238E27FC236}">
+                <a16:creationId xmlns:a16="http://schemas.microsoft.com/office/drawing/2014/main" id="{C16B0158-0AD3-834B-A1DD-09B7DD7319E9}"/>
+              </a:ext>
+            </a:extLst>
+          </p:cNvPr>
+          <p:cNvGrpSpPr/>
+          <p:nvPr/>
+        </p:nvGrpSpPr>
+        <p:grpSpPr>
+          <a:xfrm>
+            <a:off x="5613175" y="1335161"/>
+            <a:ext cx="2163472" cy="2012652"/>
+            <a:chOff x="5680423" y="1386049"/>
+            <a:chExt cx="2163472" cy="2012652"/>
+          </a:xfrm>
+        </p:grpSpPr>
+        <p:sp>
+          <p:nvSpPr>
+            <p:cNvPr id="66" name="CuadroTexto 65">
+              <a:extLst>
+                <a:ext uri="{FF2B5EF4-FFF2-40B4-BE49-F238E27FC236}">
+                  <a16:creationId xmlns:a16="http://schemas.microsoft.com/office/drawing/2014/main" id="{F3073EEF-78D0-464E-A25C-F7FCE81E1B3F}"/>
+                </a:ext>
+              </a:extLst>
+            </p:cNvPr>
+            <p:cNvSpPr txBox="1"/>
+            <p:nvPr/>
+          </p:nvSpPr>
+          <p:spPr>
+            <a:xfrm>
+              <a:off x="5680423" y="1386049"/>
+              <a:ext cx="2163472" cy="230832"/>
+            </a:xfrm>
+            <a:prstGeom prst="rect">
+              <a:avLst/>
+            </a:prstGeom>
+            <a:noFill/>
+          </p:spPr>
+          <p:txBody>
+            <a:bodyPr wrap="square" rtlCol="0">
+              <a:spAutoFit/>
+            </a:bodyPr>
+            <a:lstStyle/>
+            <a:p>
+              <a:pPr algn="ctr"/>
+              <a:r>
+                <a:rPr lang="es-CO" sz="900" dirty="0">
+                  <a:latin typeface="Arial" panose="020B0604020202020204" pitchFamily="34" charset="0"/>
+                  <a:cs typeface="Arial" panose="020B0604020202020204" pitchFamily="34" charset="0"/>
+                </a:rPr>
+                <a:t>Gráfica de Similaridad</a:t>
+              </a:r>
+            </a:p>
+          </p:txBody>
+        </p:sp>
+        <p:grpSp>
+          <p:nvGrpSpPr>
+            <p:cNvPr id="43" name="Grupo 42">
+              <a:extLst>
+                <a:ext uri="{FF2B5EF4-FFF2-40B4-BE49-F238E27FC236}">
+                  <a16:creationId xmlns:a16="http://schemas.microsoft.com/office/drawing/2014/main" id="{DB36765C-F369-9940-9947-05FB761C9995}"/>
+                </a:ext>
+              </a:extLst>
+            </p:cNvPr>
+            <p:cNvGrpSpPr/>
+            <p:nvPr/>
+          </p:nvGrpSpPr>
+          <p:grpSpPr>
+            <a:xfrm>
+              <a:off x="5680423" y="1736247"/>
+              <a:ext cx="2163472" cy="1662454"/>
+              <a:chOff x="5680423" y="1736247"/>
+              <a:chExt cx="2163472" cy="1662454"/>
+            </a:xfrm>
+          </p:grpSpPr>
+          <p:cxnSp>
+            <p:nvCxnSpPr>
+              <p:cNvPr id="69" name="Conector recto 68">
+                <a:extLst>
+                  <a:ext uri="{FF2B5EF4-FFF2-40B4-BE49-F238E27FC236}">
+                    <a16:creationId xmlns:a16="http://schemas.microsoft.com/office/drawing/2014/main" id="{E3907453-E976-7742-B6FD-16FD8D298407}"/>
+                  </a:ext>
+                </a:extLst>
+              </p:cNvPr>
+              <p:cNvCxnSpPr>
+                <a:cxnSpLocks/>
+              </p:cNvCxnSpPr>
+              <p:nvPr/>
+            </p:nvCxnSpPr>
+            <p:spPr>
+              <a:xfrm flipV="1">
+                <a:off x="6059436" y="1966704"/>
+                <a:ext cx="217715" cy="134587"/>
+              </a:xfrm>
+              <a:prstGeom prst="line">
+                <a:avLst/>
+              </a:prstGeom>
+              <a:ln w="12700">
+                <a:solidFill>
+                  <a:schemeClr val="tx1"/>
+                </a:solidFill>
+              </a:ln>
+            </p:spPr>
+            <p:style>
+              <a:lnRef idx="1">
+                <a:schemeClr val="accent1"/>
+              </a:lnRef>
+              <a:fillRef idx="0">
+                <a:schemeClr val="accent1"/>
+              </a:fillRef>
+              <a:effectRef idx="0">
+                <a:schemeClr val="accent1"/>
+              </a:effectRef>
+              <a:fontRef idx="minor">
+                <a:schemeClr val="tx1"/>
+              </a:fontRef>
+            </p:style>
+          </p:cxnSp>
+          <p:cxnSp>
+            <p:nvCxnSpPr>
+              <p:cNvPr id="70" name="Conector recto 69">
+                <a:extLst>
+                  <a:ext uri="{FF2B5EF4-FFF2-40B4-BE49-F238E27FC236}">
+                    <a16:creationId xmlns:a16="http://schemas.microsoft.com/office/drawing/2014/main" id="{5AB33AF5-DAAA-1742-9436-2E4B40664BFC}"/>
+                  </a:ext>
+                </a:extLst>
+              </p:cNvPr>
+              <p:cNvCxnSpPr>
+                <a:cxnSpLocks/>
+              </p:cNvCxnSpPr>
+              <p:nvPr/>
+            </p:nvCxnSpPr>
+            <p:spPr>
+              <a:xfrm flipV="1">
+                <a:off x="6018615" y="1830551"/>
+                <a:ext cx="86715" cy="260679"/>
+              </a:xfrm>
+              <a:prstGeom prst="line">
+                <a:avLst/>
+              </a:prstGeom>
+              <a:ln w="12700">
+                <a:solidFill>
+                  <a:schemeClr val="tx1"/>
+                </a:solidFill>
+              </a:ln>
+            </p:spPr>
+            <p:style>
+              <a:lnRef idx="1">
+                <a:schemeClr val="accent1"/>
+              </a:lnRef>
+              <a:fillRef idx="0">
+                <a:schemeClr val="accent1"/>
+              </a:fillRef>
+              <a:effectRef idx="0">
+                <a:schemeClr val="accent1"/>
+              </a:effectRef>
+              <a:fontRef idx="minor">
+                <a:schemeClr val="tx1"/>
+              </a:fontRef>
+            </p:style>
+          </p:cxnSp>
+          <p:cxnSp>
+            <p:nvCxnSpPr>
+              <p:cNvPr id="72" name="Conector recto 71">
+                <a:extLst>
+                  <a:ext uri="{FF2B5EF4-FFF2-40B4-BE49-F238E27FC236}">
+                    <a16:creationId xmlns:a16="http://schemas.microsoft.com/office/drawing/2014/main" id="{762F43CD-89D5-0B4F-A535-776C32362546}"/>
+                  </a:ext>
+                </a:extLst>
+              </p:cNvPr>
+              <p:cNvCxnSpPr>
+                <a:cxnSpLocks/>
+              </p:cNvCxnSpPr>
+              <p:nvPr/>
+            </p:nvCxnSpPr>
+            <p:spPr>
+              <a:xfrm flipH="1" flipV="1">
+                <a:off x="6907617" y="2564305"/>
+                <a:ext cx="149223" cy="320675"/>
+              </a:xfrm>
+              <a:prstGeom prst="line">
+                <a:avLst/>
+              </a:prstGeom>
+              <a:ln w="12700">
+                <a:solidFill>
+                  <a:schemeClr val="tx1"/>
+                </a:solidFill>
+              </a:ln>
+            </p:spPr>
+            <p:style>
+              <a:lnRef idx="1">
+                <a:schemeClr val="accent1"/>
+              </a:lnRef>
+              <a:fillRef idx="0">
+                <a:schemeClr val="accent1"/>
+              </a:fillRef>
+              <a:effectRef idx="0">
+                <a:schemeClr val="accent1"/>
+              </a:effectRef>
+              <a:fontRef idx="minor">
+                <a:schemeClr val="tx1"/>
+              </a:fontRef>
+            </p:style>
+          </p:cxnSp>
+          <p:cxnSp>
+            <p:nvCxnSpPr>
+              <p:cNvPr id="73" name="Conector recto 72">
+                <a:extLst>
+                  <a:ext uri="{FF2B5EF4-FFF2-40B4-BE49-F238E27FC236}">
+                    <a16:creationId xmlns:a16="http://schemas.microsoft.com/office/drawing/2014/main" id="{E645C311-BA85-4746-B22B-2587E9AC2889}"/>
+                  </a:ext>
+                </a:extLst>
+              </p:cNvPr>
+              <p:cNvCxnSpPr>
+                <a:cxnSpLocks/>
+              </p:cNvCxnSpPr>
+              <p:nvPr/>
+            </p:nvCxnSpPr>
+            <p:spPr>
+              <a:xfrm flipV="1">
+                <a:off x="6923490" y="2224581"/>
+                <a:ext cx="193675" cy="273049"/>
+              </a:xfrm>
+              <a:prstGeom prst="line">
+                <a:avLst/>
+              </a:prstGeom>
+              <a:ln w="12700">
+                <a:solidFill>
+                  <a:schemeClr val="bg1"/>
+                </a:solidFill>
+              </a:ln>
+            </p:spPr>
+            <p:style>
+              <a:lnRef idx="1">
+                <a:schemeClr val="accent1"/>
+              </a:lnRef>
+              <a:fillRef idx="0">
+                <a:schemeClr val="accent1"/>
+              </a:fillRef>
+              <a:effectRef idx="0">
+                <a:schemeClr val="accent1"/>
+              </a:effectRef>
+              <a:fontRef idx="minor">
+                <a:schemeClr val="tx1"/>
+              </a:fontRef>
+            </p:style>
+          </p:cxnSp>
+          <p:sp>
+            <p:nvSpPr>
+              <p:cNvPr id="74" name="Elipse 73">
+                <a:extLst>
+                  <a:ext uri="{FF2B5EF4-FFF2-40B4-BE49-F238E27FC236}">
+                    <a16:creationId xmlns:a16="http://schemas.microsoft.com/office/drawing/2014/main" id="{82FA0530-E80C-DF48-8E73-FB50FD154B2D}"/>
+                  </a:ext>
+                </a:extLst>
+              </p:cNvPr>
+              <p:cNvSpPr/>
+              <p:nvPr/>
+            </p:nvSpPr>
+            <p:spPr>
+              <a:xfrm>
+                <a:off x="5968873" y="2087868"/>
+                <a:ext cx="90145" cy="90145"/>
+              </a:xfrm>
+              <a:prstGeom prst="ellipse">
+                <a:avLst/>
+              </a:prstGeom>
+              <a:solidFill>
+                <a:schemeClr val="bg1"/>
+              </a:solidFill>
+              <a:ln w="25400">
+                <a:solidFill>
+                  <a:schemeClr val="tx1"/>
+                </a:solidFill>
+              </a:ln>
+            </p:spPr>
+            <p:style>
+              <a:lnRef idx="2">
+                <a:schemeClr val="accent1">
+                  <a:shade val="50000"/>
+                </a:schemeClr>
+              </a:lnRef>
+              <a:fillRef idx="1">
+                <a:schemeClr val="accent1"/>
+              </a:fillRef>
+              <a:effectRef idx="0">
+                <a:schemeClr val="accent1"/>
+              </a:effectRef>
+              <a:fontRef idx="minor">
+                <a:schemeClr val="lt1"/>
+              </a:fontRef>
+            </p:style>
+            <p:txBody>
+              <a:bodyPr rtlCol="0" anchor="ctr"/>
+              <a:lstStyle/>
+              <a:p>
+                <a:pPr algn="ctr"/>
+                <a:endParaRPr lang="es-CO"/>
+              </a:p>
+            </p:txBody>
+          </p:sp>
+          <p:sp>
+            <p:nvSpPr>
+              <p:cNvPr id="75" name="Elipse 74">
+                <a:extLst>
+                  <a:ext uri="{FF2B5EF4-FFF2-40B4-BE49-F238E27FC236}">
+                    <a16:creationId xmlns:a16="http://schemas.microsoft.com/office/drawing/2014/main" id="{890E5BF1-1E23-4746-BE94-A0318A9C8820}"/>
+                  </a:ext>
+                </a:extLst>
+              </p:cNvPr>
+              <p:cNvSpPr/>
+              <p:nvPr/>
+            </p:nvSpPr>
+            <p:spPr>
+              <a:xfrm>
+                <a:off x="6081429" y="1736247"/>
+                <a:ext cx="90145" cy="90145"/>
+              </a:xfrm>
+              <a:prstGeom prst="ellipse">
+                <a:avLst/>
+              </a:prstGeom>
+              <a:noFill/>
+              <a:ln w="25400">
+                <a:solidFill>
+                  <a:schemeClr val="tx1"/>
+                </a:solidFill>
+              </a:ln>
+            </p:spPr>
+            <p:style>
+              <a:lnRef idx="2">
+                <a:schemeClr val="accent1">
+                  <a:shade val="50000"/>
+                </a:schemeClr>
+              </a:lnRef>
+              <a:fillRef idx="1">
+                <a:schemeClr val="accent1"/>
+              </a:fillRef>
+              <a:effectRef idx="0">
+                <a:schemeClr val="accent1"/>
+              </a:effectRef>
+              <a:fontRef idx="minor">
+                <a:schemeClr val="lt1"/>
+              </a:fontRef>
+            </p:style>
+            <p:txBody>
+              <a:bodyPr rtlCol="0" anchor="ctr"/>
+              <a:lstStyle/>
+              <a:p>
+                <a:pPr algn="ctr"/>
+                <a:endParaRPr lang="es-CO"/>
+              </a:p>
+            </p:txBody>
+          </p:sp>
+          <p:sp>
+            <p:nvSpPr>
+              <p:cNvPr id="77" name="Elipse 76">
+                <a:extLst>
+                  <a:ext uri="{FF2B5EF4-FFF2-40B4-BE49-F238E27FC236}">
+                    <a16:creationId xmlns:a16="http://schemas.microsoft.com/office/drawing/2014/main" id="{6159591C-40F4-BD45-82A7-A643710B1E16}"/>
+                  </a:ext>
+                </a:extLst>
+              </p:cNvPr>
+              <p:cNvSpPr/>
+              <p:nvPr/>
+            </p:nvSpPr>
+            <p:spPr>
+              <a:xfrm>
+                <a:off x="5782606" y="2384201"/>
+                <a:ext cx="90145" cy="90145"/>
+              </a:xfrm>
+              <a:prstGeom prst="ellipse">
+                <a:avLst/>
+              </a:prstGeom>
+              <a:noFill/>
+              <a:ln w="25400">
+                <a:solidFill>
+                  <a:schemeClr val="tx1"/>
+                </a:solidFill>
+              </a:ln>
+            </p:spPr>
+            <p:style>
+              <a:lnRef idx="2">
+                <a:schemeClr val="accent1">
+                  <a:shade val="50000"/>
+                </a:schemeClr>
+              </a:lnRef>
+              <a:fillRef idx="1">
+                <a:schemeClr val="accent1"/>
+              </a:fillRef>
+              <a:effectRef idx="0">
+                <a:schemeClr val="accent1"/>
+              </a:effectRef>
+              <a:fontRef idx="minor">
+                <a:schemeClr val="lt1"/>
+              </a:fontRef>
+            </p:style>
+            <p:txBody>
+              <a:bodyPr rtlCol="0" anchor="ctr"/>
+              <a:lstStyle/>
+              <a:p>
+                <a:pPr algn="ctr"/>
+                <a:endParaRPr lang="es-CO"/>
+              </a:p>
+            </p:txBody>
+          </p:sp>
+          <p:sp>
+            <p:nvSpPr>
+              <p:cNvPr id="78" name="Elipse 77">
+                <a:extLst>
+                  <a:ext uri="{FF2B5EF4-FFF2-40B4-BE49-F238E27FC236}">
+                    <a16:creationId xmlns:a16="http://schemas.microsoft.com/office/drawing/2014/main" id="{D4229AE2-195B-8A4B-BB6D-2562B71FB89E}"/>
+                  </a:ext>
+                </a:extLst>
+              </p:cNvPr>
+              <p:cNvSpPr/>
+              <p:nvPr/>
+            </p:nvSpPr>
+            <p:spPr>
+              <a:xfrm>
+                <a:off x="6265207" y="1898862"/>
+                <a:ext cx="90145" cy="90145"/>
+              </a:xfrm>
+              <a:prstGeom prst="ellipse">
+                <a:avLst/>
+              </a:prstGeom>
+              <a:noFill/>
+              <a:ln w="25400">
+                <a:solidFill>
+                  <a:schemeClr val="tx1"/>
+                </a:solidFill>
+              </a:ln>
+            </p:spPr>
+            <p:style>
+              <a:lnRef idx="2">
+                <a:schemeClr val="accent1">
+                  <a:shade val="50000"/>
+                </a:schemeClr>
+              </a:lnRef>
+              <a:fillRef idx="1">
+                <a:schemeClr val="accent1"/>
+              </a:fillRef>
+              <a:effectRef idx="0">
+                <a:schemeClr val="accent1"/>
+              </a:effectRef>
+              <a:fontRef idx="minor">
+                <a:schemeClr val="lt1"/>
+              </a:fontRef>
+            </p:style>
+            <p:txBody>
+              <a:bodyPr rtlCol="0" anchor="ctr"/>
+              <a:lstStyle/>
+              <a:p>
+                <a:pPr algn="ctr"/>
+                <a:endParaRPr lang="es-CO"/>
+              </a:p>
+            </p:txBody>
+          </p:sp>
+          <p:sp>
+            <p:nvSpPr>
+              <p:cNvPr id="79" name="Elipse 78">
+                <a:extLst>
+                  <a:ext uri="{FF2B5EF4-FFF2-40B4-BE49-F238E27FC236}">
+                    <a16:creationId xmlns:a16="http://schemas.microsoft.com/office/drawing/2014/main" id="{9A050C89-F386-774C-8228-BF900376C176}"/>
+                  </a:ext>
+                </a:extLst>
+              </p:cNvPr>
+              <p:cNvSpPr/>
+              <p:nvPr/>
+            </p:nvSpPr>
+            <p:spPr>
+              <a:xfrm>
+                <a:off x="5923800" y="2529634"/>
+                <a:ext cx="90145" cy="90145"/>
+              </a:xfrm>
+              <a:prstGeom prst="ellipse">
+                <a:avLst/>
+              </a:prstGeom>
+              <a:noFill/>
+              <a:ln w="25400">
+                <a:solidFill>
+                  <a:schemeClr val="tx1"/>
+                </a:solidFill>
+              </a:ln>
+            </p:spPr>
+            <p:style>
+              <a:lnRef idx="2">
+                <a:schemeClr val="accent1">
+                  <a:shade val="50000"/>
+                </a:schemeClr>
+              </a:lnRef>
+              <a:fillRef idx="1">
+                <a:schemeClr val="accent1"/>
+              </a:fillRef>
+              <a:effectRef idx="0">
+                <a:schemeClr val="accent1"/>
+              </a:effectRef>
+              <a:fontRef idx="minor">
+                <a:schemeClr val="lt1"/>
+              </a:fontRef>
+            </p:style>
+            <p:txBody>
+              <a:bodyPr rtlCol="0" anchor="ctr"/>
+              <a:lstStyle/>
+              <a:p>
+                <a:pPr algn="ctr"/>
+                <a:endParaRPr lang="es-CO"/>
+              </a:p>
+            </p:txBody>
+          </p:sp>
+          <p:sp>
+            <p:nvSpPr>
+              <p:cNvPr id="81" name="Elipse 80">
+                <a:extLst>
+                  <a:ext uri="{FF2B5EF4-FFF2-40B4-BE49-F238E27FC236}">
+                    <a16:creationId xmlns:a16="http://schemas.microsoft.com/office/drawing/2014/main" id="{2E211E27-FF60-8542-94CB-8E95D5A8DF84}"/>
+                  </a:ext>
+                </a:extLst>
+              </p:cNvPr>
+              <p:cNvSpPr/>
+              <p:nvPr/>
+            </p:nvSpPr>
+            <p:spPr>
+              <a:xfrm>
+                <a:off x="6668831" y="2072015"/>
+                <a:ext cx="90145" cy="90145"/>
+              </a:xfrm>
+              <a:prstGeom prst="ellipse">
+                <a:avLst/>
+              </a:prstGeom>
+              <a:noFill/>
+              <a:ln w="25400">
+                <a:solidFill>
+                  <a:schemeClr val="tx1"/>
+                </a:solidFill>
+              </a:ln>
+            </p:spPr>
+            <p:style>
+              <a:lnRef idx="2">
+                <a:schemeClr val="accent1">
+                  <a:shade val="50000"/>
+                </a:schemeClr>
+              </a:lnRef>
+              <a:fillRef idx="1">
+                <a:schemeClr val="accent1"/>
+              </a:fillRef>
+              <a:effectRef idx="0">
+                <a:schemeClr val="accent1"/>
+              </a:effectRef>
+              <a:fontRef idx="minor">
+                <a:schemeClr val="lt1"/>
+              </a:fontRef>
+            </p:style>
+            <p:txBody>
+              <a:bodyPr rtlCol="0" anchor="ctr"/>
+              <a:lstStyle/>
+              <a:p>
+                <a:pPr algn="ctr"/>
+                <a:endParaRPr lang="es-CO"/>
+              </a:p>
+            </p:txBody>
+          </p:sp>
+          <p:sp>
+            <p:nvSpPr>
+              <p:cNvPr id="82" name="Elipse 81">
+                <a:extLst>
+                  <a:ext uri="{FF2B5EF4-FFF2-40B4-BE49-F238E27FC236}">
+                    <a16:creationId xmlns:a16="http://schemas.microsoft.com/office/drawing/2014/main" id="{C7514211-CCEB-554D-B305-0BA5B7B9F8E2}"/>
+                  </a:ext>
+                </a:extLst>
+              </p:cNvPr>
+              <p:cNvSpPr/>
+              <p:nvPr/>
+            </p:nvSpPr>
+            <p:spPr>
+              <a:xfrm>
+                <a:off x="6852144" y="2484561"/>
+                <a:ext cx="90145" cy="90145"/>
+              </a:xfrm>
+              <a:prstGeom prst="ellipse">
+                <a:avLst/>
+              </a:prstGeom>
+              <a:solidFill>
+                <a:schemeClr val="bg1"/>
+              </a:solidFill>
+              <a:ln w="25400">
+                <a:solidFill>
+                  <a:schemeClr val="tx1"/>
+                </a:solidFill>
+              </a:ln>
+            </p:spPr>
+            <p:style>
+              <a:lnRef idx="2">
+                <a:schemeClr val="accent1">
+                  <a:shade val="50000"/>
+                </a:schemeClr>
+              </a:lnRef>
+              <a:fillRef idx="1">
+                <a:schemeClr val="accent1"/>
+              </a:fillRef>
+              <a:effectRef idx="0">
+                <a:schemeClr val="accent1"/>
+              </a:effectRef>
+              <a:fontRef idx="minor">
+                <a:schemeClr val="lt1"/>
+              </a:fontRef>
+            </p:style>
+            <p:txBody>
+              <a:bodyPr rtlCol="0" anchor="ctr"/>
+              <a:lstStyle/>
+              <a:p>
+                <a:pPr algn="ctr"/>
+                <a:endParaRPr lang="es-CO"/>
+              </a:p>
+            </p:txBody>
+          </p:sp>
+          <p:sp>
+            <p:nvSpPr>
+              <p:cNvPr id="83" name="Elipse 82">
+                <a:extLst>
+                  <a:ext uri="{FF2B5EF4-FFF2-40B4-BE49-F238E27FC236}">
+                    <a16:creationId xmlns:a16="http://schemas.microsoft.com/office/drawing/2014/main" id="{B3720E6C-1C45-D547-A6CC-480C256BA53A}"/>
+                  </a:ext>
+                </a:extLst>
+              </p:cNvPr>
+              <p:cNvSpPr/>
+              <p:nvPr/>
+            </p:nvSpPr>
+            <p:spPr>
+              <a:xfrm>
+                <a:off x="6975254" y="1845423"/>
+                <a:ext cx="90145" cy="90145"/>
+              </a:xfrm>
+              <a:prstGeom prst="ellipse">
+                <a:avLst/>
+              </a:prstGeom>
+              <a:noFill/>
+              <a:ln w="25400">
+                <a:solidFill>
+                  <a:schemeClr val="tx1"/>
+                </a:solidFill>
+              </a:ln>
+            </p:spPr>
+            <p:style>
+              <a:lnRef idx="2">
+                <a:schemeClr val="accent1">
+                  <a:shade val="50000"/>
+                </a:schemeClr>
+              </a:lnRef>
+              <a:fillRef idx="1">
+                <a:schemeClr val="accent1"/>
+              </a:fillRef>
+              <a:effectRef idx="0">
+                <a:schemeClr val="accent1"/>
+              </a:effectRef>
+              <a:fontRef idx="minor">
+                <a:schemeClr val="lt1"/>
+              </a:fontRef>
+            </p:style>
+            <p:txBody>
+              <a:bodyPr rtlCol="0" anchor="ctr"/>
+              <a:lstStyle/>
+              <a:p>
+                <a:pPr algn="ctr"/>
+                <a:endParaRPr lang="es-CO"/>
+              </a:p>
+            </p:txBody>
+          </p:sp>
+          <p:sp>
+            <p:nvSpPr>
+              <p:cNvPr id="84" name="Elipse 83">
+                <a:extLst>
+                  <a:ext uri="{FF2B5EF4-FFF2-40B4-BE49-F238E27FC236}">
+                    <a16:creationId xmlns:a16="http://schemas.microsoft.com/office/drawing/2014/main" id="{E100AAF8-B677-E94F-A335-EBCDA00E3D63}"/>
+                  </a:ext>
+                </a:extLst>
+              </p:cNvPr>
+              <p:cNvSpPr/>
+              <p:nvPr/>
+            </p:nvSpPr>
+            <p:spPr>
+              <a:xfrm>
+                <a:off x="6612340" y="2563499"/>
+                <a:ext cx="90145" cy="90145"/>
+              </a:xfrm>
+              <a:prstGeom prst="ellipse">
+                <a:avLst/>
+              </a:prstGeom>
+              <a:noFill/>
+              <a:ln w="25400">
+                <a:solidFill>
+                  <a:schemeClr val="tx1"/>
+                </a:solidFill>
+              </a:ln>
+            </p:spPr>
+            <p:style>
+              <a:lnRef idx="2">
+                <a:schemeClr val="accent1">
+                  <a:shade val="50000"/>
+                </a:schemeClr>
+              </a:lnRef>
+              <a:fillRef idx="1">
+                <a:schemeClr val="accent1"/>
+              </a:fillRef>
+              <a:effectRef idx="0">
+                <a:schemeClr val="accent1"/>
+              </a:effectRef>
+              <a:fontRef idx="minor">
+                <a:schemeClr val="lt1"/>
+              </a:fontRef>
+            </p:style>
+            <p:txBody>
+              <a:bodyPr rtlCol="0" anchor="ctr"/>
+              <a:lstStyle/>
+              <a:p>
+                <a:pPr algn="ctr"/>
+                <a:endParaRPr lang="es-CO"/>
+              </a:p>
+            </p:txBody>
+          </p:sp>
+          <p:sp>
+            <p:nvSpPr>
+              <p:cNvPr id="85" name="Elipse 84">
+                <a:extLst>
+                  <a:ext uri="{FF2B5EF4-FFF2-40B4-BE49-F238E27FC236}">
+                    <a16:creationId xmlns:a16="http://schemas.microsoft.com/office/drawing/2014/main" id="{E124D4C7-520C-FA4A-9C65-2281476A9857}"/>
+                  </a:ext>
+                </a:extLst>
+              </p:cNvPr>
+              <p:cNvSpPr/>
+              <p:nvPr/>
+            </p:nvSpPr>
+            <p:spPr>
+              <a:xfrm>
+                <a:off x="7041882" y="2882483"/>
+                <a:ext cx="90145" cy="90145"/>
+              </a:xfrm>
+              <a:prstGeom prst="ellipse">
+                <a:avLst/>
+              </a:prstGeom>
+              <a:noFill/>
+              <a:ln w="25400">
+                <a:solidFill>
+                  <a:schemeClr val="tx1"/>
+                </a:solidFill>
+              </a:ln>
+            </p:spPr>
+            <p:style>
+              <a:lnRef idx="2">
+                <a:schemeClr val="accent1">
+                  <a:shade val="50000"/>
+                </a:schemeClr>
+              </a:lnRef>
+              <a:fillRef idx="1">
+                <a:schemeClr val="accent1"/>
+              </a:fillRef>
+              <a:effectRef idx="0">
+                <a:schemeClr val="accent1"/>
+              </a:effectRef>
+              <a:fontRef idx="minor">
+                <a:schemeClr val="lt1"/>
+              </a:fontRef>
+            </p:style>
+            <p:txBody>
+              <a:bodyPr rtlCol="0" anchor="ctr"/>
+              <a:lstStyle/>
+              <a:p>
+                <a:pPr algn="ctr"/>
+                <a:endParaRPr lang="es-CO"/>
+              </a:p>
+            </p:txBody>
+          </p:sp>
+          <p:sp>
+            <p:nvSpPr>
+              <p:cNvPr id="87" name="Elipse 86">
+                <a:extLst>
+                  <a:ext uri="{FF2B5EF4-FFF2-40B4-BE49-F238E27FC236}">
+                    <a16:creationId xmlns:a16="http://schemas.microsoft.com/office/drawing/2014/main" id="{0F98D111-2B57-D040-80A4-AF9AFC7E9EB6}"/>
+                  </a:ext>
+                </a:extLst>
+              </p:cNvPr>
+              <p:cNvSpPr/>
+              <p:nvPr/>
+            </p:nvSpPr>
+            <p:spPr>
+              <a:xfrm>
+                <a:off x="7197679" y="3109304"/>
+                <a:ext cx="90145" cy="90145"/>
+              </a:xfrm>
+              <a:prstGeom prst="ellipse">
+                <a:avLst/>
+              </a:prstGeom>
+              <a:solidFill>
+                <a:schemeClr val="bg1"/>
+              </a:solidFill>
+              <a:ln w="25400">
+                <a:solidFill>
+                  <a:schemeClr val="tx1"/>
+                </a:solidFill>
+              </a:ln>
+            </p:spPr>
+            <p:style>
+              <a:lnRef idx="2">
+                <a:schemeClr val="accent1">
+                  <a:shade val="50000"/>
+                </a:schemeClr>
+              </a:lnRef>
+              <a:fillRef idx="1">
+                <a:schemeClr val="accent1"/>
+              </a:fillRef>
+              <a:effectRef idx="0">
+                <a:schemeClr val="accent1"/>
+              </a:effectRef>
+              <a:fontRef idx="minor">
+                <a:schemeClr val="lt1"/>
+              </a:fontRef>
+            </p:style>
+            <p:txBody>
+              <a:bodyPr rtlCol="0" anchor="ctr"/>
+              <a:lstStyle/>
+              <a:p>
+                <a:pPr algn="ctr"/>
+                <a:endParaRPr lang="es-CO"/>
+              </a:p>
+            </p:txBody>
+          </p:sp>
+          <p:sp>
+            <p:nvSpPr>
+              <p:cNvPr id="88" name="Elipse 87">
+                <a:extLst>
+                  <a:ext uri="{FF2B5EF4-FFF2-40B4-BE49-F238E27FC236}">
+                    <a16:creationId xmlns:a16="http://schemas.microsoft.com/office/drawing/2014/main" id="{B3758027-B84D-3B48-A14A-CD1DFFADD5E9}"/>
+                  </a:ext>
+                </a:extLst>
+              </p:cNvPr>
+              <p:cNvSpPr/>
+              <p:nvPr/>
+            </p:nvSpPr>
+            <p:spPr>
+              <a:xfrm>
+                <a:off x="7346730" y="2796086"/>
+                <a:ext cx="90145" cy="90145"/>
+              </a:xfrm>
+              <a:prstGeom prst="ellipse">
+                <a:avLst/>
+              </a:prstGeom>
+              <a:noFill/>
+              <a:ln w="25400">
+                <a:solidFill>
+                  <a:schemeClr val="tx1"/>
+                </a:solidFill>
+              </a:ln>
+            </p:spPr>
+            <p:style>
+              <a:lnRef idx="2">
+                <a:schemeClr val="accent1">
+                  <a:shade val="50000"/>
+                </a:schemeClr>
+              </a:lnRef>
+              <a:fillRef idx="1">
+                <a:schemeClr val="accent1"/>
+              </a:fillRef>
+              <a:effectRef idx="0">
+                <a:schemeClr val="accent1"/>
+              </a:effectRef>
+              <a:fontRef idx="minor">
+                <a:schemeClr val="lt1"/>
+              </a:fontRef>
+            </p:style>
+            <p:txBody>
+              <a:bodyPr rtlCol="0" anchor="ctr"/>
+              <a:lstStyle/>
+              <a:p>
+                <a:pPr algn="ctr"/>
+                <a:endParaRPr lang="es-CO"/>
+              </a:p>
+            </p:txBody>
+          </p:sp>
+          <p:sp>
+            <p:nvSpPr>
+              <p:cNvPr id="90" name="Elipse 89">
+                <a:extLst>
+                  <a:ext uri="{FF2B5EF4-FFF2-40B4-BE49-F238E27FC236}">
+                    <a16:creationId xmlns:a16="http://schemas.microsoft.com/office/drawing/2014/main" id="{9C55DAEF-913A-CA44-8BC3-D75FCA5FE34B}"/>
+                  </a:ext>
+                </a:extLst>
+              </p:cNvPr>
+              <p:cNvSpPr/>
+              <p:nvPr/>
+            </p:nvSpPr>
+            <p:spPr>
+              <a:xfrm>
+                <a:off x="6942289" y="3308556"/>
+                <a:ext cx="90145" cy="90145"/>
+              </a:xfrm>
+              <a:prstGeom prst="ellipse">
+                <a:avLst/>
+              </a:prstGeom>
+              <a:noFill/>
+              <a:ln w="25400">
+                <a:solidFill>
+                  <a:schemeClr val="tx1"/>
+                </a:solidFill>
+              </a:ln>
+            </p:spPr>
+            <p:style>
+              <a:lnRef idx="2">
+                <a:schemeClr val="accent1">
+                  <a:shade val="50000"/>
+                </a:schemeClr>
+              </a:lnRef>
+              <a:fillRef idx="1">
+                <a:schemeClr val="accent1"/>
+              </a:fillRef>
+              <a:effectRef idx="0">
+                <a:schemeClr val="accent1"/>
+              </a:effectRef>
+              <a:fontRef idx="minor">
+                <a:schemeClr val="lt1"/>
+              </a:fontRef>
+            </p:style>
+            <p:txBody>
+              <a:bodyPr rtlCol="0" anchor="ctr"/>
+              <a:lstStyle/>
+              <a:p>
+                <a:pPr algn="ctr"/>
+                <a:endParaRPr lang="es-CO"/>
+              </a:p>
+            </p:txBody>
+          </p:sp>
+          <p:sp>
+            <p:nvSpPr>
+              <p:cNvPr id="91" name="Elipse 90">
+                <a:extLst>
+                  <a:ext uri="{FF2B5EF4-FFF2-40B4-BE49-F238E27FC236}">
+                    <a16:creationId xmlns:a16="http://schemas.microsoft.com/office/drawing/2014/main" id="{39F364DE-87D9-704E-8596-3DFC82A090F0}"/>
+                  </a:ext>
+                </a:extLst>
+              </p:cNvPr>
+              <p:cNvSpPr/>
+              <p:nvPr/>
+            </p:nvSpPr>
+            <p:spPr>
+              <a:xfrm>
+                <a:off x="7753750" y="3178813"/>
+                <a:ext cx="90145" cy="90145"/>
+              </a:xfrm>
+              <a:prstGeom prst="ellipse">
+                <a:avLst/>
+              </a:prstGeom>
+              <a:noFill/>
+              <a:ln w="25400">
+                <a:solidFill>
+                  <a:schemeClr val="tx1"/>
+                </a:solidFill>
+              </a:ln>
+            </p:spPr>
+            <p:style>
+              <a:lnRef idx="2">
+                <a:schemeClr val="accent1">
+                  <a:shade val="50000"/>
+                </a:schemeClr>
+              </a:lnRef>
+              <a:fillRef idx="1">
+                <a:schemeClr val="accent1"/>
+              </a:fillRef>
+              <a:effectRef idx="0">
+                <a:schemeClr val="accent1"/>
+              </a:effectRef>
+              <a:fontRef idx="minor">
+                <a:schemeClr val="lt1"/>
+              </a:fontRef>
+            </p:style>
+            <p:txBody>
+              <a:bodyPr rtlCol="0" anchor="ctr"/>
+              <a:lstStyle/>
+              <a:p>
+                <a:pPr algn="ctr"/>
+                <a:endParaRPr lang="es-CO"/>
+              </a:p>
+            </p:txBody>
+          </p:sp>
+          <p:cxnSp>
+            <p:nvCxnSpPr>
+              <p:cNvPr id="93" name="Conector recto 92">
+                <a:extLst>
+                  <a:ext uri="{FF2B5EF4-FFF2-40B4-BE49-F238E27FC236}">
+                    <a16:creationId xmlns:a16="http://schemas.microsoft.com/office/drawing/2014/main" id="{CA8FF4E9-611D-494C-9E03-A3E02AC1E2AF}"/>
+                  </a:ext>
+                </a:extLst>
+              </p:cNvPr>
+              <p:cNvCxnSpPr>
+                <a:cxnSpLocks/>
+              </p:cNvCxnSpPr>
+              <p:nvPr/>
+            </p:nvCxnSpPr>
+            <p:spPr>
+              <a:xfrm>
+                <a:off x="6338878" y="1949303"/>
+                <a:ext cx="316675" cy="146463"/>
+              </a:xfrm>
+              <a:prstGeom prst="line">
+                <a:avLst/>
+              </a:prstGeom>
+              <a:ln w="12700">
+                <a:solidFill>
+                  <a:schemeClr val="tx1"/>
+                </a:solidFill>
+              </a:ln>
+            </p:spPr>
+            <p:style>
+              <a:lnRef idx="1">
+                <a:schemeClr val="accent1"/>
+              </a:lnRef>
+              <a:fillRef idx="0">
+                <a:schemeClr val="accent1"/>
+              </a:fillRef>
+              <a:effectRef idx="0">
+                <a:schemeClr val="accent1"/>
+              </a:effectRef>
+              <a:fontRef idx="minor">
+                <a:schemeClr val="tx1"/>
+              </a:fontRef>
+            </p:style>
+          </p:cxnSp>
+          <p:cxnSp>
+            <p:nvCxnSpPr>
+              <p:cNvPr id="95" name="Conector recto 94">
+                <a:extLst>
+                  <a:ext uri="{FF2B5EF4-FFF2-40B4-BE49-F238E27FC236}">
+                    <a16:creationId xmlns:a16="http://schemas.microsoft.com/office/drawing/2014/main" id="{11DD42DD-84E0-CF4D-86C1-EA49D4370565}"/>
+                  </a:ext>
+                </a:extLst>
+              </p:cNvPr>
+              <p:cNvCxnSpPr>
+                <a:cxnSpLocks/>
+              </p:cNvCxnSpPr>
+              <p:nvPr/>
+            </p:nvCxnSpPr>
+            <p:spPr>
+              <a:xfrm flipV="1">
+                <a:off x="5843990" y="2180132"/>
+                <a:ext cx="133350" cy="200023"/>
+              </a:xfrm>
+              <a:prstGeom prst="line">
+                <a:avLst/>
+              </a:prstGeom>
+              <a:ln w="12700">
+                <a:solidFill>
+                  <a:schemeClr val="tx1"/>
+                </a:solidFill>
+              </a:ln>
+            </p:spPr>
+            <p:style>
+              <a:lnRef idx="1">
+                <a:schemeClr val="accent1"/>
+              </a:lnRef>
+              <a:fillRef idx="0">
+                <a:schemeClr val="accent1"/>
+              </a:fillRef>
+              <a:effectRef idx="0">
+                <a:schemeClr val="accent1"/>
+              </a:effectRef>
+              <a:fontRef idx="minor">
+                <a:schemeClr val="tx1"/>
+              </a:fontRef>
+            </p:style>
+          </p:cxnSp>
+          <p:cxnSp>
+            <p:nvCxnSpPr>
+              <p:cNvPr id="96" name="Conector recto 95">
+                <a:extLst>
+                  <a:ext uri="{FF2B5EF4-FFF2-40B4-BE49-F238E27FC236}">
+                    <a16:creationId xmlns:a16="http://schemas.microsoft.com/office/drawing/2014/main" id="{B815A7C9-1129-C54F-B08A-44DE3A4778BE}"/>
+                  </a:ext>
+                </a:extLst>
+              </p:cNvPr>
+              <p:cNvCxnSpPr>
+                <a:cxnSpLocks/>
+              </p:cNvCxnSpPr>
+              <p:nvPr/>
+            </p:nvCxnSpPr>
+            <p:spPr>
+              <a:xfrm flipV="1">
+                <a:off x="5974165" y="2186480"/>
+                <a:ext cx="28575" cy="323851"/>
+              </a:xfrm>
+              <a:prstGeom prst="line">
+                <a:avLst/>
+              </a:prstGeom>
+              <a:ln w="12700">
+                <a:solidFill>
+                  <a:schemeClr val="tx1"/>
+                </a:solidFill>
+              </a:ln>
+            </p:spPr>
+            <p:style>
+              <a:lnRef idx="1">
+                <a:schemeClr val="accent1"/>
+              </a:lnRef>
+              <a:fillRef idx="0">
+                <a:schemeClr val="accent1"/>
+              </a:fillRef>
+              <a:effectRef idx="0">
+                <a:schemeClr val="accent1"/>
+              </a:effectRef>
+              <a:fontRef idx="minor">
+                <a:schemeClr val="tx1"/>
+              </a:fontRef>
+            </p:style>
+          </p:cxnSp>
+          <p:cxnSp>
+            <p:nvCxnSpPr>
+              <p:cNvPr id="97" name="Conector recto 96">
+                <a:extLst>
+                  <a:ext uri="{FF2B5EF4-FFF2-40B4-BE49-F238E27FC236}">
+                    <a16:creationId xmlns:a16="http://schemas.microsoft.com/office/drawing/2014/main" id="{860C5915-751F-B34F-AE94-1B82DFF01FD8}"/>
+                  </a:ext>
+                </a:extLst>
+              </p:cNvPr>
+              <p:cNvCxnSpPr>
+                <a:cxnSpLocks/>
+              </p:cNvCxnSpPr>
+              <p:nvPr/>
+            </p:nvCxnSpPr>
+            <p:spPr>
+              <a:xfrm flipH="1" flipV="1">
+                <a:off x="5859865" y="2453180"/>
+                <a:ext cx="73025" cy="76200"/>
+              </a:xfrm>
+              <a:prstGeom prst="line">
+                <a:avLst/>
+              </a:prstGeom>
+              <a:ln w="12700">
+                <a:solidFill>
+                  <a:schemeClr val="tx1"/>
+                </a:solidFill>
+              </a:ln>
+            </p:spPr>
+            <p:style>
+              <a:lnRef idx="1">
+                <a:schemeClr val="accent1"/>
+              </a:lnRef>
+              <a:fillRef idx="0">
+                <a:schemeClr val="accent1"/>
+              </a:fillRef>
+              <a:effectRef idx="0">
+                <a:schemeClr val="accent1"/>
+              </a:effectRef>
+              <a:fontRef idx="minor">
+                <a:schemeClr val="tx1"/>
+              </a:fontRef>
+            </p:style>
+          </p:cxnSp>
+          <p:cxnSp>
+            <p:nvCxnSpPr>
+              <p:cNvPr id="98" name="Conector recto 97">
+                <a:extLst>
+                  <a:ext uri="{FF2B5EF4-FFF2-40B4-BE49-F238E27FC236}">
+                    <a16:creationId xmlns:a16="http://schemas.microsoft.com/office/drawing/2014/main" id="{BC40A5C3-5FD1-1F41-8A81-DCF530BD0FB4}"/>
+                  </a:ext>
+                </a:extLst>
+              </p:cNvPr>
+              <p:cNvCxnSpPr>
+                <a:cxnSpLocks/>
+              </p:cNvCxnSpPr>
+              <p:nvPr/>
+            </p:nvCxnSpPr>
+            <p:spPr>
+              <a:xfrm flipV="1">
+                <a:off x="6644090" y="2170605"/>
+                <a:ext cx="50800" cy="381000"/>
+              </a:xfrm>
+              <a:prstGeom prst="line">
+                <a:avLst/>
+              </a:prstGeom>
+              <a:ln w="12700">
+                <a:solidFill>
+                  <a:schemeClr val="tx1"/>
+                </a:solidFill>
+              </a:ln>
+            </p:spPr>
+            <p:style>
+              <a:lnRef idx="1">
+                <a:schemeClr val="accent1"/>
+              </a:lnRef>
+              <a:fillRef idx="0">
+                <a:schemeClr val="accent1"/>
+              </a:fillRef>
+              <a:effectRef idx="0">
+                <a:schemeClr val="accent1"/>
+              </a:effectRef>
+              <a:fontRef idx="minor">
+                <a:schemeClr val="tx1"/>
+              </a:fontRef>
+            </p:style>
+          </p:cxnSp>
+          <p:cxnSp>
+            <p:nvCxnSpPr>
+              <p:cNvPr id="100" name="Conector recto 99">
+                <a:extLst>
+                  <a:ext uri="{FF2B5EF4-FFF2-40B4-BE49-F238E27FC236}">
+                    <a16:creationId xmlns:a16="http://schemas.microsoft.com/office/drawing/2014/main" id="{6C4D3FCE-5138-564F-9F6B-CF59678B62C4}"/>
+                  </a:ext>
+                </a:extLst>
+              </p:cNvPr>
+              <p:cNvCxnSpPr>
+                <a:cxnSpLocks/>
+              </p:cNvCxnSpPr>
+              <p:nvPr/>
+            </p:nvCxnSpPr>
+            <p:spPr>
+              <a:xfrm flipH="1" flipV="1">
+                <a:off x="6742516" y="2151555"/>
+                <a:ext cx="126999" cy="327025"/>
+              </a:xfrm>
+              <a:prstGeom prst="line">
+                <a:avLst/>
+              </a:prstGeom>
+              <a:ln w="12700">
+                <a:solidFill>
+                  <a:schemeClr val="tx1"/>
+                </a:solidFill>
+              </a:ln>
+            </p:spPr>
+            <p:style>
+              <a:lnRef idx="1">
+                <a:schemeClr val="accent1"/>
+              </a:lnRef>
+              <a:fillRef idx="0">
+                <a:schemeClr val="accent1"/>
+              </a:fillRef>
+              <a:effectRef idx="0">
+                <a:schemeClr val="accent1"/>
+              </a:effectRef>
+              <a:fontRef idx="minor">
+                <a:schemeClr val="tx1"/>
+              </a:fontRef>
+            </p:style>
+          </p:cxnSp>
+          <p:cxnSp>
+            <p:nvCxnSpPr>
+              <p:cNvPr id="101" name="Conector recto 100">
+                <a:extLst>
+                  <a:ext uri="{FF2B5EF4-FFF2-40B4-BE49-F238E27FC236}">
+                    <a16:creationId xmlns:a16="http://schemas.microsoft.com/office/drawing/2014/main" id="{159D4E66-A7CD-B048-826E-A07E42C8DE83}"/>
+                  </a:ext>
+                </a:extLst>
+              </p:cNvPr>
+              <p:cNvCxnSpPr>
+                <a:cxnSpLocks/>
+              </p:cNvCxnSpPr>
+              <p:nvPr/>
+            </p:nvCxnSpPr>
+            <p:spPr>
+              <a:xfrm flipH="1">
+                <a:off x="6755802" y="1922033"/>
+                <a:ext cx="222326" cy="161365"/>
+              </a:xfrm>
+              <a:prstGeom prst="line">
+                <a:avLst/>
+              </a:prstGeom>
+              <a:ln w="12700">
+                <a:solidFill>
+                  <a:schemeClr val="tx1"/>
+                </a:solidFill>
+              </a:ln>
+            </p:spPr>
+            <p:style>
+              <a:lnRef idx="1">
+                <a:schemeClr val="accent1"/>
+              </a:lnRef>
+              <a:fillRef idx="0">
+                <a:schemeClr val="accent1"/>
+              </a:fillRef>
+              <a:effectRef idx="0">
+                <a:schemeClr val="accent1"/>
+              </a:effectRef>
+              <a:fontRef idx="minor">
+                <a:schemeClr val="tx1"/>
+              </a:fontRef>
+            </p:style>
+          </p:cxnSp>
+          <p:cxnSp>
+            <p:nvCxnSpPr>
+              <p:cNvPr id="103" name="Conector recto 102">
+                <a:extLst>
+                  <a:ext uri="{FF2B5EF4-FFF2-40B4-BE49-F238E27FC236}">
+                    <a16:creationId xmlns:a16="http://schemas.microsoft.com/office/drawing/2014/main" id="{2968C30C-70E8-1347-8415-E93F1B7B2967}"/>
+                  </a:ext>
+                </a:extLst>
+              </p:cNvPr>
+              <p:cNvCxnSpPr>
+                <a:cxnSpLocks/>
+              </p:cNvCxnSpPr>
+              <p:nvPr/>
+            </p:nvCxnSpPr>
+            <p:spPr>
+              <a:xfrm flipV="1">
+                <a:off x="6701240" y="2554780"/>
+                <a:ext cx="142875" cy="47626"/>
+              </a:xfrm>
+              <a:prstGeom prst="line">
+                <a:avLst/>
+              </a:prstGeom>
+              <a:ln w="12700">
+                <a:solidFill>
+                  <a:schemeClr val="tx1"/>
+                </a:solidFill>
+              </a:ln>
+            </p:spPr>
+            <p:style>
+              <a:lnRef idx="1">
+                <a:schemeClr val="accent1"/>
+              </a:lnRef>
+              <a:fillRef idx="0">
+                <a:schemeClr val="accent1"/>
+              </a:fillRef>
+              <a:effectRef idx="0">
+                <a:schemeClr val="accent1"/>
+              </a:effectRef>
+              <a:fontRef idx="minor">
+                <a:schemeClr val="tx1"/>
+              </a:fontRef>
+            </p:style>
+          </p:cxnSp>
+          <p:cxnSp>
+            <p:nvCxnSpPr>
+              <p:cNvPr id="104" name="Conector recto 103">
+                <a:extLst>
+                  <a:ext uri="{FF2B5EF4-FFF2-40B4-BE49-F238E27FC236}">
+                    <a16:creationId xmlns:a16="http://schemas.microsoft.com/office/drawing/2014/main" id="{E4AF5684-BD21-814F-B687-AB9C9962B248}"/>
+                  </a:ext>
+                </a:extLst>
+              </p:cNvPr>
+              <p:cNvCxnSpPr>
+                <a:cxnSpLocks/>
+              </p:cNvCxnSpPr>
+              <p:nvPr/>
+            </p:nvCxnSpPr>
+            <p:spPr>
+              <a:xfrm flipV="1">
+                <a:off x="6386456" y="2639210"/>
+                <a:ext cx="218739" cy="161364"/>
+              </a:xfrm>
+              <a:prstGeom prst="line">
+                <a:avLst/>
+              </a:prstGeom>
+              <a:ln w="12700">
+                <a:solidFill>
+                  <a:schemeClr val="tx1"/>
+                </a:solidFill>
+              </a:ln>
+            </p:spPr>
+            <p:style>
+              <a:lnRef idx="1">
+                <a:schemeClr val="accent1"/>
+              </a:lnRef>
+              <a:fillRef idx="0">
+                <a:schemeClr val="accent1"/>
+              </a:fillRef>
+              <a:effectRef idx="0">
+                <a:schemeClr val="accent1"/>
+              </a:effectRef>
+              <a:fontRef idx="minor">
+                <a:schemeClr val="tx1"/>
+              </a:fontRef>
+            </p:style>
+          </p:cxnSp>
+          <p:cxnSp>
+            <p:nvCxnSpPr>
+              <p:cNvPr id="106" name="Conector recto 105">
+                <a:extLst>
+                  <a:ext uri="{FF2B5EF4-FFF2-40B4-BE49-F238E27FC236}">
+                    <a16:creationId xmlns:a16="http://schemas.microsoft.com/office/drawing/2014/main" id="{561832B0-87D9-BD46-9912-B63CE17427EE}"/>
+                  </a:ext>
+                </a:extLst>
+              </p:cNvPr>
+              <p:cNvCxnSpPr>
+                <a:cxnSpLocks/>
+              </p:cNvCxnSpPr>
+              <p:nvPr/>
+            </p:nvCxnSpPr>
+            <p:spPr>
+              <a:xfrm flipH="1" flipV="1">
+                <a:off x="7113991" y="2954831"/>
+                <a:ext cx="98424" cy="155574"/>
+              </a:xfrm>
+              <a:prstGeom prst="line">
+                <a:avLst/>
+              </a:prstGeom>
+              <a:ln w="12700">
+                <a:solidFill>
+                  <a:schemeClr val="tx1"/>
+                </a:solidFill>
+              </a:ln>
+            </p:spPr>
+            <p:style>
+              <a:lnRef idx="1">
+                <a:schemeClr val="accent1"/>
+              </a:lnRef>
+              <a:fillRef idx="0">
+                <a:schemeClr val="accent1"/>
+              </a:fillRef>
+              <a:effectRef idx="0">
+                <a:schemeClr val="accent1"/>
+              </a:effectRef>
+              <a:fontRef idx="minor">
+                <a:schemeClr val="tx1"/>
+              </a:fontRef>
+            </p:style>
+          </p:cxnSp>
+          <p:cxnSp>
+            <p:nvCxnSpPr>
+              <p:cNvPr id="107" name="Conector recto 106">
+                <a:extLst>
+                  <a:ext uri="{FF2B5EF4-FFF2-40B4-BE49-F238E27FC236}">
+                    <a16:creationId xmlns:a16="http://schemas.microsoft.com/office/drawing/2014/main" id="{8389098F-2D7B-1B4F-92A1-F49A3E62CF75}"/>
+                  </a:ext>
+                </a:extLst>
+              </p:cNvPr>
+              <p:cNvCxnSpPr>
+                <a:cxnSpLocks/>
+              </p:cNvCxnSpPr>
+              <p:nvPr/>
+            </p:nvCxnSpPr>
+            <p:spPr>
+              <a:xfrm flipH="1">
+                <a:off x="7121563" y="2854362"/>
+                <a:ext cx="218738" cy="57374"/>
+              </a:xfrm>
+              <a:prstGeom prst="line">
+                <a:avLst/>
+              </a:prstGeom>
+              <a:ln w="12700">
+                <a:solidFill>
+                  <a:schemeClr val="tx1"/>
+                </a:solidFill>
+              </a:ln>
+            </p:spPr>
+            <p:style>
+              <a:lnRef idx="1">
+                <a:schemeClr val="accent1"/>
+              </a:lnRef>
+              <a:fillRef idx="0">
+                <a:schemeClr val="accent1"/>
+              </a:fillRef>
+              <a:effectRef idx="0">
+                <a:schemeClr val="accent1"/>
+              </a:effectRef>
+              <a:fontRef idx="minor">
+                <a:schemeClr val="tx1"/>
+              </a:fontRef>
+            </p:style>
+          </p:cxnSp>
+          <p:cxnSp>
+            <p:nvCxnSpPr>
+              <p:cNvPr id="109" name="Conector recto 108">
+                <a:extLst>
+                  <a:ext uri="{FF2B5EF4-FFF2-40B4-BE49-F238E27FC236}">
+                    <a16:creationId xmlns:a16="http://schemas.microsoft.com/office/drawing/2014/main" id="{7C239724-07B3-274A-AB8F-EE747580A18C}"/>
+                  </a:ext>
+                </a:extLst>
+              </p:cNvPr>
+              <p:cNvCxnSpPr>
+                <a:cxnSpLocks/>
+              </p:cNvCxnSpPr>
+              <p:nvPr/>
+            </p:nvCxnSpPr>
+            <p:spPr>
+              <a:xfrm flipH="1" flipV="1">
+                <a:off x="7275915" y="3161205"/>
+                <a:ext cx="463550" cy="41275"/>
+              </a:xfrm>
+              <a:prstGeom prst="line">
+                <a:avLst/>
+              </a:prstGeom>
+              <a:ln w="12700">
+                <a:solidFill>
+                  <a:schemeClr val="tx1"/>
+                </a:solidFill>
+              </a:ln>
+            </p:spPr>
+            <p:style>
+              <a:lnRef idx="1">
+                <a:schemeClr val="accent1"/>
+              </a:lnRef>
+              <a:fillRef idx="0">
+                <a:schemeClr val="accent1"/>
+              </a:fillRef>
+              <a:effectRef idx="0">
+                <a:schemeClr val="accent1"/>
+              </a:effectRef>
+              <a:fontRef idx="minor">
+                <a:schemeClr val="tx1"/>
+              </a:fontRef>
+            </p:style>
+          </p:cxnSp>
+          <p:cxnSp>
+            <p:nvCxnSpPr>
+              <p:cNvPr id="110" name="Conector recto 109">
+                <a:extLst>
+                  <a:ext uri="{FF2B5EF4-FFF2-40B4-BE49-F238E27FC236}">
+                    <a16:creationId xmlns:a16="http://schemas.microsoft.com/office/drawing/2014/main" id="{66CCB4EA-8491-4B48-A6F7-5E98C40C0E71}"/>
+                  </a:ext>
+                </a:extLst>
+              </p:cNvPr>
+              <p:cNvCxnSpPr>
+                <a:cxnSpLocks/>
+              </p:cNvCxnSpPr>
+              <p:nvPr/>
+            </p:nvCxnSpPr>
+            <p:spPr>
+              <a:xfrm flipH="1">
+                <a:off x="7034615" y="3250105"/>
+                <a:ext cx="714376" cy="95250"/>
+              </a:xfrm>
+              <a:prstGeom prst="line">
+                <a:avLst/>
+              </a:prstGeom>
+              <a:ln w="12700">
+                <a:solidFill>
+                  <a:schemeClr val="tx1"/>
+                </a:solidFill>
+              </a:ln>
+            </p:spPr>
+            <p:style>
+              <a:lnRef idx="1">
+                <a:schemeClr val="accent1"/>
+              </a:lnRef>
+              <a:fillRef idx="0">
+                <a:schemeClr val="accent1"/>
+              </a:fillRef>
+              <a:effectRef idx="0">
+                <a:schemeClr val="accent1"/>
+              </a:effectRef>
+              <a:fontRef idx="minor">
+                <a:schemeClr val="tx1"/>
+              </a:fontRef>
+            </p:style>
+          </p:cxnSp>
+          <p:cxnSp>
+            <p:nvCxnSpPr>
+              <p:cNvPr id="112" name="Conector recto 111">
+                <a:extLst>
+                  <a:ext uri="{FF2B5EF4-FFF2-40B4-BE49-F238E27FC236}">
+                    <a16:creationId xmlns:a16="http://schemas.microsoft.com/office/drawing/2014/main" id="{5B60282F-AD11-4D46-A12F-C99C0C7B916B}"/>
+                  </a:ext>
+                </a:extLst>
+              </p:cNvPr>
+              <p:cNvCxnSpPr>
+                <a:cxnSpLocks/>
+              </p:cNvCxnSpPr>
+              <p:nvPr/>
+            </p:nvCxnSpPr>
+            <p:spPr>
+              <a:xfrm flipH="1" flipV="1">
+                <a:off x="7422776" y="2861534"/>
+                <a:ext cx="332565" cy="325072"/>
+              </a:xfrm>
+              <a:prstGeom prst="line">
+                <a:avLst/>
+              </a:prstGeom>
+              <a:ln w="12700">
+                <a:solidFill>
+                  <a:schemeClr val="tx1"/>
+                </a:solidFill>
+              </a:ln>
+            </p:spPr>
+            <p:style>
+              <a:lnRef idx="1">
+                <a:schemeClr val="accent1"/>
+              </a:lnRef>
+              <a:fillRef idx="0">
+                <a:schemeClr val="accent1"/>
+              </a:fillRef>
+              <a:effectRef idx="0">
+                <a:schemeClr val="accent1"/>
+              </a:effectRef>
+              <a:fontRef idx="minor">
+                <a:schemeClr val="tx1"/>
+              </a:fontRef>
+            </p:style>
+          </p:cxnSp>
+          <p:cxnSp>
+            <p:nvCxnSpPr>
+              <p:cNvPr id="113" name="Conector recto 112">
+                <a:extLst>
+                  <a:ext uri="{FF2B5EF4-FFF2-40B4-BE49-F238E27FC236}">
+                    <a16:creationId xmlns:a16="http://schemas.microsoft.com/office/drawing/2014/main" id="{13989AAE-B081-7847-BA5C-B98FCA50633C}"/>
+                  </a:ext>
+                </a:extLst>
+              </p:cNvPr>
+              <p:cNvCxnSpPr>
+                <a:cxnSpLocks/>
+              </p:cNvCxnSpPr>
+              <p:nvPr/>
+            </p:nvCxnSpPr>
+            <p:spPr>
+              <a:xfrm flipH="1">
+                <a:off x="7012391" y="3189780"/>
+                <a:ext cx="200024" cy="133351"/>
+              </a:xfrm>
+              <a:prstGeom prst="line">
+                <a:avLst/>
+              </a:prstGeom>
+              <a:ln w="12700">
+                <a:solidFill>
+                  <a:schemeClr val="tx1"/>
+                </a:solidFill>
+              </a:ln>
+            </p:spPr>
+            <p:style>
+              <a:lnRef idx="1">
+                <a:schemeClr val="accent1"/>
+              </a:lnRef>
+              <a:fillRef idx="0">
+                <a:schemeClr val="accent1"/>
+              </a:fillRef>
+              <a:effectRef idx="0">
+                <a:schemeClr val="accent1"/>
+              </a:effectRef>
+              <a:fontRef idx="minor">
+                <a:schemeClr val="tx1"/>
+              </a:fontRef>
+            </p:style>
+          </p:cxnSp>
+          <p:cxnSp>
+            <p:nvCxnSpPr>
+              <p:cNvPr id="114" name="Conector recto 113">
+                <a:extLst>
+                  <a:ext uri="{FF2B5EF4-FFF2-40B4-BE49-F238E27FC236}">
+                    <a16:creationId xmlns:a16="http://schemas.microsoft.com/office/drawing/2014/main" id="{FD79FCA3-5C9B-1344-A64D-464909E4ADEB}"/>
+                  </a:ext>
+                </a:extLst>
+              </p:cNvPr>
+              <p:cNvCxnSpPr>
+                <a:cxnSpLocks/>
+              </p:cNvCxnSpPr>
+              <p:nvPr/>
+            </p:nvCxnSpPr>
+            <p:spPr>
+              <a:xfrm flipH="1">
+                <a:off x="6977465" y="2970705"/>
+                <a:ext cx="88900" cy="336551"/>
+              </a:xfrm>
+              <a:prstGeom prst="line">
+                <a:avLst/>
+              </a:prstGeom>
+              <a:ln w="12700">
+                <a:solidFill>
+                  <a:schemeClr val="tx1"/>
+                </a:solidFill>
+              </a:ln>
+            </p:spPr>
+            <p:style>
+              <a:lnRef idx="1">
+                <a:schemeClr val="accent1"/>
+              </a:lnRef>
+              <a:fillRef idx="0">
+                <a:schemeClr val="accent1"/>
+              </a:fillRef>
+              <a:effectRef idx="0">
+                <a:schemeClr val="accent1"/>
+              </a:effectRef>
+              <a:fontRef idx="minor">
+                <a:schemeClr val="tx1"/>
+              </a:fontRef>
+            </p:style>
+          </p:cxnSp>
+          <p:cxnSp>
+            <p:nvCxnSpPr>
+              <p:cNvPr id="116" name="Conector recto 115">
+                <a:extLst>
+                  <a:ext uri="{FF2B5EF4-FFF2-40B4-BE49-F238E27FC236}">
+                    <a16:creationId xmlns:a16="http://schemas.microsoft.com/office/drawing/2014/main" id="{5C3B9683-8588-AD40-8A04-DAEBBE4F3871}"/>
+                  </a:ext>
+                </a:extLst>
+              </p:cNvPr>
+              <p:cNvCxnSpPr>
+                <a:cxnSpLocks/>
+              </p:cNvCxnSpPr>
+              <p:nvPr/>
+            </p:nvCxnSpPr>
+            <p:spPr>
+              <a:xfrm flipH="1" flipV="1">
+                <a:off x="6682191" y="2627805"/>
+                <a:ext cx="361949" cy="260350"/>
+              </a:xfrm>
+              <a:prstGeom prst="line">
+                <a:avLst/>
+              </a:prstGeom>
+              <a:ln w="12700">
+                <a:solidFill>
+                  <a:schemeClr val="tx1"/>
+                </a:solidFill>
+              </a:ln>
+            </p:spPr>
+            <p:style>
+              <a:lnRef idx="1">
+                <a:schemeClr val="accent1"/>
+              </a:lnRef>
+              <a:fillRef idx="0">
+                <a:schemeClr val="accent1"/>
+              </a:fillRef>
+              <a:effectRef idx="0">
+                <a:schemeClr val="accent1"/>
+              </a:effectRef>
+              <a:fontRef idx="minor">
+                <a:schemeClr val="tx1"/>
+              </a:fontRef>
+            </p:style>
+          </p:cxnSp>
+          <p:cxnSp>
+            <p:nvCxnSpPr>
+              <p:cNvPr id="117" name="Conector recto 116">
+                <a:extLst>
+                  <a:ext uri="{FF2B5EF4-FFF2-40B4-BE49-F238E27FC236}">
+                    <a16:creationId xmlns:a16="http://schemas.microsoft.com/office/drawing/2014/main" id="{1D7F7859-B1AE-A540-B4F0-9617F3504900}"/>
+                  </a:ext>
+                </a:extLst>
+              </p:cNvPr>
+              <p:cNvCxnSpPr>
+                <a:cxnSpLocks/>
+              </p:cNvCxnSpPr>
+              <p:nvPr/>
+            </p:nvCxnSpPr>
+            <p:spPr>
+              <a:xfrm flipH="1" flipV="1">
+                <a:off x="7129865" y="2948481"/>
+                <a:ext cx="609600" cy="250824"/>
+              </a:xfrm>
+              <a:prstGeom prst="line">
+                <a:avLst/>
+              </a:prstGeom>
+              <a:ln w="12700">
+                <a:solidFill>
+                  <a:schemeClr val="tx1"/>
+                </a:solidFill>
+              </a:ln>
+            </p:spPr>
+            <p:style>
+              <a:lnRef idx="1">
+                <a:schemeClr val="accent1"/>
+              </a:lnRef>
+              <a:fillRef idx="0">
+                <a:schemeClr val="accent1"/>
+              </a:fillRef>
+              <a:effectRef idx="0">
+                <a:schemeClr val="accent1"/>
+              </a:effectRef>
+              <a:fontRef idx="minor">
+                <a:schemeClr val="tx1"/>
+              </a:fontRef>
+            </p:style>
+          </p:cxnSp>
+          <p:sp>
+            <p:nvSpPr>
+              <p:cNvPr id="120" name="Elipse 119">
+                <a:extLst>
+                  <a:ext uri="{FF2B5EF4-FFF2-40B4-BE49-F238E27FC236}">
+                    <a16:creationId xmlns:a16="http://schemas.microsoft.com/office/drawing/2014/main" id="{E7610CA5-EFF4-4941-9670-49740898B18E}"/>
+                  </a:ext>
+                </a:extLst>
+              </p:cNvPr>
+              <p:cNvSpPr/>
+              <p:nvPr/>
+            </p:nvSpPr>
+            <p:spPr>
+              <a:xfrm>
+                <a:off x="5680423" y="1932389"/>
+                <a:ext cx="90145" cy="90145"/>
+              </a:xfrm>
+              <a:prstGeom prst="ellipse">
+                <a:avLst/>
+              </a:prstGeom>
+              <a:solidFill>
+                <a:schemeClr val="bg1"/>
+              </a:solidFill>
+              <a:ln w="25400">
+                <a:solidFill>
+                  <a:schemeClr val="tx1"/>
+                </a:solidFill>
+              </a:ln>
+            </p:spPr>
+            <p:style>
+              <a:lnRef idx="2">
+                <a:schemeClr val="accent1">
+                  <a:shade val="50000"/>
+                </a:schemeClr>
+              </a:lnRef>
+              <a:fillRef idx="1">
+                <a:schemeClr val="accent1"/>
+              </a:fillRef>
+              <a:effectRef idx="0">
+                <a:schemeClr val="accent1"/>
+              </a:effectRef>
+              <a:fontRef idx="minor">
+                <a:schemeClr val="lt1"/>
+              </a:fontRef>
+            </p:style>
+            <p:txBody>
+              <a:bodyPr rtlCol="0" anchor="ctr"/>
+              <a:lstStyle/>
+              <a:p>
+                <a:pPr algn="ctr"/>
+                <a:endParaRPr lang="es-CO"/>
+              </a:p>
+            </p:txBody>
+          </p:sp>
+          <p:cxnSp>
+            <p:nvCxnSpPr>
+              <p:cNvPr id="121" name="Conector recto 120">
+                <a:extLst>
+                  <a:ext uri="{FF2B5EF4-FFF2-40B4-BE49-F238E27FC236}">
+                    <a16:creationId xmlns:a16="http://schemas.microsoft.com/office/drawing/2014/main" id="{E1B40B68-9217-1044-B4FC-2ED93F81E384}"/>
+                  </a:ext>
+                </a:extLst>
+              </p:cNvPr>
+              <p:cNvCxnSpPr>
+                <a:cxnSpLocks/>
+              </p:cNvCxnSpPr>
+              <p:nvPr/>
+            </p:nvCxnSpPr>
+            <p:spPr>
+              <a:xfrm>
+                <a:off x="5758927" y="1997336"/>
+                <a:ext cx="211567" cy="107577"/>
+              </a:xfrm>
+              <a:prstGeom prst="line">
+                <a:avLst/>
+              </a:prstGeom>
+              <a:ln w="12700">
+                <a:solidFill>
+                  <a:schemeClr val="tx1"/>
+                </a:solidFill>
+              </a:ln>
+            </p:spPr>
+            <p:style>
+              <a:lnRef idx="1">
+                <a:schemeClr val="accent1"/>
+              </a:lnRef>
+              <a:fillRef idx="0">
+                <a:schemeClr val="accent1"/>
+              </a:fillRef>
+              <a:effectRef idx="0">
+                <a:schemeClr val="accent1"/>
+              </a:effectRef>
+              <a:fontRef idx="minor">
+                <a:schemeClr val="tx1"/>
+              </a:fontRef>
+            </p:style>
+          </p:cxnSp>
+          <p:sp>
+            <p:nvSpPr>
+              <p:cNvPr id="122" name="Elipse 121">
+                <a:extLst>
+                  <a:ext uri="{FF2B5EF4-FFF2-40B4-BE49-F238E27FC236}">
+                    <a16:creationId xmlns:a16="http://schemas.microsoft.com/office/drawing/2014/main" id="{0D89187E-D8B2-1A46-B039-D6BEAF6A5E3C}"/>
+                  </a:ext>
+                </a:extLst>
+              </p:cNvPr>
+              <p:cNvSpPr/>
+              <p:nvPr/>
+            </p:nvSpPr>
+            <p:spPr>
+              <a:xfrm>
+                <a:off x="6301297" y="2791571"/>
+                <a:ext cx="90145" cy="90145"/>
+              </a:xfrm>
+              <a:prstGeom prst="ellipse">
+                <a:avLst/>
+              </a:prstGeom>
+              <a:solidFill>
+                <a:schemeClr val="bg1"/>
+              </a:solidFill>
+              <a:ln w="25400">
+                <a:solidFill>
+                  <a:schemeClr val="tx1"/>
+                </a:solidFill>
+              </a:ln>
+            </p:spPr>
+            <p:style>
+              <a:lnRef idx="2">
+                <a:schemeClr val="accent1">
+                  <a:shade val="50000"/>
+                </a:schemeClr>
+              </a:lnRef>
+              <a:fillRef idx="1">
+                <a:schemeClr val="accent1"/>
+              </a:fillRef>
+              <a:effectRef idx="0">
+                <a:schemeClr val="accent1"/>
+              </a:effectRef>
+              <a:fontRef idx="minor">
+                <a:schemeClr val="lt1"/>
+              </a:fontRef>
+            </p:style>
+            <p:txBody>
+              <a:bodyPr rtlCol="0" anchor="ctr"/>
+              <a:lstStyle/>
+              <a:p>
+                <a:pPr algn="ctr"/>
+                <a:endParaRPr lang="es-CO"/>
+              </a:p>
+            </p:txBody>
+          </p:sp>
+        </p:grpSp>
+      </p:grpSp>
+      <p:cxnSp>
+        <p:nvCxnSpPr>
+          <p:cNvPr id="127" name="Conector recto de flecha 126">
+            <a:extLst>
+              <a:ext uri="{FF2B5EF4-FFF2-40B4-BE49-F238E27FC236}">
+                <a16:creationId xmlns:a16="http://schemas.microsoft.com/office/drawing/2014/main" id="{736122C5-2B67-F147-8C84-71EA02192826}"/>
+              </a:ext>
+            </a:extLst>
+          </p:cNvPr>
+          <p:cNvCxnSpPr>
+            <a:cxnSpLocks/>
+          </p:cNvCxnSpPr>
+          <p:nvPr/>
+        </p:nvCxnSpPr>
+        <p:spPr>
+          <a:xfrm flipV="1">
+            <a:off x="3662206" y="1628126"/>
+            <a:ext cx="1138844" cy="2"/>
+          </a:xfrm>
+          <a:prstGeom prst="straightConnector1">
+            <a:avLst/>
+          </a:prstGeom>
+          <a:ln w="12700">
+            <a:solidFill>
+              <a:schemeClr val="tx1"/>
+            </a:solidFill>
+            <a:headEnd w="lg" len="med"/>
+            <a:tailEnd type="triangle"/>
+          </a:ln>
+        </p:spPr>
+        <p:style>
+          <a:lnRef idx="1">
+            <a:schemeClr val="accent1"/>
+          </a:lnRef>
+          <a:fillRef idx="0">
+            <a:schemeClr val="accent1"/>
+          </a:fillRef>
+          <a:effectRef idx="0">
+            <a:schemeClr val="accent1"/>
+          </a:effectRef>
+          <a:fontRef idx="minor">
+            <a:schemeClr val="tx1"/>
+          </a:fontRef>
+        </p:style>
+      </p:cxnSp>
+      <p:cxnSp>
+        <p:nvCxnSpPr>
+          <p:cNvPr id="128" name="Conector recto de flecha 127">
+            <a:extLst>
+              <a:ext uri="{FF2B5EF4-FFF2-40B4-BE49-F238E27FC236}">
+                <a16:creationId xmlns:a16="http://schemas.microsoft.com/office/drawing/2014/main" id="{0FBBDA98-4DA0-9541-95CC-FB435A502FEB}"/>
+              </a:ext>
+            </a:extLst>
+          </p:cNvPr>
+          <p:cNvCxnSpPr>
+            <a:cxnSpLocks/>
+          </p:cNvCxnSpPr>
+          <p:nvPr/>
+        </p:nvCxnSpPr>
+        <p:spPr>
+          <a:xfrm>
+            <a:off x="3564521" y="1736247"/>
+            <a:ext cx="0" cy="1145469"/>
+          </a:xfrm>
+          <a:prstGeom prst="straightConnector1">
+            <a:avLst/>
+          </a:prstGeom>
+          <a:ln w="12700">
+            <a:solidFill>
+              <a:schemeClr val="tx1"/>
+            </a:solidFill>
+            <a:headEnd w="lg" len="med"/>
+            <a:tailEnd type="triangle"/>
+          </a:ln>
+        </p:spPr>
+        <p:style>
+          <a:lnRef idx="1">
+            <a:schemeClr val="accent1"/>
+          </a:lnRef>
+          <a:fillRef idx="0">
+            <a:schemeClr val="accent1"/>
+          </a:fillRef>
+          <a:effectRef idx="0">
+            <a:schemeClr val="accent1"/>
+          </a:effectRef>
+          <a:fontRef idx="minor">
+            <a:schemeClr val="tx1"/>
+          </a:fontRef>
+        </p:style>
+      </p:cxnSp>
+      <p:sp>
+        <p:nvSpPr>
+          <p:cNvPr id="137" name="CuadroTexto 136">
+            <a:extLst>
+              <a:ext uri="{FF2B5EF4-FFF2-40B4-BE49-F238E27FC236}">
+                <a16:creationId xmlns:a16="http://schemas.microsoft.com/office/drawing/2014/main" id="{1923EF9A-B028-374F-9357-A1EB8904E129}"/>
+              </a:ext>
+            </a:extLst>
+          </p:cNvPr>
+          <p:cNvSpPr txBox="1"/>
+          <p:nvPr/>
+        </p:nvSpPr>
+        <p:spPr>
+          <a:xfrm>
+            <a:off x="3662205" y="1406068"/>
+            <a:ext cx="1138839" cy="246221"/>
+          </a:xfrm>
+          <a:prstGeom prst="rect">
+            <a:avLst/>
+          </a:prstGeom>
+          <a:noFill/>
+        </p:spPr>
+        <p:txBody>
+          <a:bodyPr wrap="square" rtlCol="0">
+            <a:spAutoFit/>
+          </a:bodyPr>
+          <a:lstStyle/>
+          <a:p>
+            <a:pPr algn="ctr"/>
+            <a:r>
+              <a:rPr lang="es-CO" sz="1000" dirty="0">
+                <a:latin typeface="Arial" panose="020B0604020202020204" pitchFamily="34" charset="0"/>
+                <a:cs typeface="Arial" panose="020B0604020202020204" pitchFamily="34" charset="0"/>
+              </a:rPr>
+              <a:t>Patrones</a:t>
+            </a:r>
+          </a:p>
+        </p:txBody>
+      </p:sp>
+      <p:sp>
+        <p:nvSpPr>
+          <p:cNvPr id="140" name="CuadroTexto 139">
+            <a:extLst>
+              <a:ext uri="{FF2B5EF4-FFF2-40B4-BE49-F238E27FC236}">
+                <a16:creationId xmlns:a16="http://schemas.microsoft.com/office/drawing/2014/main" id="{4457B9EE-370F-D248-AB1B-3D5699CC0702}"/>
+              </a:ext>
+            </a:extLst>
+          </p:cNvPr>
+          <p:cNvSpPr txBox="1"/>
+          <p:nvPr/>
+        </p:nvSpPr>
+        <p:spPr>
+          <a:xfrm rot="16200000">
+            <a:off x="2892296" y="2165104"/>
+            <a:ext cx="1132293" cy="246221"/>
+          </a:xfrm>
+          <a:prstGeom prst="rect">
+            <a:avLst/>
+          </a:prstGeom>
+          <a:noFill/>
+        </p:spPr>
+        <p:txBody>
+          <a:bodyPr wrap="square" rtlCol="0">
+            <a:spAutoFit/>
+          </a:bodyPr>
+          <a:lstStyle/>
+          <a:p>
+            <a:pPr algn="ctr"/>
+            <a:r>
+              <a:rPr lang="es-CO" sz="1000" dirty="0">
+                <a:latin typeface="Arial" panose="020B0604020202020204" pitchFamily="34" charset="0"/>
+                <a:cs typeface="Arial" panose="020B0604020202020204" pitchFamily="34" charset="0"/>
+              </a:rPr>
+              <a:t>Patrones</a:t>
+            </a:r>
+          </a:p>
+        </p:txBody>
+      </p:sp>
+      <p:sp>
+        <p:nvSpPr>
+          <p:cNvPr id="141" name="Flecha derecha 140">
+            <a:extLst>
+              <a:ext uri="{FF2B5EF4-FFF2-40B4-BE49-F238E27FC236}">
+                <a16:creationId xmlns:a16="http://schemas.microsoft.com/office/drawing/2014/main" id="{9F7210D0-A245-4B49-B98E-D0151924BD30}"/>
+              </a:ext>
+            </a:extLst>
+          </p:cNvPr>
+          <p:cNvSpPr/>
+          <p:nvPr/>
+        </p:nvSpPr>
+        <p:spPr>
+          <a:xfrm>
+            <a:off x="4955288" y="2201654"/>
+            <a:ext cx="397626" cy="214654"/>
+          </a:xfrm>
+          <a:prstGeom prst="rightArrow">
+            <a:avLst/>
+          </a:prstGeom>
+          <a:noFill/>
+          <a:ln>
+            <a:solidFill>
+              <a:schemeClr val="tx1"/>
+            </a:solidFill>
+          </a:ln>
+        </p:spPr>
+        <p:style>
+          <a:lnRef idx="2">
+            <a:schemeClr val="accent1">
+              <a:shade val="50000"/>
+            </a:schemeClr>
+          </a:lnRef>
+          <a:fillRef idx="1">
+            <a:schemeClr val="accent1"/>
+          </a:fillRef>
+          <a:effectRef idx="0">
+            <a:schemeClr val="accent1"/>
+          </a:effectRef>
+          <a:fontRef idx="minor">
+            <a:schemeClr val="lt1"/>
+          </a:fontRef>
+        </p:style>
+        <p:txBody>
+          <a:bodyPr rtlCol="0" anchor="ctr"/>
+          <a:lstStyle/>
+          <a:p>
+            <a:pPr algn="ctr"/>
+            <a:endParaRPr lang="es-CO"/>
+          </a:p>
+        </p:txBody>
+      </p:sp>
+      <p:pic>
+        <p:nvPicPr>
+          <p:cNvPr id="63" name="Imagen 62">
+            <a:extLst>
+              <a:ext uri="{FF2B5EF4-FFF2-40B4-BE49-F238E27FC236}">
+                <a16:creationId xmlns:a16="http://schemas.microsoft.com/office/drawing/2014/main" id="{E506847D-5702-F749-8029-BE58A41306D4}"/>
+              </a:ext>
+            </a:extLst>
+          </p:cNvPr>
+          <p:cNvPicPr>
+            <a:picLocks noChangeAspect="1"/>
+          </p:cNvPicPr>
+          <p:nvPr/>
+        </p:nvPicPr>
+        <p:blipFill>
+          <a:blip r:embed="rId2"/>
+          <a:stretch>
+            <a:fillRect/>
+          </a:stretch>
+        </p:blipFill>
+        <p:spPr>
+          <a:xfrm>
+            <a:off x="2762293" y="3234796"/>
+            <a:ext cx="2938662" cy="489777"/>
+          </a:xfrm>
+          <a:prstGeom prst="rect">
+            <a:avLst/>
+          </a:prstGeom>
+        </p:spPr>
+      </p:pic>
+      <p:sp>
+        <p:nvSpPr>
+          <p:cNvPr id="142" name="Flecha derecha 141">
+            <a:extLst>
+              <a:ext uri="{FF2B5EF4-FFF2-40B4-BE49-F238E27FC236}">
+                <a16:creationId xmlns:a16="http://schemas.microsoft.com/office/drawing/2014/main" id="{A3BB7AA5-95B3-7845-9AA0-CB6A252FF542}"/>
+              </a:ext>
+            </a:extLst>
+          </p:cNvPr>
+          <p:cNvSpPr/>
+          <p:nvPr/>
+        </p:nvSpPr>
+        <p:spPr>
+          <a:xfrm>
+            <a:off x="7776647" y="2201654"/>
+            <a:ext cx="397626" cy="214654"/>
+          </a:xfrm>
+          <a:prstGeom prst="rightArrow">
+            <a:avLst/>
+          </a:prstGeom>
+          <a:noFill/>
+          <a:ln>
+            <a:solidFill>
+              <a:schemeClr val="tx1"/>
+            </a:solidFill>
+          </a:ln>
+        </p:spPr>
+        <p:style>
+          <a:lnRef idx="2">
+            <a:schemeClr val="accent1">
+              <a:shade val="50000"/>
+            </a:schemeClr>
+          </a:lnRef>
+          <a:fillRef idx="1">
+            <a:schemeClr val="accent1"/>
+          </a:fillRef>
+          <a:effectRef idx="0">
+            <a:schemeClr val="accent1"/>
+          </a:effectRef>
+          <a:fontRef idx="minor">
+            <a:schemeClr val="lt1"/>
+          </a:fontRef>
+        </p:style>
+        <p:txBody>
+          <a:bodyPr rtlCol="0" anchor="ctr"/>
+          <a:lstStyle/>
+          <a:p>
+            <a:pPr algn="ctr"/>
+            <a:endParaRPr lang="es-CO"/>
+          </a:p>
+        </p:txBody>
+      </p:sp>
+      <p:grpSp>
+        <p:nvGrpSpPr>
+          <p:cNvPr id="150" name="Grupo 149">
+            <a:extLst>
+              <a:ext uri="{FF2B5EF4-FFF2-40B4-BE49-F238E27FC236}">
+                <a16:creationId xmlns:a16="http://schemas.microsoft.com/office/drawing/2014/main" id="{DF1A05D9-0E62-1C4C-9F02-FF991414F42E}"/>
+              </a:ext>
+            </a:extLst>
+          </p:cNvPr>
+          <p:cNvGrpSpPr/>
+          <p:nvPr/>
+        </p:nvGrpSpPr>
+        <p:grpSpPr>
+          <a:xfrm>
+            <a:off x="8329623" y="1747200"/>
+            <a:ext cx="1138844" cy="1547267"/>
+            <a:chOff x="6211567" y="4126450"/>
+            <a:chExt cx="1138844" cy="1547267"/>
+          </a:xfrm>
+        </p:grpSpPr>
+        <p:sp>
+          <p:nvSpPr>
+            <p:cNvPr id="144" name="Almacenamiento interno 143">
+              <a:extLst>
+                <a:ext uri="{FF2B5EF4-FFF2-40B4-BE49-F238E27FC236}">
+                  <a16:creationId xmlns:a16="http://schemas.microsoft.com/office/drawing/2014/main" id="{1676BAF1-59FD-2B44-9E77-A7ACD20A6F8F}"/>
+                </a:ext>
+              </a:extLst>
+            </p:cNvPr>
+            <p:cNvSpPr/>
+            <p:nvPr/>
+          </p:nvSpPr>
+          <p:spPr>
+            <a:xfrm>
+              <a:off x="6211567" y="4126450"/>
+              <a:ext cx="1138844" cy="1138844"/>
+            </a:xfrm>
+            <a:prstGeom prst="flowChartInternalStorage">
+              <a:avLst/>
+            </a:prstGeom>
+            <a:solidFill>
+              <a:schemeClr val="accent6">
+                <a:lumMod val="40000"/>
+                <a:lumOff val="60000"/>
+              </a:schemeClr>
+            </a:solidFill>
+          </p:spPr>
+          <p:style>
+            <a:lnRef idx="2">
+              <a:schemeClr val="accent1">
+                <a:shade val="50000"/>
+              </a:schemeClr>
+            </a:lnRef>
+            <a:fillRef idx="1">
+              <a:schemeClr val="accent1"/>
+            </a:fillRef>
+            <a:effectRef idx="0">
+              <a:schemeClr val="accent1"/>
+            </a:effectRef>
+            <a:fontRef idx="minor">
+              <a:schemeClr val="lt1"/>
+            </a:fontRef>
+          </p:style>
+          <p:txBody>
+            <a:bodyPr rtlCol="0" anchor="ctr"/>
+            <a:lstStyle/>
+            <a:p>
+              <a:pPr algn="ctr"/>
+              <a:endParaRPr lang="es-CO"/>
+            </a:p>
+          </p:txBody>
+        </p:sp>
+        <p:sp>
+          <p:nvSpPr>
+            <p:cNvPr id="145" name="CuadroTexto 144">
+              <a:extLst>
+                <a:ext uri="{FF2B5EF4-FFF2-40B4-BE49-F238E27FC236}">
+                  <a16:creationId xmlns:a16="http://schemas.microsoft.com/office/drawing/2014/main" id="{A06EEB8E-3BDF-0E43-A5FB-D7C30A8EE331}"/>
+                </a:ext>
+              </a:extLst>
+            </p:cNvPr>
+            <p:cNvSpPr txBox="1"/>
+            <p:nvPr/>
+          </p:nvSpPr>
+          <p:spPr>
+            <a:xfrm>
+              <a:off x="6315122" y="5273607"/>
+              <a:ext cx="931734" cy="400110"/>
+            </a:xfrm>
+            <a:prstGeom prst="rect">
+              <a:avLst/>
+            </a:prstGeom>
+            <a:noFill/>
+          </p:spPr>
+          <p:txBody>
+            <a:bodyPr wrap="square" rtlCol="0">
+              <a:spAutoFit/>
+            </a:bodyPr>
+            <a:lstStyle/>
+            <a:p>
+              <a:pPr algn="ctr"/>
+              <a:r>
+                <a:rPr lang="es-CO" sz="1000" dirty="0">
+                  <a:latin typeface="Arial" panose="020B0604020202020204" pitchFamily="34" charset="0"/>
+                  <a:cs typeface="Arial" panose="020B0604020202020204" pitchFamily="34" charset="0"/>
+                </a:rPr>
+                <a:t>Matriz de grado (</a:t>
+              </a:r>
+              <a:r>
+                <a:rPr lang="es-CO" sz="1000" i="1" dirty="0">
+                  <a:latin typeface="Times" pitchFamily="2" charset="0"/>
+                  <a:cs typeface="Arial" panose="020B0604020202020204" pitchFamily="34" charset="0"/>
+                </a:rPr>
+                <a:t>D</a:t>
+              </a:r>
+              <a:r>
+                <a:rPr lang="es-CO" sz="1000" dirty="0">
+                  <a:latin typeface="Arial" panose="020B0604020202020204" pitchFamily="34" charset="0"/>
+                  <a:cs typeface="Arial" panose="020B0604020202020204" pitchFamily="34" charset="0"/>
+                </a:rPr>
+                <a:t>)</a:t>
+              </a:r>
+            </a:p>
+          </p:txBody>
+        </p:sp>
+        <p:cxnSp>
+          <p:nvCxnSpPr>
+            <p:cNvPr id="131" name="Conector recto 130">
+              <a:extLst>
+                <a:ext uri="{FF2B5EF4-FFF2-40B4-BE49-F238E27FC236}">
+                  <a16:creationId xmlns:a16="http://schemas.microsoft.com/office/drawing/2014/main" id="{865BEF40-62E2-2B45-BDEA-BFD377260DC5}"/>
+                </a:ext>
+              </a:extLst>
+            </p:cNvPr>
+            <p:cNvCxnSpPr>
+              <a:cxnSpLocks/>
+            </p:cNvCxnSpPr>
+            <p:nvPr/>
+          </p:nvCxnSpPr>
+          <p:spPr>
+            <a:xfrm>
+              <a:off x="6279121" y="4187342"/>
+              <a:ext cx="1009575" cy="1007510"/>
+            </a:xfrm>
+            <a:prstGeom prst="line">
+              <a:avLst/>
+            </a:prstGeom>
+            <a:ln w="127000" cap="rnd">
+              <a:solidFill>
+                <a:schemeClr val="tx1"/>
+              </a:solidFill>
+            </a:ln>
+          </p:spPr>
+          <p:style>
+            <a:lnRef idx="1">
+              <a:schemeClr val="accent1"/>
+            </a:lnRef>
+            <a:fillRef idx="0">
+              <a:schemeClr val="accent1"/>
+            </a:fillRef>
+            <a:effectRef idx="0">
+              <a:schemeClr val="accent1"/>
+            </a:effectRef>
+            <a:fontRef idx="minor">
+              <a:schemeClr val="tx1"/>
+            </a:fontRef>
+          </p:style>
+        </p:cxnSp>
+        <p:sp>
+          <p:nvSpPr>
+            <p:cNvPr id="148" name="CuadroTexto 147">
+              <a:extLst>
+                <a:ext uri="{FF2B5EF4-FFF2-40B4-BE49-F238E27FC236}">
+                  <a16:creationId xmlns:a16="http://schemas.microsoft.com/office/drawing/2014/main" id="{01D435A1-0D1F-8D47-A007-CB2C05F40875}"/>
+                </a:ext>
+              </a:extLst>
+            </p:cNvPr>
+            <p:cNvSpPr txBox="1"/>
+            <p:nvPr/>
+          </p:nvSpPr>
+          <p:spPr>
+            <a:xfrm>
+              <a:off x="6829968" y="4283941"/>
+              <a:ext cx="407444" cy="523220"/>
+            </a:xfrm>
+            <a:prstGeom prst="rect">
+              <a:avLst/>
+            </a:prstGeom>
+            <a:noFill/>
+          </p:spPr>
+          <p:txBody>
+            <a:bodyPr wrap="square" rtlCol="0">
+              <a:spAutoFit/>
+            </a:bodyPr>
+            <a:lstStyle/>
+            <a:p>
+              <a:pPr algn="ctr"/>
+              <a:r>
+                <a:rPr lang="es-CO" sz="2800" b="1" dirty="0">
+                  <a:latin typeface="Arial" panose="020B0604020202020204" pitchFamily="34" charset="0"/>
+                  <a:cs typeface="Arial" panose="020B0604020202020204" pitchFamily="34" charset="0"/>
+                </a:rPr>
+                <a:t>0</a:t>
+              </a:r>
+            </a:p>
+          </p:txBody>
+        </p:sp>
+        <p:sp>
+          <p:nvSpPr>
+            <p:cNvPr id="149" name="CuadroTexto 148">
+              <a:extLst>
+                <a:ext uri="{FF2B5EF4-FFF2-40B4-BE49-F238E27FC236}">
+                  <a16:creationId xmlns:a16="http://schemas.microsoft.com/office/drawing/2014/main" id="{4C38D6E1-8258-4D4F-8E69-BEC547955DC3}"/>
+                </a:ext>
+              </a:extLst>
+            </p:cNvPr>
+            <p:cNvSpPr txBox="1"/>
+            <p:nvPr/>
+          </p:nvSpPr>
+          <p:spPr>
+            <a:xfrm>
+              <a:off x="6343783" y="4651704"/>
+              <a:ext cx="407444" cy="523220"/>
+            </a:xfrm>
+            <a:prstGeom prst="rect">
+              <a:avLst/>
+            </a:prstGeom>
+            <a:noFill/>
+          </p:spPr>
+          <p:txBody>
+            <a:bodyPr wrap="square" rtlCol="0">
+              <a:spAutoFit/>
+            </a:bodyPr>
+            <a:lstStyle/>
+            <a:p>
+              <a:pPr algn="ctr"/>
+              <a:r>
+                <a:rPr lang="es-CO" sz="2800" b="1" dirty="0">
+                  <a:latin typeface="Arial" panose="020B0604020202020204" pitchFamily="34" charset="0"/>
+                  <a:cs typeface="Arial" panose="020B0604020202020204" pitchFamily="34" charset="0"/>
+                </a:rPr>
+                <a:t>0</a:t>
+              </a:r>
+            </a:p>
+          </p:txBody>
+        </p:sp>
+      </p:grpSp>
+    </p:spTree>
+    <p:extLst>
+      <p:ext uri="{BB962C8B-B14F-4D97-AF65-F5344CB8AC3E}">
+        <p14:creationId xmlns:p14="http://schemas.microsoft.com/office/powerpoint/2010/main" val="4103045459"/>
       </p:ext>
     </p:extLst>
   </p:cSld>
